--- a/Presentazione Progetto AMOD.pptx
+++ b/Presentazione Progetto AMOD.pptx
@@ -5,31 +5,39 @@
     <p:sldMasterId id="2147483658" r:id="rId4"/>
   </p:sldMasterIdLst>
   <p:notesMasterIdLst>
-    <p:notesMasterId r:id="rId24"/>
+    <p:notesMasterId r:id="rId32"/>
   </p:notesMasterIdLst>
   <p:handoutMasterIdLst>
-    <p:handoutMasterId r:id="rId25"/>
+    <p:handoutMasterId r:id="rId33"/>
   </p:handoutMasterIdLst>
   <p:sldIdLst>
     <p:sldId id="350" r:id="rId5"/>
-    <p:sldId id="361" r:id="rId6"/>
-    <p:sldId id="365" r:id="rId7"/>
+    <p:sldId id="365" r:id="rId6"/>
+    <p:sldId id="395" r:id="rId7"/>
     <p:sldId id="366" r:id="rId8"/>
     <p:sldId id="367" r:id="rId9"/>
     <p:sldId id="368" r:id="rId10"/>
     <p:sldId id="369" r:id="rId11"/>
     <p:sldId id="370" r:id="rId12"/>
     <p:sldId id="371" r:id="rId13"/>
-    <p:sldId id="372" r:id="rId14"/>
-    <p:sldId id="352" r:id="rId15"/>
-    <p:sldId id="354" r:id="rId16"/>
-    <p:sldId id="355" r:id="rId17"/>
-    <p:sldId id="356" r:id="rId18"/>
-    <p:sldId id="357" r:id="rId19"/>
-    <p:sldId id="362" r:id="rId20"/>
-    <p:sldId id="363" r:id="rId21"/>
-    <p:sldId id="364" r:id="rId22"/>
+    <p:sldId id="373" r:id="rId14"/>
+    <p:sldId id="374" r:id="rId15"/>
+    <p:sldId id="376" r:id="rId16"/>
+    <p:sldId id="391" r:id="rId17"/>
+    <p:sldId id="392" r:id="rId18"/>
+    <p:sldId id="393" r:id="rId19"/>
+    <p:sldId id="394" r:id="rId20"/>
+    <p:sldId id="390" r:id="rId21"/>
+    <p:sldId id="372" r:id="rId22"/>
     <p:sldId id="343" r:id="rId23"/>
+    <p:sldId id="352" r:id="rId24"/>
+    <p:sldId id="354" r:id="rId25"/>
+    <p:sldId id="355" r:id="rId26"/>
+    <p:sldId id="356" r:id="rId27"/>
+    <p:sldId id="357" r:id="rId28"/>
+    <p:sldId id="362" r:id="rId29"/>
+    <p:sldId id="363" r:id="rId30"/>
+    <p:sldId id="364" r:id="rId31"/>
   </p:sldIdLst>
   <p:sldSz cx="12192000" cy="6858000"/>
   <p:notesSz cx="6858000" cy="9144000"/>
@@ -129,6 +137,45 @@
     </a:lvl9pPr>
   </p:defaultTextStyle>
   <p:extLst>
+    <p:ext uri="{521415D9-36F7-43E2-AB2F-B90AF26B5E84}">
+      <p14:sectionLst xmlns:p14="http://schemas.microsoft.com/office/powerpoint/2010/main">
+        <p14:section name="Sezione predefinita" id="{3C758442-A41C-499A-AC6E-B888A75CFD9B}">
+          <p14:sldIdLst>
+            <p14:sldId id="350"/>
+            <p14:sldId id="365"/>
+            <p14:sldId id="395"/>
+            <p14:sldId id="366"/>
+            <p14:sldId id="367"/>
+            <p14:sldId id="368"/>
+            <p14:sldId id="369"/>
+            <p14:sldId id="370"/>
+            <p14:sldId id="371"/>
+            <p14:sldId id="373"/>
+            <p14:sldId id="374"/>
+            <p14:sldId id="376"/>
+            <p14:sldId id="391"/>
+            <p14:sldId id="392"/>
+            <p14:sldId id="393"/>
+            <p14:sldId id="394"/>
+            <p14:sldId id="390"/>
+            <p14:sldId id="372"/>
+            <p14:sldId id="343"/>
+          </p14:sldIdLst>
+        </p14:section>
+        <p14:section name="Sezione senza titolo" id="{AAF3AAE2-04E6-4112-A60B-F85EF27B406E}">
+          <p14:sldIdLst>
+            <p14:sldId id="352"/>
+            <p14:sldId id="354"/>
+            <p14:sldId id="355"/>
+            <p14:sldId id="356"/>
+            <p14:sldId id="357"/>
+            <p14:sldId id="362"/>
+            <p14:sldId id="363"/>
+            <p14:sldId id="364"/>
+          </p14:sldIdLst>
+        </p14:section>
+      </p14:sectionLst>
+    </p:ext>
     <p:ext uri="{EFAFB233-063F-42B5-8137-9DF3F51BA10A}">
       <p15:sldGuideLst xmlns:p15="http://schemas.microsoft.com/office/powerpoint/2012/main"/>
     </p:ext>
@@ -381,7 +428,7 @@
             <a:pPr rtl="0"/>
             <a:fld id="{AD5349E3-2257-46A2-87AA-98208788B886}" type="datetime1">
               <a:rPr lang="it-IT" noProof="0" smtClean="0"/>
-              <a:t>22/10/2022</a:t>
+              <a:t>04/11/2022</a:t>
             </a:fld>
             <a:endParaRPr lang="it-IT" noProof="0"/>
           </a:p>
@@ -803,7 +850,7 @@
             <a:pPr rtl="0"/>
             <a:fld id="{A89C7E07-3C67-C64C-8DA0-0404F6303970}" type="slidenum">
               <a:rPr lang="it-IT" smtClean="0"/>
-              <a:t>11</a:t>
+              <a:t>10</a:t>
             </a:fld>
             <a:endParaRPr lang="it-IT"/>
           </a:p>
@@ -812,7 +859,7 @@
     </p:spTree>
     <p:extLst>
       <p:ext uri="{BB962C8B-B14F-4D97-AF65-F5344CB8AC3E}">
-        <p14:creationId xmlns:p14="http://schemas.microsoft.com/office/powerpoint/2010/main" val="2072774113"/>
+        <p14:creationId xmlns:p14="http://schemas.microsoft.com/office/powerpoint/2010/main" val="270209968"/>
       </p:ext>
     </p:extLst>
   </p:cSld>
@@ -888,7 +935,7 @@
             <a:pPr rtl="0"/>
             <a:fld id="{A89C7E07-3C67-C64C-8DA0-0404F6303970}" type="slidenum">
               <a:rPr lang="it-IT" smtClean="0"/>
-              <a:t>12</a:t>
+              <a:t>11</a:t>
             </a:fld>
             <a:endParaRPr lang="it-IT"/>
           </a:p>
@@ -897,7 +944,7 @@
     </p:spTree>
     <p:extLst>
       <p:ext uri="{BB962C8B-B14F-4D97-AF65-F5344CB8AC3E}">
-        <p14:creationId xmlns:p14="http://schemas.microsoft.com/office/powerpoint/2010/main" val="716498680"/>
+        <p14:creationId xmlns:p14="http://schemas.microsoft.com/office/powerpoint/2010/main" val="1411877942"/>
       </p:ext>
     </p:extLst>
   </p:cSld>
@@ -973,7 +1020,7 @@
             <a:pPr rtl="0"/>
             <a:fld id="{A89C7E07-3C67-C64C-8DA0-0404F6303970}" type="slidenum">
               <a:rPr lang="it-IT" smtClean="0"/>
-              <a:t>13</a:t>
+              <a:t>12</a:t>
             </a:fld>
             <a:endParaRPr lang="it-IT"/>
           </a:p>
@@ -982,7 +1029,7 @@
     </p:spTree>
     <p:extLst>
       <p:ext uri="{BB962C8B-B14F-4D97-AF65-F5344CB8AC3E}">
-        <p14:creationId xmlns:p14="http://schemas.microsoft.com/office/powerpoint/2010/main" val="2404554539"/>
+        <p14:creationId xmlns:p14="http://schemas.microsoft.com/office/powerpoint/2010/main" val="3605867181"/>
       </p:ext>
     </p:extLst>
   </p:cSld>
@@ -1058,7 +1105,7 @@
             <a:pPr rtl="0"/>
             <a:fld id="{A89C7E07-3C67-C64C-8DA0-0404F6303970}" type="slidenum">
               <a:rPr lang="it-IT" smtClean="0"/>
-              <a:t>14</a:t>
+              <a:t>13</a:t>
             </a:fld>
             <a:endParaRPr lang="it-IT"/>
           </a:p>
@@ -1067,7 +1114,7 @@
     </p:spTree>
     <p:extLst>
       <p:ext uri="{BB962C8B-B14F-4D97-AF65-F5344CB8AC3E}">
-        <p14:creationId xmlns:p14="http://schemas.microsoft.com/office/powerpoint/2010/main" val="2686398508"/>
+        <p14:creationId xmlns:p14="http://schemas.microsoft.com/office/powerpoint/2010/main" val="2404708823"/>
       </p:ext>
     </p:extLst>
   </p:cSld>
@@ -1143,7 +1190,7 @@
             <a:pPr rtl="0"/>
             <a:fld id="{A89C7E07-3C67-C64C-8DA0-0404F6303970}" type="slidenum">
               <a:rPr lang="it-IT" smtClean="0"/>
-              <a:t>15</a:t>
+              <a:t>14</a:t>
             </a:fld>
             <a:endParaRPr lang="it-IT"/>
           </a:p>
@@ -1152,7 +1199,7 @@
     </p:spTree>
     <p:extLst>
       <p:ext uri="{BB962C8B-B14F-4D97-AF65-F5344CB8AC3E}">
-        <p14:creationId xmlns:p14="http://schemas.microsoft.com/office/powerpoint/2010/main" val="3599261400"/>
+        <p14:creationId xmlns:p14="http://schemas.microsoft.com/office/powerpoint/2010/main" val="2015702790"/>
       </p:ext>
     </p:extLst>
   </p:cSld>
@@ -1228,7 +1275,7 @@
             <a:pPr rtl="0"/>
             <a:fld id="{A89C7E07-3C67-C64C-8DA0-0404F6303970}" type="slidenum">
               <a:rPr lang="it-IT" smtClean="0"/>
-              <a:t>16</a:t>
+              <a:t>15</a:t>
             </a:fld>
             <a:endParaRPr lang="it-IT"/>
           </a:p>
@@ -1237,7 +1284,7 @@
     </p:spTree>
     <p:extLst>
       <p:ext uri="{BB962C8B-B14F-4D97-AF65-F5344CB8AC3E}">
-        <p14:creationId xmlns:p14="http://schemas.microsoft.com/office/powerpoint/2010/main" val="2959896454"/>
+        <p14:creationId xmlns:p14="http://schemas.microsoft.com/office/powerpoint/2010/main" val="263189466"/>
       </p:ext>
     </p:extLst>
   </p:cSld>
@@ -1313,7 +1360,7 @@
             <a:pPr rtl="0"/>
             <a:fld id="{A89C7E07-3C67-C64C-8DA0-0404F6303970}" type="slidenum">
               <a:rPr lang="it-IT" smtClean="0"/>
-              <a:t>17</a:t>
+              <a:t>16</a:t>
             </a:fld>
             <a:endParaRPr lang="it-IT"/>
           </a:p>
@@ -1322,7 +1369,7 @@
     </p:spTree>
     <p:extLst>
       <p:ext uri="{BB962C8B-B14F-4D97-AF65-F5344CB8AC3E}">
-        <p14:creationId xmlns:p14="http://schemas.microsoft.com/office/powerpoint/2010/main" val="1658014620"/>
+        <p14:creationId xmlns:p14="http://schemas.microsoft.com/office/powerpoint/2010/main" val="2021512518"/>
       </p:ext>
     </p:extLst>
   </p:cSld>
@@ -1398,7 +1445,7 @@
             <a:pPr rtl="0"/>
             <a:fld id="{A89C7E07-3C67-C64C-8DA0-0404F6303970}" type="slidenum">
               <a:rPr lang="it-IT" smtClean="0"/>
-              <a:t>18</a:t>
+              <a:t>17</a:t>
             </a:fld>
             <a:endParaRPr lang="it-IT"/>
           </a:p>
@@ -1407,7 +1454,7 @@
     </p:spTree>
     <p:extLst>
       <p:ext uri="{BB962C8B-B14F-4D97-AF65-F5344CB8AC3E}">
-        <p14:creationId xmlns:p14="http://schemas.microsoft.com/office/powerpoint/2010/main" val="452769728"/>
+        <p14:creationId xmlns:p14="http://schemas.microsoft.com/office/powerpoint/2010/main" val="466266620"/>
       </p:ext>
     </p:extLst>
   </p:cSld>
@@ -1503,6 +1550,91 @@
 </p:notes>
 </file>
 
+<file path=ppt/notesSlides/notesSlide19.xml><?xml version="1.0" encoding="utf-8"?>
+<p:notes xmlns:a="http://schemas.openxmlformats.org/drawingml/2006/main" xmlns:r="http://schemas.openxmlformats.org/officeDocument/2006/relationships" xmlns:p="http://schemas.openxmlformats.org/presentationml/2006/main">
+  <p:cSld>
+    <p:spTree>
+      <p:nvGrpSpPr>
+        <p:cNvPr id="1" name=""/>
+        <p:cNvGrpSpPr/>
+        <p:nvPr/>
+      </p:nvGrpSpPr>
+      <p:grpSpPr>
+        <a:xfrm>
+          <a:off x="0" y="0"/>
+          <a:ext cx="0" cy="0"/>
+          <a:chOff x="0" y="0"/>
+          <a:chExt cx="0" cy="0"/>
+        </a:xfrm>
+      </p:grpSpPr>
+      <p:sp>
+        <p:nvSpPr>
+          <p:cNvPr id="2" name="Segnaposto immagine diapositiva 1"/>
+          <p:cNvSpPr>
+            <a:spLocks noGrp="1" noRot="1" noChangeAspect="1"/>
+          </p:cNvSpPr>
+          <p:nvPr>
+            <p:ph type="sldImg"/>
+          </p:nvPr>
+        </p:nvSpPr>
+        <p:spPr/>
+      </p:sp>
+      <p:sp>
+        <p:nvSpPr>
+          <p:cNvPr id="3" name="Segnaposto note 2"/>
+          <p:cNvSpPr>
+            <a:spLocks noGrp="1"/>
+          </p:cNvSpPr>
+          <p:nvPr>
+            <p:ph type="body" idx="1"/>
+          </p:nvPr>
+        </p:nvSpPr>
+        <p:spPr/>
+        <p:txBody>
+          <a:bodyPr/>
+          <a:lstStyle/>
+          <a:p>
+            <a:endParaRPr lang="it-IT" dirty="0"/>
+          </a:p>
+        </p:txBody>
+      </p:sp>
+      <p:sp>
+        <p:nvSpPr>
+          <p:cNvPr id="4" name="Segnaposto numero diapositiva 3"/>
+          <p:cNvSpPr>
+            <a:spLocks noGrp="1"/>
+          </p:cNvSpPr>
+          <p:nvPr>
+            <p:ph type="sldNum" sz="quarter" idx="5"/>
+          </p:nvPr>
+        </p:nvSpPr>
+        <p:spPr/>
+        <p:txBody>
+          <a:bodyPr/>
+          <a:lstStyle/>
+          <a:p>
+            <a:pPr rtl="0"/>
+            <a:fld id="{A89C7E07-3C67-C64C-8DA0-0404F6303970}" type="slidenum">
+              <a:rPr lang="it-IT" smtClean="0"/>
+              <a:t>20</a:t>
+            </a:fld>
+            <a:endParaRPr lang="it-IT"/>
+          </a:p>
+        </p:txBody>
+      </p:sp>
+    </p:spTree>
+    <p:extLst>
+      <p:ext uri="{BB962C8B-B14F-4D97-AF65-F5344CB8AC3E}">
+        <p14:creationId xmlns:p14="http://schemas.microsoft.com/office/powerpoint/2010/main" val="2072774113"/>
+      </p:ext>
+    </p:extLst>
+  </p:cSld>
+  <p:clrMapOvr>
+    <a:masterClrMapping/>
+  </p:clrMapOvr>
+</p:notes>
+</file>
+
 <file path=ppt/notesSlides/notesSlide2.xml><?xml version="1.0" encoding="utf-8"?>
 <p:notes xmlns:a="http://schemas.openxmlformats.org/drawingml/2006/main" xmlns:r="http://schemas.openxmlformats.org/officeDocument/2006/relationships" xmlns:p="http://schemas.openxmlformats.org/presentationml/2006/main">
   <p:cSld>
@@ -1578,7 +1710,602 @@
     </p:spTree>
     <p:extLst>
       <p:ext uri="{BB962C8B-B14F-4D97-AF65-F5344CB8AC3E}">
-        <p14:creationId xmlns:p14="http://schemas.microsoft.com/office/powerpoint/2010/main" val="1757361830"/>
+        <p14:creationId xmlns:p14="http://schemas.microsoft.com/office/powerpoint/2010/main" val="2077275751"/>
+      </p:ext>
+    </p:extLst>
+  </p:cSld>
+  <p:clrMapOvr>
+    <a:masterClrMapping/>
+  </p:clrMapOvr>
+</p:notes>
+</file>
+
+<file path=ppt/notesSlides/notesSlide20.xml><?xml version="1.0" encoding="utf-8"?>
+<p:notes xmlns:a="http://schemas.openxmlformats.org/drawingml/2006/main" xmlns:r="http://schemas.openxmlformats.org/officeDocument/2006/relationships" xmlns:p="http://schemas.openxmlformats.org/presentationml/2006/main">
+  <p:cSld>
+    <p:spTree>
+      <p:nvGrpSpPr>
+        <p:cNvPr id="1" name=""/>
+        <p:cNvGrpSpPr/>
+        <p:nvPr/>
+      </p:nvGrpSpPr>
+      <p:grpSpPr>
+        <a:xfrm>
+          <a:off x="0" y="0"/>
+          <a:ext cx="0" cy="0"/>
+          <a:chOff x="0" y="0"/>
+          <a:chExt cx="0" cy="0"/>
+        </a:xfrm>
+      </p:grpSpPr>
+      <p:sp>
+        <p:nvSpPr>
+          <p:cNvPr id="2" name="Segnaposto immagine diapositiva 1"/>
+          <p:cNvSpPr>
+            <a:spLocks noGrp="1" noRot="1" noChangeAspect="1"/>
+          </p:cNvSpPr>
+          <p:nvPr>
+            <p:ph type="sldImg"/>
+          </p:nvPr>
+        </p:nvSpPr>
+        <p:spPr/>
+      </p:sp>
+      <p:sp>
+        <p:nvSpPr>
+          <p:cNvPr id="3" name="Segnaposto note 2"/>
+          <p:cNvSpPr>
+            <a:spLocks noGrp="1"/>
+          </p:cNvSpPr>
+          <p:nvPr>
+            <p:ph type="body" idx="1"/>
+          </p:nvPr>
+        </p:nvSpPr>
+        <p:spPr/>
+        <p:txBody>
+          <a:bodyPr/>
+          <a:lstStyle/>
+          <a:p>
+            <a:endParaRPr lang="it-IT" dirty="0"/>
+          </a:p>
+        </p:txBody>
+      </p:sp>
+      <p:sp>
+        <p:nvSpPr>
+          <p:cNvPr id="4" name="Segnaposto numero diapositiva 3"/>
+          <p:cNvSpPr>
+            <a:spLocks noGrp="1"/>
+          </p:cNvSpPr>
+          <p:nvPr>
+            <p:ph type="sldNum" sz="quarter" idx="5"/>
+          </p:nvPr>
+        </p:nvSpPr>
+        <p:spPr/>
+        <p:txBody>
+          <a:bodyPr/>
+          <a:lstStyle/>
+          <a:p>
+            <a:pPr rtl="0"/>
+            <a:fld id="{A89C7E07-3C67-C64C-8DA0-0404F6303970}" type="slidenum">
+              <a:rPr lang="it-IT" smtClean="0"/>
+              <a:t>21</a:t>
+            </a:fld>
+            <a:endParaRPr lang="it-IT"/>
+          </a:p>
+        </p:txBody>
+      </p:sp>
+    </p:spTree>
+    <p:extLst>
+      <p:ext uri="{BB962C8B-B14F-4D97-AF65-F5344CB8AC3E}">
+        <p14:creationId xmlns:p14="http://schemas.microsoft.com/office/powerpoint/2010/main" val="716498680"/>
+      </p:ext>
+    </p:extLst>
+  </p:cSld>
+  <p:clrMapOvr>
+    <a:masterClrMapping/>
+  </p:clrMapOvr>
+</p:notes>
+</file>
+
+<file path=ppt/notesSlides/notesSlide21.xml><?xml version="1.0" encoding="utf-8"?>
+<p:notes xmlns:a="http://schemas.openxmlformats.org/drawingml/2006/main" xmlns:r="http://schemas.openxmlformats.org/officeDocument/2006/relationships" xmlns:p="http://schemas.openxmlformats.org/presentationml/2006/main">
+  <p:cSld>
+    <p:spTree>
+      <p:nvGrpSpPr>
+        <p:cNvPr id="1" name=""/>
+        <p:cNvGrpSpPr/>
+        <p:nvPr/>
+      </p:nvGrpSpPr>
+      <p:grpSpPr>
+        <a:xfrm>
+          <a:off x="0" y="0"/>
+          <a:ext cx="0" cy="0"/>
+          <a:chOff x="0" y="0"/>
+          <a:chExt cx="0" cy="0"/>
+        </a:xfrm>
+      </p:grpSpPr>
+      <p:sp>
+        <p:nvSpPr>
+          <p:cNvPr id="2" name="Segnaposto immagine diapositiva 1"/>
+          <p:cNvSpPr>
+            <a:spLocks noGrp="1" noRot="1" noChangeAspect="1"/>
+          </p:cNvSpPr>
+          <p:nvPr>
+            <p:ph type="sldImg"/>
+          </p:nvPr>
+        </p:nvSpPr>
+        <p:spPr/>
+      </p:sp>
+      <p:sp>
+        <p:nvSpPr>
+          <p:cNvPr id="3" name="Segnaposto note 2"/>
+          <p:cNvSpPr>
+            <a:spLocks noGrp="1"/>
+          </p:cNvSpPr>
+          <p:nvPr>
+            <p:ph type="body" idx="1"/>
+          </p:nvPr>
+        </p:nvSpPr>
+        <p:spPr/>
+        <p:txBody>
+          <a:bodyPr/>
+          <a:lstStyle/>
+          <a:p>
+            <a:endParaRPr lang="it-IT" dirty="0"/>
+          </a:p>
+        </p:txBody>
+      </p:sp>
+      <p:sp>
+        <p:nvSpPr>
+          <p:cNvPr id="4" name="Segnaposto numero diapositiva 3"/>
+          <p:cNvSpPr>
+            <a:spLocks noGrp="1"/>
+          </p:cNvSpPr>
+          <p:nvPr>
+            <p:ph type="sldNum" sz="quarter" idx="5"/>
+          </p:nvPr>
+        </p:nvSpPr>
+        <p:spPr/>
+        <p:txBody>
+          <a:bodyPr/>
+          <a:lstStyle/>
+          <a:p>
+            <a:pPr rtl="0"/>
+            <a:fld id="{A89C7E07-3C67-C64C-8DA0-0404F6303970}" type="slidenum">
+              <a:rPr lang="it-IT" smtClean="0"/>
+              <a:t>22</a:t>
+            </a:fld>
+            <a:endParaRPr lang="it-IT"/>
+          </a:p>
+        </p:txBody>
+      </p:sp>
+    </p:spTree>
+    <p:extLst>
+      <p:ext uri="{BB962C8B-B14F-4D97-AF65-F5344CB8AC3E}">
+        <p14:creationId xmlns:p14="http://schemas.microsoft.com/office/powerpoint/2010/main" val="2404554539"/>
+      </p:ext>
+    </p:extLst>
+  </p:cSld>
+  <p:clrMapOvr>
+    <a:masterClrMapping/>
+  </p:clrMapOvr>
+</p:notes>
+</file>
+
+<file path=ppt/notesSlides/notesSlide22.xml><?xml version="1.0" encoding="utf-8"?>
+<p:notes xmlns:a="http://schemas.openxmlformats.org/drawingml/2006/main" xmlns:r="http://schemas.openxmlformats.org/officeDocument/2006/relationships" xmlns:p="http://schemas.openxmlformats.org/presentationml/2006/main">
+  <p:cSld>
+    <p:spTree>
+      <p:nvGrpSpPr>
+        <p:cNvPr id="1" name=""/>
+        <p:cNvGrpSpPr/>
+        <p:nvPr/>
+      </p:nvGrpSpPr>
+      <p:grpSpPr>
+        <a:xfrm>
+          <a:off x="0" y="0"/>
+          <a:ext cx="0" cy="0"/>
+          <a:chOff x="0" y="0"/>
+          <a:chExt cx="0" cy="0"/>
+        </a:xfrm>
+      </p:grpSpPr>
+      <p:sp>
+        <p:nvSpPr>
+          <p:cNvPr id="2" name="Segnaposto immagine diapositiva 1"/>
+          <p:cNvSpPr>
+            <a:spLocks noGrp="1" noRot="1" noChangeAspect="1"/>
+          </p:cNvSpPr>
+          <p:nvPr>
+            <p:ph type="sldImg"/>
+          </p:nvPr>
+        </p:nvSpPr>
+        <p:spPr/>
+      </p:sp>
+      <p:sp>
+        <p:nvSpPr>
+          <p:cNvPr id="3" name="Segnaposto note 2"/>
+          <p:cNvSpPr>
+            <a:spLocks noGrp="1"/>
+          </p:cNvSpPr>
+          <p:nvPr>
+            <p:ph type="body" idx="1"/>
+          </p:nvPr>
+        </p:nvSpPr>
+        <p:spPr/>
+        <p:txBody>
+          <a:bodyPr/>
+          <a:lstStyle/>
+          <a:p>
+            <a:endParaRPr lang="it-IT" dirty="0"/>
+          </a:p>
+        </p:txBody>
+      </p:sp>
+      <p:sp>
+        <p:nvSpPr>
+          <p:cNvPr id="4" name="Segnaposto numero diapositiva 3"/>
+          <p:cNvSpPr>
+            <a:spLocks noGrp="1"/>
+          </p:cNvSpPr>
+          <p:nvPr>
+            <p:ph type="sldNum" sz="quarter" idx="5"/>
+          </p:nvPr>
+        </p:nvSpPr>
+        <p:spPr/>
+        <p:txBody>
+          <a:bodyPr/>
+          <a:lstStyle/>
+          <a:p>
+            <a:pPr rtl="0"/>
+            <a:fld id="{A89C7E07-3C67-C64C-8DA0-0404F6303970}" type="slidenum">
+              <a:rPr lang="it-IT" smtClean="0"/>
+              <a:t>23</a:t>
+            </a:fld>
+            <a:endParaRPr lang="it-IT"/>
+          </a:p>
+        </p:txBody>
+      </p:sp>
+    </p:spTree>
+    <p:extLst>
+      <p:ext uri="{BB962C8B-B14F-4D97-AF65-F5344CB8AC3E}">
+        <p14:creationId xmlns:p14="http://schemas.microsoft.com/office/powerpoint/2010/main" val="2686398508"/>
+      </p:ext>
+    </p:extLst>
+  </p:cSld>
+  <p:clrMapOvr>
+    <a:masterClrMapping/>
+  </p:clrMapOvr>
+</p:notes>
+</file>
+
+<file path=ppt/notesSlides/notesSlide23.xml><?xml version="1.0" encoding="utf-8"?>
+<p:notes xmlns:a="http://schemas.openxmlformats.org/drawingml/2006/main" xmlns:r="http://schemas.openxmlformats.org/officeDocument/2006/relationships" xmlns:p="http://schemas.openxmlformats.org/presentationml/2006/main">
+  <p:cSld>
+    <p:spTree>
+      <p:nvGrpSpPr>
+        <p:cNvPr id="1" name=""/>
+        <p:cNvGrpSpPr/>
+        <p:nvPr/>
+      </p:nvGrpSpPr>
+      <p:grpSpPr>
+        <a:xfrm>
+          <a:off x="0" y="0"/>
+          <a:ext cx="0" cy="0"/>
+          <a:chOff x="0" y="0"/>
+          <a:chExt cx="0" cy="0"/>
+        </a:xfrm>
+      </p:grpSpPr>
+      <p:sp>
+        <p:nvSpPr>
+          <p:cNvPr id="2" name="Segnaposto immagine diapositiva 1"/>
+          <p:cNvSpPr>
+            <a:spLocks noGrp="1" noRot="1" noChangeAspect="1"/>
+          </p:cNvSpPr>
+          <p:nvPr>
+            <p:ph type="sldImg"/>
+          </p:nvPr>
+        </p:nvSpPr>
+        <p:spPr/>
+      </p:sp>
+      <p:sp>
+        <p:nvSpPr>
+          <p:cNvPr id="3" name="Segnaposto note 2"/>
+          <p:cNvSpPr>
+            <a:spLocks noGrp="1"/>
+          </p:cNvSpPr>
+          <p:nvPr>
+            <p:ph type="body" idx="1"/>
+          </p:nvPr>
+        </p:nvSpPr>
+        <p:spPr/>
+        <p:txBody>
+          <a:bodyPr/>
+          <a:lstStyle/>
+          <a:p>
+            <a:endParaRPr lang="it-IT" dirty="0"/>
+          </a:p>
+        </p:txBody>
+      </p:sp>
+      <p:sp>
+        <p:nvSpPr>
+          <p:cNvPr id="4" name="Segnaposto numero diapositiva 3"/>
+          <p:cNvSpPr>
+            <a:spLocks noGrp="1"/>
+          </p:cNvSpPr>
+          <p:nvPr>
+            <p:ph type="sldNum" sz="quarter" idx="5"/>
+          </p:nvPr>
+        </p:nvSpPr>
+        <p:spPr/>
+        <p:txBody>
+          <a:bodyPr/>
+          <a:lstStyle/>
+          <a:p>
+            <a:pPr rtl="0"/>
+            <a:fld id="{A89C7E07-3C67-C64C-8DA0-0404F6303970}" type="slidenum">
+              <a:rPr lang="it-IT" smtClean="0"/>
+              <a:t>24</a:t>
+            </a:fld>
+            <a:endParaRPr lang="it-IT"/>
+          </a:p>
+        </p:txBody>
+      </p:sp>
+    </p:spTree>
+    <p:extLst>
+      <p:ext uri="{BB962C8B-B14F-4D97-AF65-F5344CB8AC3E}">
+        <p14:creationId xmlns:p14="http://schemas.microsoft.com/office/powerpoint/2010/main" val="3599261400"/>
+      </p:ext>
+    </p:extLst>
+  </p:cSld>
+  <p:clrMapOvr>
+    <a:masterClrMapping/>
+  </p:clrMapOvr>
+</p:notes>
+</file>
+
+<file path=ppt/notesSlides/notesSlide24.xml><?xml version="1.0" encoding="utf-8"?>
+<p:notes xmlns:a="http://schemas.openxmlformats.org/drawingml/2006/main" xmlns:r="http://schemas.openxmlformats.org/officeDocument/2006/relationships" xmlns:p="http://schemas.openxmlformats.org/presentationml/2006/main">
+  <p:cSld>
+    <p:spTree>
+      <p:nvGrpSpPr>
+        <p:cNvPr id="1" name=""/>
+        <p:cNvGrpSpPr/>
+        <p:nvPr/>
+      </p:nvGrpSpPr>
+      <p:grpSpPr>
+        <a:xfrm>
+          <a:off x="0" y="0"/>
+          <a:ext cx="0" cy="0"/>
+          <a:chOff x="0" y="0"/>
+          <a:chExt cx="0" cy="0"/>
+        </a:xfrm>
+      </p:grpSpPr>
+      <p:sp>
+        <p:nvSpPr>
+          <p:cNvPr id="2" name="Segnaposto immagine diapositiva 1"/>
+          <p:cNvSpPr>
+            <a:spLocks noGrp="1" noRot="1" noChangeAspect="1"/>
+          </p:cNvSpPr>
+          <p:nvPr>
+            <p:ph type="sldImg"/>
+          </p:nvPr>
+        </p:nvSpPr>
+        <p:spPr/>
+      </p:sp>
+      <p:sp>
+        <p:nvSpPr>
+          <p:cNvPr id="3" name="Segnaposto note 2"/>
+          <p:cNvSpPr>
+            <a:spLocks noGrp="1"/>
+          </p:cNvSpPr>
+          <p:nvPr>
+            <p:ph type="body" idx="1"/>
+          </p:nvPr>
+        </p:nvSpPr>
+        <p:spPr/>
+        <p:txBody>
+          <a:bodyPr/>
+          <a:lstStyle/>
+          <a:p>
+            <a:endParaRPr lang="it-IT" dirty="0"/>
+          </a:p>
+        </p:txBody>
+      </p:sp>
+      <p:sp>
+        <p:nvSpPr>
+          <p:cNvPr id="4" name="Segnaposto numero diapositiva 3"/>
+          <p:cNvSpPr>
+            <a:spLocks noGrp="1"/>
+          </p:cNvSpPr>
+          <p:nvPr>
+            <p:ph type="sldNum" sz="quarter" idx="5"/>
+          </p:nvPr>
+        </p:nvSpPr>
+        <p:spPr/>
+        <p:txBody>
+          <a:bodyPr/>
+          <a:lstStyle/>
+          <a:p>
+            <a:pPr rtl="0"/>
+            <a:fld id="{A89C7E07-3C67-C64C-8DA0-0404F6303970}" type="slidenum">
+              <a:rPr lang="it-IT" smtClean="0"/>
+              <a:t>25</a:t>
+            </a:fld>
+            <a:endParaRPr lang="it-IT"/>
+          </a:p>
+        </p:txBody>
+      </p:sp>
+    </p:spTree>
+    <p:extLst>
+      <p:ext uri="{BB962C8B-B14F-4D97-AF65-F5344CB8AC3E}">
+        <p14:creationId xmlns:p14="http://schemas.microsoft.com/office/powerpoint/2010/main" val="2959896454"/>
+      </p:ext>
+    </p:extLst>
+  </p:cSld>
+  <p:clrMapOvr>
+    <a:masterClrMapping/>
+  </p:clrMapOvr>
+</p:notes>
+</file>
+
+<file path=ppt/notesSlides/notesSlide25.xml><?xml version="1.0" encoding="utf-8"?>
+<p:notes xmlns:a="http://schemas.openxmlformats.org/drawingml/2006/main" xmlns:r="http://schemas.openxmlformats.org/officeDocument/2006/relationships" xmlns:p="http://schemas.openxmlformats.org/presentationml/2006/main">
+  <p:cSld>
+    <p:spTree>
+      <p:nvGrpSpPr>
+        <p:cNvPr id="1" name=""/>
+        <p:cNvGrpSpPr/>
+        <p:nvPr/>
+      </p:nvGrpSpPr>
+      <p:grpSpPr>
+        <a:xfrm>
+          <a:off x="0" y="0"/>
+          <a:ext cx="0" cy="0"/>
+          <a:chOff x="0" y="0"/>
+          <a:chExt cx="0" cy="0"/>
+        </a:xfrm>
+      </p:grpSpPr>
+      <p:sp>
+        <p:nvSpPr>
+          <p:cNvPr id="2" name="Segnaposto immagine diapositiva 1"/>
+          <p:cNvSpPr>
+            <a:spLocks noGrp="1" noRot="1" noChangeAspect="1"/>
+          </p:cNvSpPr>
+          <p:nvPr>
+            <p:ph type="sldImg"/>
+          </p:nvPr>
+        </p:nvSpPr>
+        <p:spPr/>
+      </p:sp>
+      <p:sp>
+        <p:nvSpPr>
+          <p:cNvPr id="3" name="Segnaposto note 2"/>
+          <p:cNvSpPr>
+            <a:spLocks noGrp="1"/>
+          </p:cNvSpPr>
+          <p:nvPr>
+            <p:ph type="body" idx="1"/>
+          </p:nvPr>
+        </p:nvSpPr>
+        <p:spPr/>
+        <p:txBody>
+          <a:bodyPr/>
+          <a:lstStyle/>
+          <a:p>
+            <a:endParaRPr lang="it-IT" dirty="0"/>
+          </a:p>
+        </p:txBody>
+      </p:sp>
+      <p:sp>
+        <p:nvSpPr>
+          <p:cNvPr id="4" name="Segnaposto numero diapositiva 3"/>
+          <p:cNvSpPr>
+            <a:spLocks noGrp="1"/>
+          </p:cNvSpPr>
+          <p:nvPr>
+            <p:ph type="sldNum" sz="quarter" idx="5"/>
+          </p:nvPr>
+        </p:nvSpPr>
+        <p:spPr/>
+        <p:txBody>
+          <a:bodyPr/>
+          <a:lstStyle/>
+          <a:p>
+            <a:pPr rtl="0"/>
+            <a:fld id="{A89C7E07-3C67-C64C-8DA0-0404F6303970}" type="slidenum">
+              <a:rPr lang="it-IT" smtClean="0"/>
+              <a:t>26</a:t>
+            </a:fld>
+            <a:endParaRPr lang="it-IT"/>
+          </a:p>
+        </p:txBody>
+      </p:sp>
+    </p:spTree>
+    <p:extLst>
+      <p:ext uri="{BB962C8B-B14F-4D97-AF65-F5344CB8AC3E}">
+        <p14:creationId xmlns:p14="http://schemas.microsoft.com/office/powerpoint/2010/main" val="1658014620"/>
+      </p:ext>
+    </p:extLst>
+  </p:cSld>
+  <p:clrMapOvr>
+    <a:masterClrMapping/>
+  </p:clrMapOvr>
+</p:notes>
+</file>
+
+<file path=ppt/notesSlides/notesSlide26.xml><?xml version="1.0" encoding="utf-8"?>
+<p:notes xmlns:a="http://schemas.openxmlformats.org/drawingml/2006/main" xmlns:r="http://schemas.openxmlformats.org/officeDocument/2006/relationships" xmlns:p="http://schemas.openxmlformats.org/presentationml/2006/main">
+  <p:cSld>
+    <p:spTree>
+      <p:nvGrpSpPr>
+        <p:cNvPr id="1" name=""/>
+        <p:cNvGrpSpPr/>
+        <p:nvPr/>
+      </p:nvGrpSpPr>
+      <p:grpSpPr>
+        <a:xfrm>
+          <a:off x="0" y="0"/>
+          <a:ext cx="0" cy="0"/>
+          <a:chOff x="0" y="0"/>
+          <a:chExt cx="0" cy="0"/>
+        </a:xfrm>
+      </p:grpSpPr>
+      <p:sp>
+        <p:nvSpPr>
+          <p:cNvPr id="2" name="Segnaposto immagine diapositiva 1"/>
+          <p:cNvSpPr>
+            <a:spLocks noGrp="1" noRot="1" noChangeAspect="1"/>
+          </p:cNvSpPr>
+          <p:nvPr>
+            <p:ph type="sldImg"/>
+          </p:nvPr>
+        </p:nvSpPr>
+        <p:spPr/>
+      </p:sp>
+      <p:sp>
+        <p:nvSpPr>
+          <p:cNvPr id="3" name="Segnaposto note 2"/>
+          <p:cNvSpPr>
+            <a:spLocks noGrp="1"/>
+          </p:cNvSpPr>
+          <p:nvPr>
+            <p:ph type="body" idx="1"/>
+          </p:nvPr>
+        </p:nvSpPr>
+        <p:spPr/>
+        <p:txBody>
+          <a:bodyPr/>
+          <a:lstStyle/>
+          <a:p>
+            <a:endParaRPr lang="it-IT" dirty="0"/>
+          </a:p>
+        </p:txBody>
+      </p:sp>
+      <p:sp>
+        <p:nvSpPr>
+          <p:cNvPr id="4" name="Segnaposto numero diapositiva 3"/>
+          <p:cNvSpPr>
+            <a:spLocks noGrp="1"/>
+          </p:cNvSpPr>
+          <p:nvPr>
+            <p:ph type="sldNum" sz="quarter" idx="5"/>
+          </p:nvPr>
+        </p:nvSpPr>
+        <p:spPr/>
+        <p:txBody>
+          <a:bodyPr/>
+          <a:lstStyle/>
+          <a:p>
+            <a:pPr rtl="0"/>
+            <a:fld id="{A89C7E07-3C67-C64C-8DA0-0404F6303970}" type="slidenum">
+              <a:rPr lang="it-IT" smtClean="0"/>
+              <a:t>27</a:t>
+            </a:fld>
+            <a:endParaRPr lang="it-IT"/>
+          </a:p>
+        </p:txBody>
+      </p:sp>
+    </p:spTree>
+    <p:extLst>
+      <p:ext uri="{BB962C8B-B14F-4D97-AF65-F5344CB8AC3E}">
+        <p14:creationId xmlns:p14="http://schemas.microsoft.com/office/powerpoint/2010/main" val="452769728"/>
       </p:ext>
     </p:extLst>
   </p:cSld>
@@ -1663,7 +2390,7 @@
     </p:spTree>
     <p:extLst>
       <p:ext uri="{BB962C8B-B14F-4D97-AF65-F5344CB8AC3E}">
-        <p14:creationId xmlns:p14="http://schemas.microsoft.com/office/powerpoint/2010/main" val="2077275751"/>
+        <p14:creationId xmlns:p14="http://schemas.microsoft.com/office/powerpoint/2010/main" val="3831764890"/>
       </p:ext>
     </p:extLst>
   </p:cSld>
@@ -2700,6 +3427,18 @@
   <p:clrMapOvr>
     <a:masterClrMapping/>
   </p:clrMapOvr>
+  <mc:AlternateContent xmlns:mc="http://schemas.openxmlformats.org/markup-compatibility/2006">
+    <mc:Choice xmlns:p14="http://schemas.microsoft.com/office/powerpoint/2010/main" Requires="p14">
+      <p:transition spd="med" p14:dur="700">
+        <p:fade/>
+      </p:transition>
+    </mc:Choice>
+    <mc:Fallback>
+      <p:transition spd="med">
+        <p:fade/>
+      </p:transition>
+    </mc:Fallback>
+  </mc:AlternateContent>
 </p:sldLayout>
 </file>
 
@@ -3504,7 +4243,7 @@
               <a:rPr lang="it-IT" noProof="0" smtClean="0">
                 <a:latin typeface="+mn-lt"/>
               </a:rPr>
-              <a:t>22 ottobre 2022</a:t>
+              <a:t>4 novembre 2022</a:t>
             </a:fld>
             <a:endParaRPr lang="it-IT" noProof="0" dirty="0">
               <a:latin typeface="+mn-lt"/>
@@ -3583,6 +4322,18 @@
   <p:clrMapOvr>
     <a:overrideClrMapping bg1="dk1" tx1="lt1" bg2="dk2" tx2="lt2" accent1="accent1" accent2="accent2" accent3="accent3" accent4="accent4" accent5="accent5" accent6="accent6" hlink="hlink" folHlink="folHlink"/>
   </p:clrMapOvr>
+  <mc:AlternateContent xmlns:mc="http://schemas.openxmlformats.org/markup-compatibility/2006">
+    <mc:Choice xmlns:p14="http://schemas.microsoft.com/office/powerpoint/2010/main" Requires="p14">
+      <p:transition spd="med" p14:dur="700">
+        <p:fade/>
+      </p:transition>
+    </mc:Choice>
+    <mc:Fallback>
+      <p:transition spd="med">
+        <p:fade/>
+      </p:transition>
+    </mc:Fallback>
+  </mc:AlternateContent>
   <p:extLst>
     <p:ext uri="{DCECCB84-F9BA-43D5-87BE-67443E8EF086}">
       <p15:sldGuideLst xmlns:p15="http://schemas.microsoft.com/office/powerpoint/2012/main">
@@ -4640,7 +5391,7 @@
               <a:rPr lang="it-IT" noProof="0" smtClean="0">
                 <a:latin typeface="+mn-lt"/>
               </a:rPr>
-              <a:t>22 ottobre 2022</a:t>
+              <a:t>4 novembre 2022</a:t>
             </a:fld>
             <a:endParaRPr lang="it-IT" noProof="0" dirty="0">
               <a:latin typeface="+mn-lt"/>
@@ -4719,6 +5470,18 @@
   <p:clrMapOvr>
     <a:overrideClrMapping bg1="dk1" tx1="lt1" bg2="dk2" tx2="lt2" accent1="accent1" accent2="accent2" accent3="accent3" accent4="accent4" accent5="accent5" accent6="accent6" hlink="hlink" folHlink="folHlink"/>
   </p:clrMapOvr>
+  <mc:AlternateContent xmlns:mc="http://schemas.openxmlformats.org/markup-compatibility/2006">
+    <mc:Choice xmlns:p14="http://schemas.microsoft.com/office/powerpoint/2010/main" Requires="p14">
+      <p:transition spd="med" p14:dur="700">
+        <p:fade/>
+      </p:transition>
+    </mc:Choice>
+    <mc:Fallback>
+      <p:transition spd="med">
+        <p:fade/>
+      </p:transition>
+    </mc:Fallback>
+  </mc:AlternateContent>
   <p:extLst>
     <p:ext uri="{DCECCB84-F9BA-43D5-87BE-67443E8EF086}">
       <p15:sldGuideLst xmlns:p15="http://schemas.microsoft.com/office/powerpoint/2012/main">
@@ -5775,7 +6538,7 @@
               <a:rPr lang="it-IT" noProof="0" smtClean="0">
                 <a:latin typeface="+mn-lt"/>
               </a:rPr>
-              <a:t>22 ottobre 2022</a:t>
+              <a:t>4 novembre 2022</a:t>
             </a:fld>
             <a:endParaRPr lang="it-IT" noProof="0" dirty="0">
               <a:latin typeface="+mn-lt"/>
@@ -5854,6 +6617,18 @@
   <p:clrMapOvr>
     <a:overrideClrMapping bg1="dk1" tx1="lt1" bg2="dk2" tx2="lt2" accent1="accent1" accent2="accent2" accent3="accent3" accent4="accent4" accent5="accent5" accent6="accent6" hlink="hlink" folHlink="folHlink"/>
   </p:clrMapOvr>
+  <mc:AlternateContent xmlns:mc="http://schemas.openxmlformats.org/markup-compatibility/2006">
+    <mc:Choice xmlns:p14="http://schemas.microsoft.com/office/powerpoint/2010/main" Requires="p14">
+      <p:transition spd="med" p14:dur="700">
+        <p:fade/>
+      </p:transition>
+    </mc:Choice>
+    <mc:Fallback>
+      <p:transition spd="med">
+        <p:fade/>
+      </p:transition>
+    </mc:Fallback>
+  </mc:AlternateContent>
   <p:extLst>
     <p:ext uri="{DCECCB84-F9BA-43D5-87BE-67443E8EF086}">
       <p15:sldGuideLst xmlns:p15="http://schemas.microsoft.com/office/powerpoint/2012/main">
@@ -6546,6 +7321,18 @@
   <p:clrMapOvr>
     <a:masterClrMapping/>
   </p:clrMapOvr>
+  <mc:AlternateContent xmlns:mc="http://schemas.openxmlformats.org/markup-compatibility/2006">
+    <mc:Choice xmlns:p14="http://schemas.microsoft.com/office/powerpoint/2010/main" Requires="p14">
+      <p:transition spd="med" p14:dur="700">
+        <p:fade/>
+      </p:transition>
+    </mc:Choice>
+    <mc:Fallback>
+      <p:transition spd="med">
+        <p:fade/>
+      </p:transition>
+    </mc:Fallback>
+  </mc:AlternateContent>
   <p:extLst>
     <p:ext uri="{DCECCB84-F9BA-43D5-87BE-67443E8EF086}">
       <p15:sldGuideLst xmlns:p15="http://schemas.microsoft.com/office/powerpoint/2012/main">
@@ -8087,7 +8874,7 @@
               <a:rPr lang="it-IT" noProof="0" smtClean="0">
                 <a:latin typeface="+mn-lt"/>
               </a:rPr>
-              <a:t>22 ottobre 2022</a:t>
+              <a:t>4 novembre 2022</a:t>
             </a:fld>
             <a:endParaRPr lang="it-IT" noProof="0" dirty="0">
               <a:latin typeface="+mn-lt"/>
@@ -8166,6 +8953,18 @@
   <p:clrMapOvr>
     <a:masterClrMapping/>
   </p:clrMapOvr>
+  <mc:AlternateContent xmlns:mc="http://schemas.openxmlformats.org/markup-compatibility/2006">
+    <mc:Choice xmlns:p14="http://schemas.microsoft.com/office/powerpoint/2010/main" Requires="p14">
+      <p:transition spd="med" p14:dur="700">
+        <p:fade/>
+      </p:transition>
+    </mc:Choice>
+    <mc:Fallback>
+      <p:transition spd="med">
+        <p:fade/>
+      </p:transition>
+    </mc:Fallback>
+  </mc:AlternateContent>
 </p:sldLayout>
 </file>
 
@@ -8729,7 +9528,7 @@
               <a:rPr lang="it-IT" noProof="0" smtClean="0">
                 <a:latin typeface="+mn-lt"/>
               </a:rPr>
-              <a:t>22 ottobre 2022</a:t>
+              <a:t>4 novembre 2022</a:t>
             </a:fld>
             <a:endParaRPr lang="it-IT" noProof="0" dirty="0">
               <a:latin typeface="+mn-lt"/>
@@ -8808,6 +9607,18 @@
   <p:clrMapOvr>
     <a:masterClrMapping/>
   </p:clrMapOvr>
+  <mc:AlternateContent xmlns:mc="http://schemas.openxmlformats.org/markup-compatibility/2006">
+    <mc:Choice xmlns:p14="http://schemas.microsoft.com/office/powerpoint/2010/main" Requires="p14">
+      <p:transition spd="med" p14:dur="700">
+        <p:fade/>
+      </p:transition>
+    </mc:Choice>
+    <mc:Fallback>
+      <p:transition spd="med">
+        <p:fade/>
+      </p:transition>
+    </mc:Fallback>
+  </mc:AlternateContent>
   <p:extLst>
     <p:ext uri="{DCECCB84-F9BA-43D5-87BE-67443E8EF086}">
       <p15:sldGuideLst xmlns:p15="http://schemas.microsoft.com/office/powerpoint/2012/main">
@@ -9336,6 +10147,18 @@
   <p:clrMapOvr>
     <a:masterClrMapping/>
   </p:clrMapOvr>
+  <mc:AlternateContent xmlns:mc="http://schemas.openxmlformats.org/markup-compatibility/2006">
+    <mc:Choice xmlns:p14="http://schemas.microsoft.com/office/powerpoint/2010/main" Requires="p14">
+      <p:transition spd="med" p14:dur="700">
+        <p:fade/>
+      </p:transition>
+    </mc:Choice>
+    <mc:Fallback>
+      <p:transition spd="med">
+        <p:fade/>
+      </p:transition>
+    </mc:Fallback>
+  </mc:AlternateContent>
   <p:extLst>
     <p:ext uri="{DCECCB84-F9BA-43D5-87BE-67443E8EF086}">
       <p15:sldGuideLst xmlns:p15="http://schemas.microsoft.com/office/powerpoint/2012/main">
@@ -9506,7 +10329,7 @@
               <a:rPr lang="it-IT" noProof="0" smtClean="0">
                 <a:latin typeface="+mn-lt"/>
               </a:rPr>
-              <a:t>22 ottobre 2022</a:t>
+              <a:t>4 novembre 2022</a:t>
             </a:fld>
             <a:endParaRPr lang="it-IT" noProof="0">
               <a:latin typeface="+mn-lt"/>
@@ -9587,6 +10410,18 @@
   <p:clrMapOvr>
     <a:masterClrMapping/>
   </p:clrMapOvr>
+  <mc:AlternateContent xmlns:mc="http://schemas.openxmlformats.org/markup-compatibility/2006">
+    <mc:Choice xmlns:p14="http://schemas.microsoft.com/office/powerpoint/2010/main" Requires="p14">
+      <p:transition spd="med" p14:dur="700">
+        <p:fade/>
+      </p:transition>
+    </mc:Choice>
+    <mc:Fallback>
+      <p:transition spd="med">
+        <p:fade/>
+      </p:transition>
+    </mc:Fallback>
+  </mc:AlternateContent>
   <p:extLst>
     <p:ext uri="{DCECCB84-F9BA-43D5-87BE-67443E8EF086}">
       <p15:sldGuideLst xmlns:p15="http://schemas.microsoft.com/office/powerpoint/2012/main">
@@ -9774,7 +10609,7 @@
               <a:rPr lang="it-IT" noProof="0" smtClean="0">
                 <a:latin typeface="+mn-lt"/>
               </a:rPr>
-              <a:t>22 ottobre 2022</a:t>
+              <a:t>4 novembre 2022</a:t>
             </a:fld>
             <a:endParaRPr lang="it-IT" noProof="0">
               <a:latin typeface="+mn-lt"/>
@@ -9855,6 +10690,18 @@
   <p:clrMapOvr>
     <a:masterClrMapping/>
   </p:clrMapOvr>
+  <mc:AlternateContent xmlns:mc="http://schemas.openxmlformats.org/markup-compatibility/2006">
+    <mc:Choice xmlns:p14="http://schemas.microsoft.com/office/powerpoint/2010/main" Requires="p14">
+      <p:transition spd="med" p14:dur="700">
+        <p:fade/>
+      </p:transition>
+    </mc:Choice>
+    <mc:Fallback>
+      <p:transition spd="med">
+        <p:fade/>
+      </p:transition>
+    </mc:Fallback>
+  </mc:AlternateContent>
   <p:extLst>
     <p:ext uri="{DCECCB84-F9BA-43D5-87BE-67443E8EF086}">
       <p15:sldGuideLst xmlns:p15="http://schemas.microsoft.com/office/powerpoint/2012/main">
@@ -10969,6 +11816,18 @@
   <p:clrMapOvr>
     <a:overrideClrMapping bg1="dk1" tx1="lt1" bg2="dk2" tx2="lt2" accent1="accent1" accent2="accent2" accent3="accent3" accent4="accent4" accent5="accent5" accent6="accent6" hlink="hlink" folHlink="folHlink"/>
   </p:clrMapOvr>
+  <mc:AlternateContent xmlns:mc="http://schemas.openxmlformats.org/markup-compatibility/2006">
+    <mc:Choice xmlns:p14="http://schemas.microsoft.com/office/powerpoint/2010/main" Requires="p14">
+      <p:transition spd="med" p14:dur="700">
+        <p:fade/>
+      </p:transition>
+    </mc:Choice>
+    <mc:Fallback>
+      <p:transition spd="med">
+        <p:fade/>
+      </p:transition>
+    </mc:Fallback>
+  </mc:AlternateContent>
   <p:extLst>
     <p:ext uri="{DCECCB84-F9BA-43D5-87BE-67443E8EF086}">
       <p15:sldGuideLst xmlns:p15="http://schemas.microsoft.com/office/powerpoint/2012/main">
@@ -12724,7 +13583,7 @@
               <a:rPr lang="it-IT" noProof="0" smtClean="0">
                 <a:latin typeface="+mn-lt"/>
               </a:rPr>
-              <a:t>22 ottobre 2022</a:t>
+              <a:t>4 novembre 2022</a:t>
             </a:fld>
             <a:endParaRPr lang="it-IT" noProof="0" dirty="0">
               <a:latin typeface="+mn-lt"/>
@@ -12803,6 +13662,18 @@
   <p:clrMapOvr>
     <a:overrideClrMapping bg1="dk1" tx1="lt1" bg2="dk2" tx2="lt2" accent1="accent1" accent2="accent2" accent3="accent3" accent4="accent4" accent5="accent5" accent6="accent6" hlink="hlink" folHlink="folHlink"/>
   </p:clrMapOvr>
+  <mc:AlternateContent xmlns:mc="http://schemas.openxmlformats.org/markup-compatibility/2006">
+    <mc:Choice xmlns:p14="http://schemas.microsoft.com/office/powerpoint/2010/main" Requires="p14">
+      <p:transition spd="med" p14:dur="700">
+        <p:fade/>
+      </p:transition>
+    </mc:Choice>
+    <mc:Fallback>
+      <p:transition spd="med">
+        <p:fade/>
+      </p:transition>
+    </mc:Fallback>
+  </mc:AlternateContent>
   <p:extLst>
     <p:ext uri="{DCECCB84-F9BA-43D5-87BE-67443E8EF086}">
       <p15:sldGuideLst xmlns:p15="http://schemas.microsoft.com/office/powerpoint/2012/main">
@@ -13901,7 +14772,7 @@
               <a:rPr lang="it-IT" noProof="0" smtClean="0">
                 <a:latin typeface="+mn-lt"/>
               </a:rPr>
-              <a:t>22 ottobre 2022</a:t>
+              <a:t>4 novembre 2022</a:t>
             </a:fld>
             <a:endParaRPr lang="it-IT" noProof="0">
               <a:latin typeface="+mn-lt"/>
@@ -13982,6 +14853,18 @@
   <p:clrMapOvr>
     <a:overrideClrMapping bg1="dk1" tx1="lt1" bg2="dk2" tx2="lt2" accent1="accent1" accent2="accent2" accent3="accent3" accent4="accent4" accent5="accent5" accent6="accent6" hlink="hlink" folHlink="folHlink"/>
   </p:clrMapOvr>
+  <mc:AlternateContent xmlns:mc="http://schemas.openxmlformats.org/markup-compatibility/2006">
+    <mc:Choice xmlns:p14="http://schemas.microsoft.com/office/powerpoint/2010/main" Requires="p14">
+      <p:transition spd="med" p14:dur="700">
+        <p:fade/>
+      </p:transition>
+    </mc:Choice>
+    <mc:Fallback>
+      <p:transition spd="med">
+        <p:fade/>
+      </p:transition>
+    </mc:Fallback>
+  </mc:AlternateContent>
   <p:extLst>
     <p:ext uri="{DCECCB84-F9BA-43D5-87BE-67443E8EF086}">
       <p15:sldGuideLst xmlns:p15="http://schemas.microsoft.com/office/powerpoint/2012/main">
@@ -14220,7 +15103,7 @@
               <a:rPr lang="it-IT" noProof="0" smtClean="0">
                 <a:latin typeface="+mn-lt"/>
               </a:rPr>
-              <a:t>22 ottobre 2022</a:t>
+              <a:t>4 novembre 2022</a:t>
             </a:fld>
             <a:endParaRPr lang="it-IT" noProof="0">
               <a:latin typeface="+mn-lt"/>
@@ -14348,6 +15231,18 @@
     <p:sldLayoutId id="2147483692" r:id="rId12"/>
     <p:sldLayoutId id="2147483682" r:id="rId13"/>
   </p:sldLayoutIdLst>
+  <mc:AlternateContent xmlns:mc="http://schemas.openxmlformats.org/markup-compatibility/2006">
+    <mc:Choice xmlns:p14="http://schemas.microsoft.com/office/powerpoint/2010/main" Requires="p14">
+      <p:transition spd="med" p14:dur="700">
+        <p:fade/>
+      </p:transition>
+    </mc:Choice>
+    <mc:Fallback>
+      <p:transition spd="med">
+        <p:fade/>
+      </p:transition>
+    </mc:Fallback>
+  </mc:AlternateContent>
   <p:hf hdr="0"/>
   <p:txStyles>
     <p:titleStyle>
@@ -14782,6 +15677,14 @@
 <file path=ppt/slides/slide1.xml><?xml version="1.0" encoding="utf-8"?>
 <p:sld xmlns:a="http://schemas.openxmlformats.org/drawingml/2006/main" xmlns:r="http://schemas.openxmlformats.org/officeDocument/2006/relationships" xmlns:p="http://schemas.openxmlformats.org/presentationml/2006/main">
   <p:cSld>
+    <p:bg>
+      <p:bgPr>
+        <a:solidFill>
+          <a:schemeClr val="tx1"/>
+        </a:solidFill>
+        <a:effectLst/>
+      </p:bgPr>
+    </p:bg>
     <p:spTree>
       <p:nvGrpSpPr>
         <p:cNvPr id="1" name=""/>
@@ -14796,12 +15699,219 @@
           <a:chExt cx="0" cy="0"/>
         </a:xfrm>
       </p:grpSpPr>
-      <p:sp>
-        <p:nvSpPr>
-          <p:cNvPr id="2" name="Titolo 1">
-            <a:extLst>
-              <a:ext uri="{FF2B5EF4-FFF2-40B4-BE49-F238E27FC236}">
-                <a16:creationId xmlns:a16="http://schemas.microsoft.com/office/drawing/2014/main" id="{293E168C-8042-5B4E-A5A4-A5BF693AE2D6}"/>
+      <mc:AlternateContent xmlns:mc="http://schemas.openxmlformats.org/markup-compatibility/2006" xmlns:a14="http://schemas.microsoft.com/office/drawing/2010/main">
+        <mc:Choice Requires="a14">
+          <p:sp>
+            <p:nvSpPr>
+              <p:cNvPr id="2" name="Titolo 1">
+                <a:extLst>
+                  <a:ext uri="{FF2B5EF4-FFF2-40B4-BE49-F238E27FC236}">
+                    <a16:creationId xmlns:a16="http://schemas.microsoft.com/office/drawing/2014/main" id="{293E168C-8042-5B4E-A5A4-A5BF693AE2D6}"/>
+                  </a:ext>
+                </a:extLst>
+              </p:cNvPr>
+              <p:cNvSpPr>
+                <a:spLocks noGrp="1"/>
+              </p:cNvSpPr>
+              <p:nvPr>
+                <p:ph type="ctrTitle"/>
+              </p:nvPr>
+            </p:nvSpPr>
+            <p:spPr>
+              <a:xfrm>
+                <a:off x="6367055" y="2171601"/>
+                <a:ext cx="5491571" cy="1514019"/>
+              </a:xfrm>
+            </p:spPr>
+            <p:txBody>
+              <a:bodyPr rtlCol="0"/>
+              <a:lstStyle/>
+              <a:p>
+                <a:pPr rtl="0"/>
+                <a:r>
+                  <a:rPr lang="it-IT"/>
+                  <a:t>Progetto AMOD</a:t>
+                </a:r>
+                <a:br>
+                  <a:rPr lang="it-IT"/>
+                </a:br>
+                <a:br>
+                  <a:rPr lang="it-IT"/>
+                </a:br>
+                <a:r>
+                  <a:rPr lang="it-IT" sz="4000" b="0"/>
+                  <a:t>Algoritmo Branch &amp; Bound per il problema</a:t>
+                </a:r>
+                <a:r>
+                  <a:rPr lang="it-IT" sz="1050" b="0"/>
+                  <a:t> </a:t>
+                </a:r>
+                <a14:m>
+                  <m:oMath xmlns:m="http://schemas.openxmlformats.org/officeDocument/2006/math">
+                    <m:r>
+                      <a:rPr lang="it-IT" sz="3200" b="1" i="1" smtClean="0">
+                        <a:latin typeface="Cambria Math" panose="02040503050406030204" pitchFamily="18" charset="0"/>
+                      </a:rPr>
+                      <m:t>𝟏</m:t>
+                    </m:r>
+                    <m:d>
+                      <m:dPr>
+                        <m:begChr m:val="|"/>
+                        <m:endChr m:val="|"/>
+                        <m:ctrlPr>
+                          <a:rPr lang="it-IT" sz="3200" b="1" i="1" smtClean="0">
+                            <a:latin typeface="Cambria Math" panose="02040503050406030204" pitchFamily="18" charset="0"/>
+                          </a:rPr>
+                        </m:ctrlPr>
+                      </m:dPr>
+                      <m:e>
+                        <m:sSub>
+                          <m:sSubPr>
+                            <m:ctrlPr>
+                              <a:rPr lang="it-IT" sz="3200" b="1" i="1" smtClean="0">
+                                <a:latin typeface="Cambria Math" panose="02040503050406030204" pitchFamily="18" charset="0"/>
+                              </a:rPr>
+                            </m:ctrlPr>
+                          </m:sSubPr>
+                          <m:e>
+                            <m:r>
+                              <a:rPr lang="it-IT" sz="3200" b="1" i="1" smtClean="0">
+                                <a:latin typeface="Cambria Math" panose="02040503050406030204" pitchFamily="18" charset="0"/>
+                              </a:rPr>
+                              <m:t>𝒓</m:t>
+                            </m:r>
+                          </m:e>
+                          <m:sub>
+                            <m:r>
+                              <a:rPr lang="it-IT" sz="3200" b="1" i="1" smtClean="0">
+                                <a:latin typeface="Cambria Math" panose="02040503050406030204" pitchFamily="18" charset="0"/>
+                              </a:rPr>
+                              <m:t>𝒋</m:t>
+                            </m:r>
+                          </m:sub>
+                        </m:sSub>
+                        <m:r>
+                          <a:rPr lang="it-IT" sz="3200" b="1" i="1" smtClean="0">
+                            <a:latin typeface="Cambria Math" panose="02040503050406030204" pitchFamily="18" charset="0"/>
+                          </a:rPr>
+                          <m:t> </m:t>
+                        </m:r>
+                      </m:e>
+                    </m:d>
+                    <m:nary>
+                      <m:naryPr>
+                        <m:chr m:val="∑"/>
+                        <m:supHide m:val="on"/>
+                        <m:ctrlPr>
+                          <a:rPr lang="it-IT" sz="3200" b="1" i="1" smtClean="0">
+                            <a:latin typeface="Cambria Math" panose="02040503050406030204" pitchFamily="18" charset="0"/>
+                          </a:rPr>
+                        </m:ctrlPr>
+                      </m:naryPr>
+                      <m:sub>
+                        <m:r>
+                          <a:rPr lang="it-IT" sz="3200" b="1" i="1" smtClean="0">
+                            <a:latin typeface="Cambria Math" panose="02040503050406030204" pitchFamily="18" charset="0"/>
+                          </a:rPr>
+                          <m:t>𝒋</m:t>
+                        </m:r>
+                      </m:sub>
+                      <m:sup/>
+                      <m:e>
+                        <m:sSub>
+                          <m:sSubPr>
+                            <m:ctrlPr>
+                              <a:rPr lang="it-IT" sz="3200" b="1" i="1" smtClean="0">
+                                <a:latin typeface="Cambria Math" panose="02040503050406030204" pitchFamily="18" charset="0"/>
+                              </a:rPr>
+                            </m:ctrlPr>
+                          </m:sSubPr>
+                          <m:e>
+                            <m:r>
+                              <a:rPr lang="it-IT" sz="3200" b="1" i="1" smtClean="0">
+                                <a:latin typeface="Cambria Math" panose="02040503050406030204" pitchFamily="18" charset="0"/>
+                              </a:rPr>
+                              <m:t>𝑪</m:t>
+                            </m:r>
+                          </m:e>
+                          <m:sub>
+                            <m:r>
+                              <a:rPr lang="it-IT" sz="3200" b="1" i="1" smtClean="0">
+                                <a:latin typeface="Cambria Math" panose="02040503050406030204" pitchFamily="18" charset="0"/>
+                              </a:rPr>
+                              <m:t>𝒋</m:t>
+                            </m:r>
+                            <m:r>
+                              <a:rPr lang="it-IT" sz="3200" b="1" i="1" smtClean="0">
+                                <a:latin typeface="Cambria Math" panose="02040503050406030204" pitchFamily="18" charset="0"/>
+                              </a:rPr>
+                              <m:t> </m:t>
+                            </m:r>
+                          </m:sub>
+                        </m:sSub>
+                      </m:e>
+                    </m:nary>
+                  </m:oMath>
+                </a14:m>
+                <a:r>
+                  <a:rPr lang="it-IT" sz="3200"/>
+                  <a:t> </a:t>
+                </a:r>
+                <a:endParaRPr lang="it-IT" sz="3200" dirty="0"/>
+              </a:p>
+            </p:txBody>
+          </p:sp>
+        </mc:Choice>
+        <mc:Fallback xmlns="">
+          <p:sp>
+            <p:nvSpPr>
+              <p:cNvPr id="2" name="Titolo 1">
+                <a:extLst>
+                  <a:ext uri="{FF2B5EF4-FFF2-40B4-BE49-F238E27FC236}">
+                    <a16:creationId xmlns:a16="http://schemas.microsoft.com/office/drawing/2014/main" id="{293E168C-8042-5B4E-A5A4-A5BF693AE2D6}"/>
+                  </a:ext>
+                </a:extLst>
+              </p:cNvPr>
+              <p:cNvSpPr>
+                <a:spLocks noGrp="1" noRot="1" noChangeAspect="1" noMove="1" noResize="1" noEditPoints="1" noAdjustHandles="1" noChangeArrowheads="1" noChangeShapeType="1" noTextEdit="1"/>
+              </p:cNvSpPr>
+              <p:nvPr>
+                <p:ph type="ctrTitle"/>
+              </p:nvPr>
+            </p:nvSpPr>
+            <p:spPr>
+              <a:xfrm>
+                <a:off x="6367055" y="2171601"/>
+                <a:ext cx="5491571" cy="1514019"/>
+              </a:xfrm>
+              <a:blipFill>
+                <a:blip r:embed="rId3"/>
+                <a:stretch>
+                  <a:fillRect l="-8324" t="-137751" r="-6326"/>
+                </a:stretch>
+              </a:blipFill>
+            </p:spPr>
+            <p:txBody>
+              <a:bodyPr/>
+              <a:lstStyle/>
+              <a:p>
+                <a:r>
+                  <a:rPr lang="it-IT">
+                    <a:noFill/>
+                  </a:rPr>
+                  <a:t> </a:t>
+                </a:r>
+              </a:p>
+            </p:txBody>
+          </p:sp>
+        </mc:Fallback>
+      </mc:AlternateContent>
+      <p:sp>
+        <p:nvSpPr>
+          <p:cNvPr id="3" name="Segnaposto testo 2">
+            <a:extLst>
+              <a:ext uri="{FF2B5EF4-FFF2-40B4-BE49-F238E27FC236}">
+                <a16:creationId xmlns:a16="http://schemas.microsoft.com/office/drawing/2014/main" id="{F18E61D8-31A3-2D45-8E25-CBE846E26E1C}"/>
               </a:ext>
             </a:extLst>
           </p:cNvPr>
@@ -14809,47 +15919,12 @@
             <a:spLocks noGrp="1"/>
           </p:cNvSpPr>
           <p:nvPr>
-            <p:ph type="ctrTitle"/>
+            <p:ph type="body" sz="quarter" idx="11"/>
           </p:nvPr>
         </p:nvSpPr>
         <p:spPr>
           <a:xfrm>
-            <a:off x="6367054" y="2116182"/>
-            <a:ext cx="5491571" cy="1514019"/>
-          </a:xfrm>
-        </p:spPr>
-        <p:txBody>
-          <a:bodyPr rtlCol="0"/>
-          <a:lstStyle/>
-          <a:p>
-            <a:pPr rtl="0"/>
-            <a:r>
-              <a:rPr lang="it-IT"/>
-              <a:t>Progetto AMOD</a:t>
-            </a:r>
-            <a:endParaRPr lang="it-IT" dirty="0"/>
-          </a:p>
-        </p:txBody>
-      </p:sp>
-      <p:sp>
-        <p:nvSpPr>
-          <p:cNvPr id="3" name="Segnaposto testo 2">
-            <a:extLst>
-              <a:ext uri="{FF2B5EF4-FFF2-40B4-BE49-F238E27FC236}">
-                <a16:creationId xmlns:a16="http://schemas.microsoft.com/office/drawing/2014/main" id="{F18E61D8-31A3-2D45-8E25-CBE846E26E1C}"/>
-              </a:ext>
-            </a:extLst>
-          </p:cNvPr>
-          <p:cNvSpPr>
-            <a:spLocks noGrp="1"/>
-          </p:cNvSpPr>
-          <p:nvPr>
-            <p:ph type="body" sz="quarter" idx="11"/>
-          </p:nvPr>
-        </p:nvSpPr>
-        <p:spPr>
-          <a:xfrm>
-            <a:off x="6367055" y="4549553"/>
+            <a:off x="6367056" y="5094498"/>
             <a:ext cx="5491570" cy="953337"/>
           </a:xfrm>
         </p:spPr>
@@ -14871,12 +15946,9 @@
               <a:rPr lang="it-IT">
                 <a:latin typeface="+mj-lt"/>
               </a:rPr>
-              <a:t>&amp; giuliaus</a:t>
-            </a:r>
-            <a:r>
-              <a:rPr lang="it-IT"/>
-              <a:t> </a:t>
-            </a:r>
+              <a:t>Appetito Giulio</a:t>
+            </a:r>
+            <a:endParaRPr lang="it-IT"/>
           </a:p>
           <a:p>
             <a:pPr rtl="0"/>
@@ -14901,6 +15973,18 @@
   <p:clrMapOvr>
     <a:masterClrMapping/>
   </p:clrMapOvr>
+  <mc:AlternateContent xmlns:mc="http://schemas.openxmlformats.org/markup-compatibility/2006">
+    <mc:Choice xmlns:p14="http://schemas.microsoft.com/office/powerpoint/2010/main" Requires="p14">
+      <p:transition spd="med" p14:dur="700">
+        <p:fade/>
+      </p:transition>
+    </mc:Choice>
+    <mc:Fallback>
+      <p:transition spd="med">
+        <p:fade/>
+      </p:transition>
+    </mc:Fallback>
+  </mc:AlternateContent>
 </p:sld>
 </file>
 
@@ -14926,6 +16010,5353 @@
           <p:cNvPr id="3" name="Titolo 2">
             <a:extLst>
               <a:ext uri="{FF2B5EF4-FFF2-40B4-BE49-F238E27FC236}">
+                <a16:creationId xmlns:a16="http://schemas.microsoft.com/office/drawing/2014/main" id="{1353F689-2E51-BF4F-AE47-7CEB7CC4C52A}"/>
+              </a:ext>
+            </a:extLst>
+          </p:cNvPr>
+          <p:cNvSpPr>
+            <a:spLocks noGrp="1"/>
+          </p:cNvSpPr>
+          <p:nvPr>
+            <p:ph type="title"/>
+          </p:nvPr>
+        </p:nvSpPr>
+        <p:spPr/>
+        <p:txBody>
+          <a:bodyPr rtlCol="0">
+            <a:normAutofit/>
+          </a:bodyPr>
+          <a:lstStyle/>
+          <a:p>
+            <a:pPr rtl="0"/>
+            <a:r>
+              <a:rPr lang="it-IT"/>
+              <a:t>Istanze</a:t>
+            </a:r>
+            <a:endParaRPr lang="it-IT" dirty="0"/>
+          </a:p>
+        </p:txBody>
+      </p:sp>
+      <p:sp>
+        <p:nvSpPr>
+          <p:cNvPr id="4" name="Segnaposto testo 3">
+            <a:extLst>
+              <a:ext uri="{FF2B5EF4-FFF2-40B4-BE49-F238E27FC236}">
+                <a16:creationId xmlns:a16="http://schemas.microsoft.com/office/drawing/2014/main" id="{A17F80A9-6337-524E-AC61-32C5AFEE8E6D}"/>
+              </a:ext>
+            </a:extLst>
+          </p:cNvPr>
+          <p:cNvSpPr>
+            <a:spLocks noGrp="1"/>
+          </p:cNvSpPr>
+          <p:nvPr>
+            <p:ph type="body" sz="quarter" idx="11"/>
+          </p:nvPr>
+        </p:nvSpPr>
+        <p:spPr>
+          <a:xfrm>
+            <a:off x="908364" y="2289363"/>
+            <a:ext cx="4641410" cy="2463706"/>
+          </a:xfrm>
+        </p:spPr>
+        <p:txBody>
+          <a:bodyPr rtlCol="0"/>
+          <a:lstStyle/>
+          <a:p>
+            <a:pPr marL="285750" indent="-285750" rtl="0">
+              <a:buFont typeface="Arial" panose="020B0604020202020204" pitchFamily="34" charset="0"/>
+              <a:buChar char="•"/>
+            </a:pPr>
+            <a:r>
+              <a:rPr lang="it-IT" sz="1800"/>
+              <a:t>Per le istanze utilizzate abbiamo considerato le possibili combinazioni tra la distribuzione delle </a:t>
+            </a:r>
+            <a:r>
+              <a:rPr lang="it-IT" sz="1800" b="1" i="1"/>
+              <a:t>release dates </a:t>
+            </a:r>
+            <a:r>
+              <a:rPr lang="it-IT" sz="1800" i="1"/>
+              <a:t>{vicine allo 0, lontane dallo 0, bassa varianza, alta varianza, uniformi} </a:t>
+            </a:r>
+            <a:r>
+              <a:rPr lang="it-IT" sz="1800"/>
+              <a:t>e dei </a:t>
+            </a:r>
+            <a:r>
+              <a:rPr lang="it-IT" sz="1800" b="1" i="1"/>
+              <a:t>processing times </a:t>
+            </a:r>
+            <a:r>
+              <a:rPr lang="it-IT" sz="1800" i="1"/>
+              <a:t>{bassa varianza, uniformi, alta varianza}</a:t>
+            </a:r>
+            <a:r>
+              <a:rPr lang="it-IT" sz="1800"/>
+              <a:t>, ottenendo 15 classi di istanze</a:t>
+            </a:r>
+          </a:p>
+          <a:p>
+            <a:pPr marL="285750" indent="-285750" rtl="0">
+              <a:buFont typeface="Arial" panose="020B0604020202020204" pitchFamily="34" charset="0"/>
+              <a:buChar char="•"/>
+            </a:pPr>
+            <a:endParaRPr lang="it-IT" sz="1800"/>
+          </a:p>
+        </p:txBody>
+      </p:sp>
+      <p:sp>
+        <p:nvSpPr>
+          <p:cNvPr id="7" name="Segnaposto numero diapositiva 6">
+            <a:extLst>
+              <a:ext uri="{FF2B5EF4-FFF2-40B4-BE49-F238E27FC236}">
+                <a16:creationId xmlns:a16="http://schemas.microsoft.com/office/drawing/2014/main" id="{F37669F0-EA6D-6B46-AF0E-A9C2D1F223DB}"/>
+              </a:ext>
+            </a:extLst>
+          </p:cNvPr>
+          <p:cNvSpPr>
+            <a:spLocks noGrp="1"/>
+          </p:cNvSpPr>
+          <p:nvPr>
+            <p:ph type="sldNum" sz="quarter" idx="16"/>
+          </p:nvPr>
+        </p:nvSpPr>
+        <p:spPr>
+          <a:xfrm>
+            <a:off x="971550" y="6332220"/>
+            <a:ext cx="523240" cy="247651"/>
+          </a:xfrm>
+        </p:spPr>
+        <p:txBody>
+          <a:bodyPr rtlCol="0"/>
+          <a:lstStyle/>
+          <a:p>
+            <a:pPr rtl="0"/>
+            <a:fld id="{294A09A9-5501-47C1-A89A-A340965A2BE2}" type="slidenum">
+              <a:rPr lang="it-IT" smtClean="0"/>
+              <a:pPr rtl="0"/>
+              <a:t>10</a:t>
+            </a:fld>
+            <a:endParaRPr lang="it-IT"/>
+          </a:p>
+        </p:txBody>
+      </p:sp>
+      <p:sp>
+        <p:nvSpPr>
+          <p:cNvPr id="6" name="Segnaposto piè di pagina 5">
+            <a:extLst>
+              <a:ext uri="{FF2B5EF4-FFF2-40B4-BE49-F238E27FC236}">
+                <a16:creationId xmlns:a16="http://schemas.microsoft.com/office/drawing/2014/main" id="{66F3960A-D260-8445-A153-0B674474CEBD}"/>
+              </a:ext>
+            </a:extLst>
+          </p:cNvPr>
+          <p:cNvSpPr>
+            <a:spLocks noGrp="1"/>
+          </p:cNvSpPr>
+          <p:nvPr>
+            <p:ph type="ftr" sz="quarter" idx="15"/>
+          </p:nvPr>
+        </p:nvSpPr>
+        <p:spPr>
+          <a:xfrm>
+            <a:off x="1494790" y="6332220"/>
+            <a:ext cx="1497330" cy="247651"/>
+          </a:xfrm>
+        </p:spPr>
+        <p:txBody>
+          <a:bodyPr rtlCol="0"/>
+          <a:lstStyle/>
+          <a:p>
+            <a:pPr rtl="0"/>
+            <a:r>
+              <a:rPr lang="it-IT"/>
+              <a:t>Progetto AMOD</a:t>
+            </a:r>
+          </a:p>
+        </p:txBody>
+      </p:sp>
+      <p:sp>
+        <p:nvSpPr>
+          <p:cNvPr id="5" name="Segnaposto data 4">
+            <a:extLst>
+              <a:ext uri="{FF2B5EF4-FFF2-40B4-BE49-F238E27FC236}">
+                <a16:creationId xmlns:a16="http://schemas.microsoft.com/office/drawing/2014/main" id="{2E803E71-3088-0347-9BCC-16ADB551CCC8}"/>
+              </a:ext>
+            </a:extLst>
+          </p:cNvPr>
+          <p:cNvSpPr>
+            <a:spLocks noGrp="1"/>
+          </p:cNvSpPr>
+          <p:nvPr>
+            <p:ph type="dt" sz="half" idx="14"/>
+          </p:nvPr>
+        </p:nvSpPr>
+        <p:spPr>
+          <a:xfrm>
+            <a:off x="2992120" y="6332220"/>
+            <a:ext cx="1313180" cy="247651"/>
+          </a:xfrm>
+        </p:spPr>
+        <p:txBody>
+          <a:bodyPr rtlCol="0"/>
+          <a:lstStyle/>
+          <a:p>
+            <a:pPr rtl="0"/>
+            <a:fld id="{B7909059-8104-4590-BD91-254A7C1B3A73}" type="datetime4">
+              <a:rPr lang="it-IT" smtClean="0"/>
+              <a:t>4 novembre 2022</a:t>
+            </a:fld>
+            <a:endParaRPr lang="it-IT"/>
+          </a:p>
+        </p:txBody>
+      </p:sp>
+      <p:sp>
+        <p:nvSpPr>
+          <p:cNvPr id="9" name="Rettangolo 8">
+            <a:extLst>
+              <a:ext uri="{FF2B5EF4-FFF2-40B4-BE49-F238E27FC236}">
+                <a16:creationId xmlns:a16="http://schemas.microsoft.com/office/drawing/2014/main" id="{363B121B-C9E0-E763-6002-869EDB48860A}"/>
+              </a:ext>
+            </a:extLst>
+          </p:cNvPr>
+          <p:cNvSpPr/>
+          <p:nvPr/>
+        </p:nvSpPr>
+        <p:spPr>
+          <a:xfrm>
+            <a:off x="9633527" y="3429000"/>
+            <a:ext cx="1902691" cy="1475509"/>
+          </a:xfrm>
+          <a:prstGeom prst="rect">
+            <a:avLst/>
+          </a:prstGeom>
+          <a:solidFill>
+            <a:schemeClr val="tx1"/>
+          </a:solidFill>
+          <a:ln>
+            <a:noFill/>
+          </a:ln>
+        </p:spPr>
+        <p:style>
+          <a:lnRef idx="2">
+            <a:schemeClr val="accent1">
+              <a:shade val="50000"/>
+            </a:schemeClr>
+          </a:lnRef>
+          <a:fillRef idx="1">
+            <a:schemeClr val="accent1"/>
+          </a:fillRef>
+          <a:effectRef idx="0">
+            <a:schemeClr val="accent1"/>
+          </a:effectRef>
+          <a:fontRef idx="minor">
+            <a:schemeClr val="lt1"/>
+          </a:fontRef>
+        </p:style>
+        <p:txBody>
+          <a:bodyPr rtlCol="0" anchor="ctr"/>
+          <a:lstStyle/>
+          <a:p>
+            <a:pPr algn="ctr"/>
+            <a:endParaRPr lang="it-IT"/>
+          </a:p>
+        </p:txBody>
+      </p:sp>
+      <p:sp>
+        <p:nvSpPr>
+          <p:cNvPr id="10" name="Rettangolo 9">
+            <a:extLst>
+              <a:ext uri="{FF2B5EF4-FFF2-40B4-BE49-F238E27FC236}">
+                <a16:creationId xmlns:a16="http://schemas.microsoft.com/office/drawing/2014/main" id="{BFDC280B-30C4-AE9E-791E-648D4C685D23}"/>
+              </a:ext>
+            </a:extLst>
+          </p:cNvPr>
+          <p:cNvSpPr/>
+          <p:nvPr/>
+        </p:nvSpPr>
+        <p:spPr>
+          <a:xfrm>
+            <a:off x="7051964" y="1964936"/>
+            <a:ext cx="1593272" cy="324427"/>
+          </a:xfrm>
+          <a:prstGeom prst="rect">
+            <a:avLst/>
+          </a:prstGeom>
+          <a:solidFill>
+            <a:schemeClr val="tx1"/>
+          </a:solidFill>
+          <a:ln>
+            <a:noFill/>
+          </a:ln>
+        </p:spPr>
+        <p:style>
+          <a:lnRef idx="2">
+            <a:schemeClr val="accent1">
+              <a:shade val="50000"/>
+            </a:schemeClr>
+          </a:lnRef>
+          <a:fillRef idx="1">
+            <a:schemeClr val="accent1"/>
+          </a:fillRef>
+          <a:effectRef idx="0">
+            <a:schemeClr val="accent1"/>
+          </a:effectRef>
+          <a:fontRef idx="minor">
+            <a:schemeClr val="lt1"/>
+          </a:fontRef>
+        </p:style>
+        <p:txBody>
+          <a:bodyPr rtlCol="0" anchor="ctr"/>
+          <a:lstStyle/>
+          <a:p>
+            <a:pPr algn="ctr"/>
+            <a:endParaRPr lang="it-IT"/>
+          </a:p>
+        </p:txBody>
+      </p:sp>
+      <p:sp>
+        <p:nvSpPr>
+          <p:cNvPr id="15" name="Rettangolo 14">
+            <a:extLst>
+              <a:ext uri="{FF2B5EF4-FFF2-40B4-BE49-F238E27FC236}">
+                <a16:creationId xmlns:a16="http://schemas.microsoft.com/office/drawing/2014/main" id="{15F267DF-C908-20C5-DB55-E5926E008385}"/>
+              </a:ext>
+            </a:extLst>
+          </p:cNvPr>
+          <p:cNvSpPr/>
+          <p:nvPr/>
+        </p:nvSpPr>
+        <p:spPr>
+          <a:xfrm>
+            <a:off x="9097874" y="3334510"/>
+            <a:ext cx="2752253" cy="2190938"/>
+          </a:xfrm>
+          <a:prstGeom prst="rect">
+            <a:avLst/>
+          </a:prstGeom>
+          <a:solidFill>
+            <a:schemeClr val="tx1"/>
+          </a:solidFill>
+          <a:ln>
+            <a:noFill/>
+          </a:ln>
+        </p:spPr>
+        <p:style>
+          <a:lnRef idx="2">
+            <a:schemeClr val="accent1">
+              <a:shade val="50000"/>
+            </a:schemeClr>
+          </a:lnRef>
+          <a:fillRef idx="1">
+            <a:schemeClr val="accent1"/>
+          </a:fillRef>
+          <a:effectRef idx="0">
+            <a:schemeClr val="accent1"/>
+          </a:effectRef>
+          <a:fontRef idx="minor">
+            <a:schemeClr val="lt1"/>
+          </a:fontRef>
+        </p:style>
+        <p:txBody>
+          <a:bodyPr rtlCol="0" anchor="ctr"/>
+          <a:lstStyle/>
+          <a:p>
+            <a:pPr algn="ctr"/>
+            <a:endParaRPr lang="it-IT"/>
+          </a:p>
+        </p:txBody>
+      </p:sp>
+      <p:sp>
+        <p:nvSpPr>
+          <p:cNvPr id="16" name="Rettangolo 15">
+            <a:extLst>
+              <a:ext uri="{FF2B5EF4-FFF2-40B4-BE49-F238E27FC236}">
+                <a16:creationId xmlns:a16="http://schemas.microsoft.com/office/drawing/2014/main" id="{85395377-150B-3B45-9A08-555E4688FB1B}"/>
+              </a:ext>
+            </a:extLst>
+          </p:cNvPr>
+          <p:cNvSpPr/>
+          <p:nvPr/>
+        </p:nvSpPr>
+        <p:spPr>
+          <a:xfrm>
+            <a:off x="6345621" y="1726384"/>
+            <a:ext cx="2752253" cy="514538"/>
+          </a:xfrm>
+          <a:prstGeom prst="rect">
+            <a:avLst/>
+          </a:prstGeom>
+          <a:solidFill>
+            <a:schemeClr val="tx1"/>
+          </a:solidFill>
+          <a:ln>
+            <a:noFill/>
+          </a:ln>
+        </p:spPr>
+        <p:style>
+          <a:lnRef idx="2">
+            <a:schemeClr val="accent1">
+              <a:shade val="50000"/>
+            </a:schemeClr>
+          </a:lnRef>
+          <a:fillRef idx="1">
+            <a:schemeClr val="accent1"/>
+          </a:fillRef>
+          <a:effectRef idx="0">
+            <a:schemeClr val="accent1"/>
+          </a:effectRef>
+          <a:fontRef idx="minor">
+            <a:schemeClr val="lt1"/>
+          </a:fontRef>
+        </p:style>
+        <p:txBody>
+          <a:bodyPr rtlCol="0" anchor="ctr"/>
+          <a:lstStyle/>
+          <a:p>
+            <a:pPr algn="ctr"/>
+            <a:endParaRPr lang="it-IT"/>
+          </a:p>
+        </p:txBody>
+      </p:sp>
+      <p:pic>
+        <p:nvPicPr>
+          <p:cNvPr id="8" name="Immagine 7" descr="Immagine che contiene testo&#10;&#10;Descrizione generata automaticamente">
+            <a:extLst>
+              <a:ext uri="{FF2B5EF4-FFF2-40B4-BE49-F238E27FC236}">
+                <a16:creationId xmlns:a16="http://schemas.microsoft.com/office/drawing/2014/main" id="{36A04ABE-7D89-E33E-666F-096FEA4A136B}"/>
+              </a:ext>
+            </a:extLst>
+          </p:cNvPr>
+          <p:cNvPicPr>
+            <a:picLocks noChangeAspect="1"/>
+          </p:cNvPicPr>
+          <p:nvPr/>
+        </p:nvPicPr>
+        <p:blipFill>
+          <a:blip r:embed="rId3">
+            <a:extLst>
+              <a:ext uri="{28A0092B-C50C-407E-A947-70E740481C1C}">
+                <a14:useLocalDpi xmlns:a14="http://schemas.microsoft.com/office/drawing/2010/main" val="0"/>
+              </a:ext>
+            </a:extLst>
+          </a:blip>
+          <a:stretch>
+            <a:fillRect/>
+          </a:stretch>
+        </p:blipFill>
+        <p:spPr>
+          <a:xfrm>
+            <a:off x="5694631" y="1509746"/>
+            <a:ext cx="6309082" cy="3838508"/>
+          </a:xfrm>
+          <a:prstGeom prst="rect">
+            <a:avLst/>
+          </a:prstGeom>
+          <a:solidFill>
+            <a:srgbClr val="FFFFFF">
+              <a:shade val="85000"/>
+            </a:srgbClr>
+          </a:solidFill>
+          <a:ln w="88900" cap="sq">
+            <a:solidFill>
+              <a:srgbClr val="FFFFFF"/>
+            </a:solidFill>
+            <a:miter lim="800000"/>
+          </a:ln>
+          <a:effectLst>
+            <a:outerShdw blurRad="55000" dist="18000" dir="5400000" algn="tl" rotWithShape="0">
+              <a:srgbClr val="000000">
+                <a:alpha val="40000"/>
+              </a:srgbClr>
+            </a:outerShdw>
+          </a:effectLst>
+          <a:scene3d>
+            <a:camera prst="orthographicFront"/>
+            <a:lightRig rig="twoPt" dir="t">
+              <a:rot lat="0" lon="0" rev="7200000"/>
+            </a:lightRig>
+          </a:scene3d>
+          <a:sp3d>
+            <a:bevelT w="25400" h="19050"/>
+            <a:contourClr>
+              <a:srgbClr val="FFFFFF"/>
+            </a:contourClr>
+          </a:sp3d>
+        </p:spPr>
+      </p:pic>
+    </p:spTree>
+    <p:extLst>
+      <p:ext uri="{BB962C8B-B14F-4D97-AF65-F5344CB8AC3E}">
+        <p14:creationId xmlns:p14="http://schemas.microsoft.com/office/powerpoint/2010/main" val="321291413"/>
+      </p:ext>
+    </p:extLst>
+  </p:cSld>
+  <p:clrMapOvr>
+    <a:masterClrMapping/>
+  </p:clrMapOvr>
+  <mc:AlternateContent xmlns:mc="http://schemas.openxmlformats.org/markup-compatibility/2006">
+    <mc:Choice xmlns:p14="http://schemas.microsoft.com/office/powerpoint/2010/main" Requires="p14">
+      <p:transition spd="med" p14:dur="700">
+        <p:fade/>
+      </p:transition>
+    </mc:Choice>
+    <mc:Fallback>
+      <p:transition spd="med">
+        <p:fade/>
+      </p:transition>
+    </mc:Fallback>
+  </mc:AlternateContent>
+</p:sld>
+</file>
+
+<file path=ppt/slides/slide11.xml><?xml version="1.0" encoding="utf-8"?>
+<p:sld xmlns:a="http://schemas.openxmlformats.org/drawingml/2006/main" xmlns:r="http://schemas.openxmlformats.org/officeDocument/2006/relationships" xmlns:p="http://schemas.openxmlformats.org/presentationml/2006/main">
+  <p:cSld>
+    <p:spTree>
+      <p:nvGrpSpPr>
+        <p:cNvPr id="1" name=""/>
+        <p:cNvGrpSpPr/>
+        <p:nvPr/>
+      </p:nvGrpSpPr>
+      <p:grpSpPr>
+        <a:xfrm>
+          <a:off x="0" y="0"/>
+          <a:ext cx="0" cy="0"/>
+          <a:chOff x="0" y="0"/>
+          <a:chExt cx="0" cy="0"/>
+        </a:xfrm>
+      </p:grpSpPr>
+      <p:sp>
+        <p:nvSpPr>
+          <p:cNvPr id="3" name="Titolo 2">
+            <a:extLst>
+              <a:ext uri="{FF2B5EF4-FFF2-40B4-BE49-F238E27FC236}">
+                <a16:creationId xmlns:a16="http://schemas.microsoft.com/office/drawing/2014/main" id="{1353F689-2E51-BF4F-AE47-7CEB7CC4C52A}"/>
+              </a:ext>
+            </a:extLst>
+          </p:cNvPr>
+          <p:cNvSpPr>
+            <a:spLocks noGrp="1"/>
+          </p:cNvSpPr>
+          <p:nvPr>
+            <p:ph type="title"/>
+          </p:nvPr>
+        </p:nvSpPr>
+        <p:spPr>
+          <a:xfrm>
+            <a:off x="964023" y="879063"/>
+            <a:ext cx="8333886" cy="610863"/>
+          </a:xfrm>
+        </p:spPr>
+        <p:txBody>
+          <a:bodyPr rtlCol="0">
+            <a:normAutofit fontScale="90000"/>
+          </a:bodyPr>
+          <a:lstStyle/>
+          <a:p>
+            <a:r>
+              <a:rPr lang="it-IT" sz="4400"/>
+              <a:t>Confronto dei tempi di esecuzione</a:t>
+            </a:r>
+            <a:br>
+              <a:rPr lang="it-IT" sz="4400"/>
+            </a:br>
+            <a:r>
+              <a:rPr lang="it-IT" sz="2000"/>
+              <a:t>(con limite di tempo massimo pari a 60 sec.)</a:t>
+            </a:r>
+            <a:endParaRPr lang="it-IT" sz="2000" dirty="0"/>
+          </a:p>
+        </p:txBody>
+      </p:sp>
+      <p:sp>
+        <p:nvSpPr>
+          <p:cNvPr id="4" name="Segnaposto testo 3">
+            <a:extLst>
+              <a:ext uri="{FF2B5EF4-FFF2-40B4-BE49-F238E27FC236}">
+                <a16:creationId xmlns:a16="http://schemas.microsoft.com/office/drawing/2014/main" id="{A17F80A9-6337-524E-AC61-32C5AFEE8E6D}"/>
+              </a:ext>
+            </a:extLst>
+          </p:cNvPr>
+          <p:cNvSpPr>
+            <a:spLocks noGrp="1"/>
+          </p:cNvSpPr>
+          <p:nvPr>
+            <p:ph type="body" sz="quarter" idx="11"/>
+          </p:nvPr>
+        </p:nvSpPr>
+        <p:spPr>
+          <a:xfrm>
+            <a:off x="908365" y="2289363"/>
+            <a:ext cx="6470210" cy="2463706"/>
+          </a:xfrm>
+        </p:spPr>
+        <p:txBody>
+          <a:bodyPr rtlCol="0"/>
+          <a:lstStyle/>
+          <a:p>
+            <a:pPr marL="285750" indent="-285750" rtl="0">
+              <a:buFont typeface="Arial" panose="020B0604020202020204" pitchFamily="34" charset="0"/>
+              <a:buChar char="•"/>
+            </a:pPr>
+            <a:r>
+              <a:rPr lang="it-IT" sz="1800"/>
+              <a:t>Gli esperimenti si sono concentrati sul confronto tra il nostro algoritmo e il </a:t>
+            </a:r>
+            <a:r>
+              <a:rPr lang="it-IT" sz="1800" i="1"/>
+              <a:t>solver commerciale </a:t>
+            </a:r>
+            <a:r>
+              <a:rPr lang="it-IT" sz="1800" b="1" i="1"/>
+              <a:t>Gurobi </a:t>
+            </a:r>
+          </a:p>
+          <a:p>
+            <a:pPr marL="285750" indent="-285750" rtl="0">
+              <a:buFont typeface="Arial" panose="020B0604020202020204" pitchFamily="34" charset="0"/>
+              <a:buChar char="•"/>
+            </a:pPr>
+            <a:r>
+              <a:rPr lang="it-IT" sz="1800"/>
+              <a:t>In particolare, abbiamo considerato:</a:t>
+            </a:r>
+          </a:p>
+          <a:p>
+            <a:pPr marL="971550" lvl="1" indent="-285750"/>
+            <a:r>
+              <a:rPr lang="it-IT" sz="1800"/>
+              <a:t>Confronto dei tempi di esecuzione, dato un limite di tempo massimo (pari a 60 secondi per istanza)</a:t>
+            </a:r>
+          </a:p>
+          <a:p>
+            <a:pPr marL="971550" lvl="1" indent="-285750"/>
+            <a:endParaRPr lang="it-IT" sz="1800"/>
+          </a:p>
+        </p:txBody>
+      </p:sp>
+      <p:sp>
+        <p:nvSpPr>
+          <p:cNvPr id="7" name="Segnaposto numero diapositiva 6">
+            <a:extLst>
+              <a:ext uri="{FF2B5EF4-FFF2-40B4-BE49-F238E27FC236}">
+                <a16:creationId xmlns:a16="http://schemas.microsoft.com/office/drawing/2014/main" id="{F37669F0-EA6D-6B46-AF0E-A9C2D1F223DB}"/>
+              </a:ext>
+            </a:extLst>
+          </p:cNvPr>
+          <p:cNvSpPr>
+            <a:spLocks noGrp="1"/>
+          </p:cNvSpPr>
+          <p:nvPr>
+            <p:ph type="sldNum" sz="quarter" idx="16"/>
+          </p:nvPr>
+        </p:nvSpPr>
+        <p:spPr>
+          <a:xfrm>
+            <a:off x="971550" y="6332220"/>
+            <a:ext cx="523240" cy="247651"/>
+          </a:xfrm>
+        </p:spPr>
+        <p:txBody>
+          <a:bodyPr rtlCol="0"/>
+          <a:lstStyle/>
+          <a:p>
+            <a:pPr rtl="0"/>
+            <a:fld id="{294A09A9-5501-47C1-A89A-A340965A2BE2}" type="slidenum">
+              <a:rPr lang="it-IT" smtClean="0"/>
+              <a:pPr rtl="0"/>
+              <a:t>11</a:t>
+            </a:fld>
+            <a:endParaRPr lang="it-IT"/>
+          </a:p>
+        </p:txBody>
+      </p:sp>
+      <p:sp>
+        <p:nvSpPr>
+          <p:cNvPr id="6" name="Segnaposto piè di pagina 5">
+            <a:extLst>
+              <a:ext uri="{FF2B5EF4-FFF2-40B4-BE49-F238E27FC236}">
+                <a16:creationId xmlns:a16="http://schemas.microsoft.com/office/drawing/2014/main" id="{66F3960A-D260-8445-A153-0B674474CEBD}"/>
+              </a:ext>
+            </a:extLst>
+          </p:cNvPr>
+          <p:cNvSpPr>
+            <a:spLocks noGrp="1"/>
+          </p:cNvSpPr>
+          <p:nvPr>
+            <p:ph type="ftr" sz="quarter" idx="15"/>
+          </p:nvPr>
+        </p:nvSpPr>
+        <p:spPr>
+          <a:xfrm>
+            <a:off x="1494790" y="6332220"/>
+            <a:ext cx="1497330" cy="247651"/>
+          </a:xfrm>
+        </p:spPr>
+        <p:txBody>
+          <a:bodyPr rtlCol="0"/>
+          <a:lstStyle/>
+          <a:p>
+            <a:pPr rtl="0"/>
+            <a:r>
+              <a:rPr lang="it-IT"/>
+              <a:t>Progetto AMOD</a:t>
+            </a:r>
+          </a:p>
+        </p:txBody>
+      </p:sp>
+      <p:sp>
+        <p:nvSpPr>
+          <p:cNvPr id="5" name="Segnaposto data 4">
+            <a:extLst>
+              <a:ext uri="{FF2B5EF4-FFF2-40B4-BE49-F238E27FC236}">
+                <a16:creationId xmlns:a16="http://schemas.microsoft.com/office/drawing/2014/main" id="{2E803E71-3088-0347-9BCC-16ADB551CCC8}"/>
+              </a:ext>
+            </a:extLst>
+          </p:cNvPr>
+          <p:cNvSpPr>
+            <a:spLocks noGrp="1"/>
+          </p:cNvSpPr>
+          <p:nvPr>
+            <p:ph type="dt" sz="half" idx="14"/>
+          </p:nvPr>
+        </p:nvSpPr>
+        <p:spPr>
+          <a:xfrm>
+            <a:off x="2992120" y="6332220"/>
+            <a:ext cx="1313180" cy="247651"/>
+          </a:xfrm>
+        </p:spPr>
+        <p:txBody>
+          <a:bodyPr rtlCol="0"/>
+          <a:lstStyle/>
+          <a:p>
+            <a:pPr rtl="0"/>
+            <a:fld id="{B7909059-8104-4590-BD91-254A7C1B3A73}" type="datetime4">
+              <a:rPr lang="it-IT" smtClean="0"/>
+              <a:t>4 novembre 2022</a:t>
+            </a:fld>
+            <a:endParaRPr lang="it-IT"/>
+          </a:p>
+        </p:txBody>
+      </p:sp>
+      <p:sp>
+        <p:nvSpPr>
+          <p:cNvPr id="9" name="Rettangolo 8">
+            <a:extLst>
+              <a:ext uri="{FF2B5EF4-FFF2-40B4-BE49-F238E27FC236}">
+                <a16:creationId xmlns:a16="http://schemas.microsoft.com/office/drawing/2014/main" id="{363B121B-C9E0-E763-6002-869EDB48860A}"/>
+              </a:ext>
+            </a:extLst>
+          </p:cNvPr>
+          <p:cNvSpPr/>
+          <p:nvPr/>
+        </p:nvSpPr>
+        <p:spPr>
+          <a:xfrm>
+            <a:off x="9633527" y="3429000"/>
+            <a:ext cx="1902691" cy="1475509"/>
+          </a:xfrm>
+          <a:prstGeom prst="rect">
+            <a:avLst/>
+          </a:prstGeom>
+          <a:solidFill>
+            <a:schemeClr val="tx1"/>
+          </a:solidFill>
+          <a:ln>
+            <a:noFill/>
+          </a:ln>
+        </p:spPr>
+        <p:style>
+          <a:lnRef idx="2">
+            <a:schemeClr val="accent1">
+              <a:shade val="50000"/>
+            </a:schemeClr>
+          </a:lnRef>
+          <a:fillRef idx="1">
+            <a:schemeClr val="accent1"/>
+          </a:fillRef>
+          <a:effectRef idx="0">
+            <a:schemeClr val="accent1"/>
+          </a:effectRef>
+          <a:fontRef idx="minor">
+            <a:schemeClr val="lt1"/>
+          </a:fontRef>
+        </p:style>
+        <p:txBody>
+          <a:bodyPr rtlCol="0" anchor="ctr"/>
+          <a:lstStyle/>
+          <a:p>
+            <a:pPr algn="ctr"/>
+            <a:endParaRPr lang="it-IT"/>
+          </a:p>
+        </p:txBody>
+      </p:sp>
+      <p:sp>
+        <p:nvSpPr>
+          <p:cNvPr id="10" name="Rettangolo 9">
+            <a:extLst>
+              <a:ext uri="{FF2B5EF4-FFF2-40B4-BE49-F238E27FC236}">
+                <a16:creationId xmlns:a16="http://schemas.microsoft.com/office/drawing/2014/main" id="{BFDC280B-30C4-AE9E-791E-648D4C685D23}"/>
+              </a:ext>
+            </a:extLst>
+          </p:cNvPr>
+          <p:cNvSpPr/>
+          <p:nvPr/>
+        </p:nvSpPr>
+        <p:spPr>
+          <a:xfrm>
+            <a:off x="7051964" y="1964936"/>
+            <a:ext cx="1593272" cy="324427"/>
+          </a:xfrm>
+          <a:prstGeom prst="rect">
+            <a:avLst/>
+          </a:prstGeom>
+          <a:solidFill>
+            <a:schemeClr val="tx1"/>
+          </a:solidFill>
+          <a:ln>
+            <a:noFill/>
+          </a:ln>
+        </p:spPr>
+        <p:style>
+          <a:lnRef idx="2">
+            <a:schemeClr val="accent1">
+              <a:shade val="50000"/>
+            </a:schemeClr>
+          </a:lnRef>
+          <a:fillRef idx="1">
+            <a:schemeClr val="accent1"/>
+          </a:fillRef>
+          <a:effectRef idx="0">
+            <a:schemeClr val="accent1"/>
+          </a:effectRef>
+          <a:fontRef idx="minor">
+            <a:schemeClr val="lt1"/>
+          </a:fontRef>
+        </p:style>
+        <p:txBody>
+          <a:bodyPr rtlCol="0" anchor="ctr"/>
+          <a:lstStyle/>
+          <a:p>
+            <a:pPr algn="ctr"/>
+            <a:endParaRPr lang="it-IT"/>
+          </a:p>
+        </p:txBody>
+      </p:sp>
+      <p:sp>
+        <p:nvSpPr>
+          <p:cNvPr id="15" name="Rettangolo 14">
+            <a:extLst>
+              <a:ext uri="{FF2B5EF4-FFF2-40B4-BE49-F238E27FC236}">
+                <a16:creationId xmlns:a16="http://schemas.microsoft.com/office/drawing/2014/main" id="{15F267DF-C908-20C5-DB55-E5926E008385}"/>
+              </a:ext>
+            </a:extLst>
+          </p:cNvPr>
+          <p:cNvSpPr/>
+          <p:nvPr/>
+        </p:nvSpPr>
+        <p:spPr>
+          <a:xfrm>
+            <a:off x="9097874" y="3334510"/>
+            <a:ext cx="2752253" cy="2190938"/>
+          </a:xfrm>
+          <a:prstGeom prst="rect">
+            <a:avLst/>
+          </a:prstGeom>
+          <a:solidFill>
+            <a:schemeClr val="tx1"/>
+          </a:solidFill>
+          <a:ln>
+            <a:noFill/>
+          </a:ln>
+        </p:spPr>
+        <p:style>
+          <a:lnRef idx="2">
+            <a:schemeClr val="accent1">
+              <a:shade val="50000"/>
+            </a:schemeClr>
+          </a:lnRef>
+          <a:fillRef idx="1">
+            <a:schemeClr val="accent1"/>
+          </a:fillRef>
+          <a:effectRef idx="0">
+            <a:schemeClr val="accent1"/>
+          </a:effectRef>
+          <a:fontRef idx="minor">
+            <a:schemeClr val="lt1"/>
+          </a:fontRef>
+        </p:style>
+        <p:txBody>
+          <a:bodyPr rtlCol="0" anchor="ctr"/>
+          <a:lstStyle/>
+          <a:p>
+            <a:pPr algn="ctr"/>
+            <a:endParaRPr lang="it-IT"/>
+          </a:p>
+        </p:txBody>
+      </p:sp>
+      <p:sp>
+        <p:nvSpPr>
+          <p:cNvPr id="16" name="Rettangolo 15">
+            <a:extLst>
+              <a:ext uri="{FF2B5EF4-FFF2-40B4-BE49-F238E27FC236}">
+                <a16:creationId xmlns:a16="http://schemas.microsoft.com/office/drawing/2014/main" id="{85395377-150B-3B45-9A08-555E4688FB1B}"/>
+              </a:ext>
+            </a:extLst>
+          </p:cNvPr>
+          <p:cNvSpPr/>
+          <p:nvPr/>
+        </p:nvSpPr>
+        <p:spPr>
+          <a:xfrm>
+            <a:off x="6345621" y="1726384"/>
+            <a:ext cx="2752253" cy="514538"/>
+          </a:xfrm>
+          <a:prstGeom prst="rect">
+            <a:avLst/>
+          </a:prstGeom>
+          <a:solidFill>
+            <a:schemeClr val="tx1"/>
+          </a:solidFill>
+          <a:ln>
+            <a:noFill/>
+          </a:ln>
+        </p:spPr>
+        <p:style>
+          <a:lnRef idx="2">
+            <a:schemeClr val="accent1">
+              <a:shade val="50000"/>
+            </a:schemeClr>
+          </a:lnRef>
+          <a:fillRef idx="1">
+            <a:schemeClr val="accent1"/>
+          </a:fillRef>
+          <a:effectRef idx="0">
+            <a:schemeClr val="accent1"/>
+          </a:effectRef>
+          <a:fontRef idx="minor">
+            <a:schemeClr val="lt1"/>
+          </a:fontRef>
+        </p:style>
+        <p:txBody>
+          <a:bodyPr rtlCol="0" anchor="ctr"/>
+          <a:lstStyle/>
+          <a:p>
+            <a:pPr algn="ctr"/>
+            <a:endParaRPr lang="it-IT"/>
+          </a:p>
+        </p:txBody>
+      </p:sp>
+    </p:spTree>
+    <p:extLst>
+      <p:ext uri="{BB962C8B-B14F-4D97-AF65-F5344CB8AC3E}">
+        <p14:creationId xmlns:p14="http://schemas.microsoft.com/office/powerpoint/2010/main" val="816738304"/>
+      </p:ext>
+    </p:extLst>
+  </p:cSld>
+  <p:clrMapOvr>
+    <a:masterClrMapping/>
+  </p:clrMapOvr>
+  <mc:AlternateContent xmlns:mc="http://schemas.openxmlformats.org/markup-compatibility/2006">
+    <mc:Choice xmlns:p14="http://schemas.microsoft.com/office/powerpoint/2010/main" Requires="p14">
+      <p:transition spd="med" p14:dur="700">
+        <p:fade/>
+      </p:transition>
+    </mc:Choice>
+    <mc:Fallback>
+      <p:transition spd="med">
+        <p:fade/>
+      </p:transition>
+    </mc:Fallback>
+  </mc:AlternateContent>
+</p:sld>
+</file>
+
+<file path=ppt/slides/slide12.xml><?xml version="1.0" encoding="utf-8"?>
+<p:sld xmlns:a="http://schemas.openxmlformats.org/drawingml/2006/main" xmlns:r="http://schemas.openxmlformats.org/officeDocument/2006/relationships" xmlns:p="http://schemas.openxmlformats.org/presentationml/2006/main">
+  <p:cSld>
+    <p:spTree>
+      <p:nvGrpSpPr>
+        <p:cNvPr id="1" name=""/>
+        <p:cNvGrpSpPr/>
+        <p:nvPr/>
+      </p:nvGrpSpPr>
+      <p:grpSpPr>
+        <a:xfrm>
+          <a:off x="0" y="0"/>
+          <a:ext cx="0" cy="0"/>
+          <a:chOff x="0" y="0"/>
+          <a:chExt cx="0" cy="0"/>
+        </a:xfrm>
+      </p:grpSpPr>
+      <p:sp>
+        <p:nvSpPr>
+          <p:cNvPr id="7" name="Segnaposto numero diapositiva 6">
+            <a:extLst>
+              <a:ext uri="{FF2B5EF4-FFF2-40B4-BE49-F238E27FC236}">
+                <a16:creationId xmlns:a16="http://schemas.microsoft.com/office/drawing/2014/main" id="{F37669F0-EA6D-6B46-AF0E-A9C2D1F223DB}"/>
+              </a:ext>
+            </a:extLst>
+          </p:cNvPr>
+          <p:cNvSpPr>
+            <a:spLocks noGrp="1"/>
+          </p:cNvSpPr>
+          <p:nvPr>
+            <p:ph type="sldNum" sz="quarter" idx="16"/>
+          </p:nvPr>
+        </p:nvSpPr>
+        <p:spPr>
+          <a:xfrm>
+            <a:off x="971550" y="6332220"/>
+            <a:ext cx="523240" cy="247651"/>
+          </a:xfrm>
+        </p:spPr>
+        <p:txBody>
+          <a:bodyPr rtlCol="0"/>
+          <a:lstStyle/>
+          <a:p>
+            <a:pPr rtl="0"/>
+            <a:fld id="{294A09A9-5501-47C1-A89A-A340965A2BE2}" type="slidenum">
+              <a:rPr lang="it-IT" smtClean="0"/>
+              <a:pPr rtl="0"/>
+              <a:t>12</a:t>
+            </a:fld>
+            <a:endParaRPr lang="it-IT"/>
+          </a:p>
+        </p:txBody>
+      </p:sp>
+      <p:sp>
+        <p:nvSpPr>
+          <p:cNvPr id="6" name="Segnaposto piè di pagina 5">
+            <a:extLst>
+              <a:ext uri="{FF2B5EF4-FFF2-40B4-BE49-F238E27FC236}">
+                <a16:creationId xmlns:a16="http://schemas.microsoft.com/office/drawing/2014/main" id="{66F3960A-D260-8445-A153-0B674474CEBD}"/>
+              </a:ext>
+            </a:extLst>
+          </p:cNvPr>
+          <p:cNvSpPr>
+            <a:spLocks noGrp="1"/>
+          </p:cNvSpPr>
+          <p:nvPr>
+            <p:ph type="ftr" sz="quarter" idx="15"/>
+          </p:nvPr>
+        </p:nvSpPr>
+        <p:spPr>
+          <a:xfrm>
+            <a:off x="1494790" y="6332220"/>
+            <a:ext cx="1497330" cy="247651"/>
+          </a:xfrm>
+        </p:spPr>
+        <p:txBody>
+          <a:bodyPr rtlCol="0"/>
+          <a:lstStyle/>
+          <a:p>
+            <a:pPr rtl="0"/>
+            <a:r>
+              <a:rPr lang="it-IT"/>
+              <a:t>Progetto AMOD</a:t>
+            </a:r>
+          </a:p>
+        </p:txBody>
+      </p:sp>
+      <p:sp>
+        <p:nvSpPr>
+          <p:cNvPr id="5" name="Segnaposto data 4">
+            <a:extLst>
+              <a:ext uri="{FF2B5EF4-FFF2-40B4-BE49-F238E27FC236}">
+                <a16:creationId xmlns:a16="http://schemas.microsoft.com/office/drawing/2014/main" id="{2E803E71-3088-0347-9BCC-16ADB551CCC8}"/>
+              </a:ext>
+            </a:extLst>
+          </p:cNvPr>
+          <p:cNvSpPr>
+            <a:spLocks noGrp="1"/>
+          </p:cNvSpPr>
+          <p:nvPr>
+            <p:ph type="dt" sz="half" idx="14"/>
+          </p:nvPr>
+        </p:nvSpPr>
+        <p:spPr>
+          <a:xfrm>
+            <a:off x="2992120" y="6332220"/>
+            <a:ext cx="1313180" cy="247651"/>
+          </a:xfrm>
+        </p:spPr>
+        <p:txBody>
+          <a:bodyPr rtlCol="0"/>
+          <a:lstStyle/>
+          <a:p>
+            <a:pPr rtl="0"/>
+            <a:fld id="{B7909059-8104-4590-BD91-254A7C1B3A73}" type="datetime4">
+              <a:rPr lang="it-IT" smtClean="0"/>
+              <a:t>4 novembre 2022</a:t>
+            </a:fld>
+            <a:endParaRPr lang="it-IT"/>
+          </a:p>
+        </p:txBody>
+      </p:sp>
+      <p:sp>
+        <p:nvSpPr>
+          <p:cNvPr id="9" name="Rettangolo 8">
+            <a:extLst>
+              <a:ext uri="{FF2B5EF4-FFF2-40B4-BE49-F238E27FC236}">
+                <a16:creationId xmlns:a16="http://schemas.microsoft.com/office/drawing/2014/main" id="{363B121B-C9E0-E763-6002-869EDB48860A}"/>
+              </a:ext>
+            </a:extLst>
+          </p:cNvPr>
+          <p:cNvSpPr/>
+          <p:nvPr/>
+        </p:nvSpPr>
+        <p:spPr>
+          <a:xfrm>
+            <a:off x="9633527" y="3429000"/>
+            <a:ext cx="1902691" cy="1475509"/>
+          </a:xfrm>
+          <a:prstGeom prst="rect">
+            <a:avLst/>
+          </a:prstGeom>
+          <a:solidFill>
+            <a:schemeClr val="tx1"/>
+          </a:solidFill>
+          <a:ln>
+            <a:noFill/>
+          </a:ln>
+        </p:spPr>
+        <p:style>
+          <a:lnRef idx="2">
+            <a:schemeClr val="accent1">
+              <a:shade val="50000"/>
+            </a:schemeClr>
+          </a:lnRef>
+          <a:fillRef idx="1">
+            <a:schemeClr val="accent1"/>
+          </a:fillRef>
+          <a:effectRef idx="0">
+            <a:schemeClr val="accent1"/>
+          </a:effectRef>
+          <a:fontRef idx="minor">
+            <a:schemeClr val="lt1"/>
+          </a:fontRef>
+        </p:style>
+        <p:txBody>
+          <a:bodyPr rtlCol="0" anchor="ctr"/>
+          <a:lstStyle/>
+          <a:p>
+            <a:pPr algn="ctr"/>
+            <a:endParaRPr lang="it-IT"/>
+          </a:p>
+        </p:txBody>
+      </p:sp>
+      <p:sp>
+        <p:nvSpPr>
+          <p:cNvPr id="10" name="Rettangolo 9">
+            <a:extLst>
+              <a:ext uri="{FF2B5EF4-FFF2-40B4-BE49-F238E27FC236}">
+                <a16:creationId xmlns:a16="http://schemas.microsoft.com/office/drawing/2014/main" id="{BFDC280B-30C4-AE9E-791E-648D4C685D23}"/>
+              </a:ext>
+            </a:extLst>
+          </p:cNvPr>
+          <p:cNvSpPr/>
+          <p:nvPr/>
+        </p:nvSpPr>
+        <p:spPr>
+          <a:xfrm>
+            <a:off x="7325582" y="1625017"/>
+            <a:ext cx="1399605" cy="241321"/>
+          </a:xfrm>
+          <a:prstGeom prst="rect">
+            <a:avLst/>
+          </a:prstGeom>
+          <a:solidFill>
+            <a:schemeClr val="tx1"/>
+          </a:solidFill>
+          <a:ln>
+            <a:noFill/>
+          </a:ln>
+        </p:spPr>
+        <p:style>
+          <a:lnRef idx="2">
+            <a:schemeClr val="accent1">
+              <a:shade val="50000"/>
+            </a:schemeClr>
+          </a:lnRef>
+          <a:fillRef idx="1">
+            <a:schemeClr val="accent1"/>
+          </a:fillRef>
+          <a:effectRef idx="0">
+            <a:schemeClr val="accent1"/>
+          </a:effectRef>
+          <a:fontRef idx="minor">
+            <a:schemeClr val="lt1"/>
+          </a:fontRef>
+        </p:style>
+        <p:txBody>
+          <a:bodyPr rtlCol="0" anchor="ctr"/>
+          <a:lstStyle/>
+          <a:p>
+            <a:pPr algn="ctr"/>
+            <a:endParaRPr lang="it-IT"/>
+          </a:p>
+        </p:txBody>
+      </p:sp>
+      <p:sp>
+        <p:nvSpPr>
+          <p:cNvPr id="15" name="Rettangolo 14">
+            <a:extLst>
+              <a:ext uri="{FF2B5EF4-FFF2-40B4-BE49-F238E27FC236}">
+                <a16:creationId xmlns:a16="http://schemas.microsoft.com/office/drawing/2014/main" id="{15F267DF-C908-20C5-DB55-E5926E008385}"/>
+              </a:ext>
+            </a:extLst>
+          </p:cNvPr>
+          <p:cNvSpPr/>
+          <p:nvPr/>
+        </p:nvSpPr>
+        <p:spPr>
+          <a:xfrm>
+            <a:off x="9097874" y="3334510"/>
+            <a:ext cx="2752253" cy="2190938"/>
+          </a:xfrm>
+          <a:prstGeom prst="rect">
+            <a:avLst/>
+          </a:prstGeom>
+          <a:solidFill>
+            <a:schemeClr val="tx1"/>
+          </a:solidFill>
+          <a:ln>
+            <a:noFill/>
+          </a:ln>
+        </p:spPr>
+        <p:style>
+          <a:lnRef idx="2">
+            <a:schemeClr val="accent1">
+              <a:shade val="50000"/>
+            </a:schemeClr>
+          </a:lnRef>
+          <a:fillRef idx="1">
+            <a:schemeClr val="accent1"/>
+          </a:fillRef>
+          <a:effectRef idx="0">
+            <a:schemeClr val="accent1"/>
+          </a:effectRef>
+          <a:fontRef idx="minor">
+            <a:schemeClr val="lt1"/>
+          </a:fontRef>
+        </p:style>
+        <p:txBody>
+          <a:bodyPr rtlCol="0" anchor="ctr"/>
+          <a:lstStyle/>
+          <a:p>
+            <a:pPr algn="ctr"/>
+            <a:endParaRPr lang="it-IT"/>
+          </a:p>
+        </p:txBody>
+      </p:sp>
+      <p:sp>
+        <p:nvSpPr>
+          <p:cNvPr id="16" name="Rettangolo 15">
+            <a:extLst>
+              <a:ext uri="{FF2B5EF4-FFF2-40B4-BE49-F238E27FC236}">
+                <a16:creationId xmlns:a16="http://schemas.microsoft.com/office/drawing/2014/main" id="{85395377-150B-3B45-9A08-555E4688FB1B}"/>
+              </a:ext>
+            </a:extLst>
+          </p:cNvPr>
+          <p:cNvSpPr/>
+          <p:nvPr/>
+        </p:nvSpPr>
+        <p:spPr>
+          <a:xfrm>
+            <a:off x="6619240" y="1435164"/>
+            <a:ext cx="2417708" cy="382733"/>
+          </a:xfrm>
+          <a:prstGeom prst="rect">
+            <a:avLst/>
+          </a:prstGeom>
+          <a:solidFill>
+            <a:schemeClr val="tx1"/>
+          </a:solidFill>
+          <a:ln>
+            <a:noFill/>
+          </a:ln>
+        </p:spPr>
+        <p:style>
+          <a:lnRef idx="2">
+            <a:schemeClr val="accent1">
+              <a:shade val="50000"/>
+            </a:schemeClr>
+          </a:lnRef>
+          <a:fillRef idx="1">
+            <a:schemeClr val="accent1"/>
+          </a:fillRef>
+          <a:effectRef idx="0">
+            <a:schemeClr val="accent1"/>
+          </a:effectRef>
+          <a:fontRef idx="minor">
+            <a:schemeClr val="lt1"/>
+          </a:fontRef>
+        </p:style>
+        <p:txBody>
+          <a:bodyPr rtlCol="0" anchor="ctr"/>
+          <a:lstStyle/>
+          <a:p>
+            <a:pPr algn="ctr"/>
+            <a:endParaRPr lang="it-IT"/>
+          </a:p>
+        </p:txBody>
+      </p:sp>
+      <p:pic>
+        <p:nvPicPr>
+          <p:cNvPr id="8" name="Immagine 7">
+            <a:extLst>
+              <a:ext uri="{FF2B5EF4-FFF2-40B4-BE49-F238E27FC236}">
+                <a16:creationId xmlns:a16="http://schemas.microsoft.com/office/drawing/2014/main" id="{BB0D4019-7AAF-9F10-788B-A6F5BE22EF81}"/>
+              </a:ext>
+            </a:extLst>
+          </p:cNvPr>
+          <p:cNvPicPr>
+            <a:picLocks noChangeAspect="1"/>
+          </p:cNvPicPr>
+          <p:nvPr/>
+        </p:nvPicPr>
+        <p:blipFill>
+          <a:blip r:embed="rId3">
+            <a:extLst>
+              <a:ext uri="{28A0092B-C50C-407E-A947-70E740481C1C}">
+                <a14:useLocalDpi xmlns:a14="http://schemas.microsoft.com/office/drawing/2010/main" val="0"/>
+              </a:ext>
+            </a:extLst>
+          </a:blip>
+          <a:srcRect/>
+          <a:stretch/>
+        </p:blipFill>
+        <p:spPr>
+          <a:xfrm>
+            <a:off x="317126" y="3387315"/>
+            <a:ext cx="5675280" cy="2944905"/>
+          </a:xfrm>
+          <a:prstGeom prst="rect">
+            <a:avLst/>
+          </a:prstGeom>
+        </p:spPr>
+      </p:pic>
+      <p:pic>
+        <p:nvPicPr>
+          <p:cNvPr id="18" name="Immagine 17">
+            <a:extLst>
+              <a:ext uri="{FF2B5EF4-FFF2-40B4-BE49-F238E27FC236}">
+                <a16:creationId xmlns:a16="http://schemas.microsoft.com/office/drawing/2014/main" id="{FE882A1A-278C-5678-3C26-E1F3E99E9FC8}"/>
+              </a:ext>
+            </a:extLst>
+          </p:cNvPr>
+          <p:cNvPicPr>
+            <a:picLocks noChangeAspect="1"/>
+          </p:cNvPicPr>
+          <p:nvPr/>
+        </p:nvPicPr>
+        <p:blipFill>
+          <a:blip r:embed="rId4">
+            <a:extLst>
+              <a:ext uri="{28A0092B-C50C-407E-A947-70E740481C1C}">
+                <a14:useLocalDpi xmlns:a14="http://schemas.microsoft.com/office/drawing/2010/main" val="0"/>
+              </a:ext>
+            </a:extLst>
+          </a:blip>
+          <a:srcRect/>
+          <a:stretch/>
+        </p:blipFill>
+        <p:spPr>
+          <a:xfrm>
+            <a:off x="6096000" y="345444"/>
+            <a:ext cx="5675282" cy="2944905"/>
+          </a:xfrm>
+          <a:prstGeom prst="rect">
+            <a:avLst/>
+          </a:prstGeom>
+        </p:spPr>
+      </p:pic>
+      <p:pic>
+        <p:nvPicPr>
+          <p:cNvPr id="19" name="Immagine 18">
+            <a:extLst>
+              <a:ext uri="{FF2B5EF4-FFF2-40B4-BE49-F238E27FC236}">
+                <a16:creationId xmlns:a16="http://schemas.microsoft.com/office/drawing/2014/main" id="{4DFF176B-29B7-C52B-A338-957D3ECF4531}"/>
+              </a:ext>
+            </a:extLst>
+          </p:cNvPr>
+          <p:cNvPicPr>
+            <a:picLocks noChangeAspect="1"/>
+          </p:cNvPicPr>
+          <p:nvPr/>
+        </p:nvPicPr>
+        <p:blipFill>
+          <a:blip r:embed="rId5">
+            <a:extLst>
+              <a:ext uri="{28A0092B-C50C-407E-A947-70E740481C1C}">
+                <a14:useLocalDpi xmlns:a14="http://schemas.microsoft.com/office/drawing/2010/main" val="0"/>
+              </a:ext>
+            </a:extLst>
+          </a:blip>
+          <a:srcRect/>
+          <a:stretch/>
+        </p:blipFill>
+        <p:spPr>
+          <a:xfrm>
+            <a:off x="6096002" y="3387315"/>
+            <a:ext cx="5675280" cy="2944905"/>
+          </a:xfrm>
+          <a:prstGeom prst="rect">
+            <a:avLst/>
+          </a:prstGeom>
+        </p:spPr>
+      </p:pic>
+      <p:sp>
+        <p:nvSpPr>
+          <p:cNvPr id="20" name="Titolo 2">
+            <a:extLst>
+              <a:ext uri="{FF2B5EF4-FFF2-40B4-BE49-F238E27FC236}">
+                <a16:creationId xmlns:a16="http://schemas.microsoft.com/office/drawing/2014/main" id="{5A0959C4-B3F5-95EC-C191-38294EA9731D}"/>
+              </a:ext>
+            </a:extLst>
+          </p:cNvPr>
+          <p:cNvSpPr>
+            <a:spLocks noGrp="1"/>
+          </p:cNvSpPr>
+          <p:nvPr>
+            <p:ph type="title"/>
+          </p:nvPr>
+        </p:nvSpPr>
+        <p:spPr>
+          <a:xfrm>
+            <a:off x="581549" y="1014154"/>
+            <a:ext cx="4821141" cy="610863"/>
+          </a:xfrm>
+        </p:spPr>
+        <p:txBody>
+          <a:bodyPr rtlCol="0">
+            <a:normAutofit fontScale="90000"/>
+          </a:bodyPr>
+          <a:lstStyle/>
+          <a:p>
+            <a:r>
+              <a:rPr lang="it-IT" sz="3600"/>
+              <a:t>Confronto dei tempi di esecuzione</a:t>
+            </a:r>
+            <a:br>
+              <a:rPr lang="it-IT" sz="4400"/>
+            </a:br>
+            <a:r>
+              <a:rPr lang="it-IT" sz="1600" b="0"/>
+              <a:t>(con limite di tempo massimo pari a 60 sec.)</a:t>
+            </a:r>
+            <a:endParaRPr lang="it-IT" sz="1600" b="0" dirty="0"/>
+          </a:p>
+        </p:txBody>
+      </p:sp>
+      <p:sp>
+        <p:nvSpPr>
+          <p:cNvPr id="21" name="Titolo 2">
+            <a:extLst>
+              <a:ext uri="{FF2B5EF4-FFF2-40B4-BE49-F238E27FC236}">
+                <a16:creationId xmlns:a16="http://schemas.microsoft.com/office/drawing/2014/main" id="{1BCF1527-89BA-B71B-3CCF-FEA2A73CAB0F}"/>
+              </a:ext>
+            </a:extLst>
+          </p:cNvPr>
+          <p:cNvSpPr txBox="1">
+            <a:spLocks/>
+          </p:cNvSpPr>
+          <p:nvPr/>
+        </p:nvSpPr>
+        <p:spPr>
+          <a:xfrm>
+            <a:off x="581549" y="2290527"/>
+            <a:ext cx="4307322" cy="999822"/>
+          </a:xfrm>
+          <a:prstGeom prst="rect">
+            <a:avLst/>
+          </a:prstGeom>
+        </p:spPr>
+        <p:txBody>
+          <a:bodyPr vert="horz" lIns="0" tIns="0" rIns="0" bIns="0" rtlCol="0" anchor="b" anchorCtr="0">
+            <a:normAutofit fontScale="90000"/>
+          </a:bodyPr>
+          <a:lstStyle>
+            <a:lvl1pPr algn="l" defTabSz="914400" rtl="0" eaLnBrk="1" latinLnBrk="0" hangingPunct="1">
+              <a:lnSpc>
+                <a:spcPct val="90000"/>
+              </a:lnSpc>
+              <a:spcBef>
+                <a:spcPct val="0"/>
+              </a:spcBef>
+              <a:buNone/>
+              <a:defRPr sz="4400" b="1" i="0" kern="1200" spc="100" baseline="0">
+                <a:solidFill>
+                  <a:schemeClr val="bg1"/>
+                </a:solidFill>
+                <a:latin typeface="+mj-lt"/>
+                <a:ea typeface="+mj-ea"/>
+                <a:cs typeface="+mj-cs"/>
+              </a:defRPr>
+            </a:lvl1pPr>
+            <a:lvl2pPr eaLnBrk="1" hangingPunct="1">
+              <a:defRPr>
+                <a:solidFill>
+                  <a:schemeClr val="tx2"/>
+                </a:solidFill>
+              </a:defRPr>
+            </a:lvl2pPr>
+            <a:lvl3pPr eaLnBrk="1" hangingPunct="1">
+              <a:defRPr>
+                <a:solidFill>
+                  <a:schemeClr val="tx2"/>
+                </a:solidFill>
+              </a:defRPr>
+            </a:lvl3pPr>
+            <a:lvl4pPr eaLnBrk="1" hangingPunct="1">
+              <a:defRPr>
+                <a:solidFill>
+                  <a:schemeClr val="tx2"/>
+                </a:solidFill>
+              </a:defRPr>
+            </a:lvl4pPr>
+            <a:lvl5pPr eaLnBrk="1" hangingPunct="1">
+              <a:defRPr>
+                <a:solidFill>
+                  <a:schemeClr val="tx2"/>
+                </a:solidFill>
+              </a:defRPr>
+            </a:lvl5pPr>
+            <a:lvl6pPr eaLnBrk="1" hangingPunct="1">
+              <a:defRPr>
+                <a:solidFill>
+                  <a:schemeClr val="tx2"/>
+                </a:solidFill>
+              </a:defRPr>
+            </a:lvl6pPr>
+            <a:lvl7pPr eaLnBrk="1" hangingPunct="1">
+              <a:defRPr>
+                <a:solidFill>
+                  <a:schemeClr val="tx2"/>
+                </a:solidFill>
+              </a:defRPr>
+            </a:lvl7pPr>
+            <a:lvl8pPr eaLnBrk="1" hangingPunct="1">
+              <a:defRPr>
+                <a:solidFill>
+                  <a:schemeClr val="tx2"/>
+                </a:solidFill>
+              </a:defRPr>
+            </a:lvl8pPr>
+            <a:lvl9pPr eaLnBrk="1" hangingPunct="1">
+              <a:defRPr>
+                <a:solidFill>
+                  <a:schemeClr val="tx2"/>
+                </a:solidFill>
+              </a:defRPr>
+            </a:lvl9pPr>
+          </a:lstStyle>
+          <a:p>
+            <a:r>
+              <a:rPr lang="it-IT" sz="1600">
+                <a:latin typeface="Franklin Gothic Book (Corpo)"/>
+              </a:rPr>
+              <a:t>Release dates distribution: </a:t>
+            </a:r>
+          </a:p>
+          <a:p>
+            <a:r>
+              <a:rPr lang="it-IT" sz="1600" b="0" i="1">
+                <a:latin typeface="Franklin Gothic Book (Corpo)"/>
+              </a:rPr>
+              <a:t>Close to 0</a:t>
+            </a:r>
+          </a:p>
+          <a:p>
+            <a:endParaRPr lang="it-IT" sz="1600">
+              <a:latin typeface="Franklin Gothic Book (Corpo)"/>
+            </a:endParaRPr>
+          </a:p>
+          <a:p>
+            <a:r>
+              <a:rPr lang="it-IT" sz="1600">
+                <a:latin typeface="Franklin Gothic Book (Corpo)"/>
+              </a:rPr>
+              <a:t>Processing times distribution:</a:t>
+            </a:r>
+          </a:p>
+          <a:p>
+            <a:r>
+              <a:rPr lang="it-IT" sz="1600" b="0" i="1">
+                <a:latin typeface="Franklin Gothic Book (Corpo)"/>
+              </a:rPr>
+              <a:t>Low variance (1), Uniform (2), High Variance (3)</a:t>
+            </a:r>
+            <a:endParaRPr lang="it-IT" sz="1600" b="0" dirty="0">
+              <a:latin typeface="Franklin Gothic Book (Corpo)"/>
+            </a:endParaRPr>
+          </a:p>
+        </p:txBody>
+      </p:sp>
+      <p:pic>
+        <p:nvPicPr>
+          <p:cNvPr id="23" name="Elemento grafico 22" descr="Badge contorno">
+            <a:extLst>
+              <a:ext uri="{FF2B5EF4-FFF2-40B4-BE49-F238E27FC236}">
+                <a16:creationId xmlns:a16="http://schemas.microsoft.com/office/drawing/2014/main" id="{FBCA73AF-6B8B-EC2F-5E4F-36DCFBC52E96}"/>
+              </a:ext>
+            </a:extLst>
+          </p:cNvPr>
+          <p:cNvPicPr>
+            <a:picLocks noChangeAspect="1"/>
+          </p:cNvPicPr>
+          <p:nvPr/>
+        </p:nvPicPr>
+        <p:blipFill>
+          <a:blip r:embed="rId6">
+            <a:extLst>
+              <a:ext uri="{28A0092B-C50C-407E-A947-70E740481C1C}">
+                <a14:useLocalDpi xmlns:a14="http://schemas.microsoft.com/office/drawing/2010/main" val="0"/>
+              </a:ext>
+              <a:ext uri="{96DAC541-7B7A-43D3-8B79-37D633B846F1}">
+                <asvg:svgBlip xmlns:asvg="http://schemas.microsoft.com/office/drawing/2016/SVG/main" r:embed="rId7"/>
+              </a:ext>
+            </a:extLst>
+          </a:blip>
+          <a:stretch>
+            <a:fillRect/>
+          </a:stretch>
+        </p:blipFill>
+        <p:spPr>
+          <a:xfrm>
+            <a:off x="611550" y="3806754"/>
+            <a:ext cx="360000" cy="360000"/>
+          </a:xfrm>
+          <a:prstGeom prst="rect">
+            <a:avLst/>
+          </a:prstGeom>
+        </p:spPr>
+      </p:pic>
+      <p:pic>
+        <p:nvPicPr>
+          <p:cNvPr id="25" name="Elemento grafico 24" descr="Badge 1 contorno">
+            <a:extLst>
+              <a:ext uri="{FF2B5EF4-FFF2-40B4-BE49-F238E27FC236}">
+                <a16:creationId xmlns:a16="http://schemas.microsoft.com/office/drawing/2014/main" id="{453B36AC-D346-5CBB-DB39-1CB9EB4CC0D3}"/>
+              </a:ext>
+            </a:extLst>
+          </p:cNvPr>
+          <p:cNvPicPr>
+            <a:picLocks noChangeAspect="1"/>
+          </p:cNvPicPr>
+          <p:nvPr/>
+        </p:nvPicPr>
+        <p:blipFill>
+          <a:blip r:embed="rId8">
+            <a:extLst>
+              <a:ext uri="{28A0092B-C50C-407E-A947-70E740481C1C}">
+                <a14:useLocalDpi xmlns:a14="http://schemas.microsoft.com/office/drawing/2010/main" val="0"/>
+              </a:ext>
+              <a:ext uri="{96DAC541-7B7A-43D3-8B79-37D633B846F1}">
+                <asvg:svgBlip xmlns:asvg="http://schemas.microsoft.com/office/drawing/2016/SVG/main" r:embed="rId9"/>
+              </a:ext>
+            </a:extLst>
+          </a:blip>
+          <a:stretch>
+            <a:fillRect/>
+          </a:stretch>
+        </p:blipFill>
+        <p:spPr>
+          <a:xfrm>
+            <a:off x="6439240" y="795358"/>
+            <a:ext cx="360000" cy="360000"/>
+          </a:xfrm>
+          <a:prstGeom prst="rect">
+            <a:avLst/>
+          </a:prstGeom>
+        </p:spPr>
+      </p:pic>
+      <p:pic>
+        <p:nvPicPr>
+          <p:cNvPr id="27" name="Elemento grafico 26" descr="Badge 3 contorno">
+            <a:extLst>
+              <a:ext uri="{FF2B5EF4-FFF2-40B4-BE49-F238E27FC236}">
+                <a16:creationId xmlns:a16="http://schemas.microsoft.com/office/drawing/2014/main" id="{54BB3858-9BE8-753B-E511-F16D4BD396A8}"/>
+              </a:ext>
+            </a:extLst>
+          </p:cNvPr>
+          <p:cNvPicPr>
+            <a:picLocks noChangeAspect="1"/>
+          </p:cNvPicPr>
+          <p:nvPr/>
+        </p:nvPicPr>
+        <p:blipFill>
+          <a:blip r:embed="rId10">
+            <a:extLst>
+              <a:ext uri="{28A0092B-C50C-407E-A947-70E740481C1C}">
+                <a14:useLocalDpi xmlns:a14="http://schemas.microsoft.com/office/drawing/2010/main" val="0"/>
+              </a:ext>
+              <a:ext uri="{96DAC541-7B7A-43D3-8B79-37D633B846F1}">
+                <asvg:svgBlip xmlns:asvg="http://schemas.microsoft.com/office/drawing/2016/SVG/main" r:embed="rId11"/>
+              </a:ext>
+            </a:extLst>
+          </a:blip>
+          <a:stretch>
+            <a:fillRect/>
+          </a:stretch>
+        </p:blipFill>
+        <p:spPr>
+          <a:xfrm>
+            <a:off x="6439240" y="3788291"/>
+            <a:ext cx="360000" cy="360000"/>
+          </a:xfrm>
+          <a:prstGeom prst="rect">
+            <a:avLst/>
+          </a:prstGeom>
+        </p:spPr>
+      </p:pic>
+    </p:spTree>
+    <p:extLst>
+      <p:ext uri="{BB962C8B-B14F-4D97-AF65-F5344CB8AC3E}">
+        <p14:creationId xmlns:p14="http://schemas.microsoft.com/office/powerpoint/2010/main" val="3294512277"/>
+      </p:ext>
+    </p:extLst>
+  </p:cSld>
+  <p:clrMapOvr>
+    <a:masterClrMapping/>
+  </p:clrMapOvr>
+  <mc:AlternateContent xmlns:mc="http://schemas.openxmlformats.org/markup-compatibility/2006">
+    <mc:Choice xmlns:p14="http://schemas.microsoft.com/office/powerpoint/2010/main" Requires="p14">
+      <p:transition spd="med" p14:dur="700">
+        <p:fade/>
+      </p:transition>
+    </mc:Choice>
+    <mc:Fallback>
+      <p:transition spd="med">
+        <p:fade/>
+      </p:transition>
+    </mc:Fallback>
+  </mc:AlternateContent>
+</p:sld>
+</file>
+
+<file path=ppt/slides/slide13.xml><?xml version="1.0" encoding="utf-8"?>
+<p:sld xmlns:a="http://schemas.openxmlformats.org/drawingml/2006/main" xmlns:r="http://schemas.openxmlformats.org/officeDocument/2006/relationships" xmlns:p="http://schemas.openxmlformats.org/presentationml/2006/main">
+  <p:cSld>
+    <p:spTree>
+      <p:nvGrpSpPr>
+        <p:cNvPr id="1" name=""/>
+        <p:cNvGrpSpPr/>
+        <p:nvPr/>
+      </p:nvGrpSpPr>
+      <p:grpSpPr>
+        <a:xfrm>
+          <a:off x="0" y="0"/>
+          <a:ext cx="0" cy="0"/>
+          <a:chOff x="0" y="0"/>
+          <a:chExt cx="0" cy="0"/>
+        </a:xfrm>
+      </p:grpSpPr>
+      <p:sp>
+        <p:nvSpPr>
+          <p:cNvPr id="7" name="Segnaposto numero diapositiva 6">
+            <a:extLst>
+              <a:ext uri="{FF2B5EF4-FFF2-40B4-BE49-F238E27FC236}">
+                <a16:creationId xmlns:a16="http://schemas.microsoft.com/office/drawing/2014/main" id="{F37669F0-EA6D-6B46-AF0E-A9C2D1F223DB}"/>
+              </a:ext>
+            </a:extLst>
+          </p:cNvPr>
+          <p:cNvSpPr>
+            <a:spLocks noGrp="1"/>
+          </p:cNvSpPr>
+          <p:nvPr>
+            <p:ph type="sldNum" sz="quarter" idx="16"/>
+          </p:nvPr>
+        </p:nvSpPr>
+        <p:spPr>
+          <a:xfrm>
+            <a:off x="971550" y="6332220"/>
+            <a:ext cx="523240" cy="247651"/>
+          </a:xfrm>
+        </p:spPr>
+        <p:txBody>
+          <a:bodyPr rtlCol="0"/>
+          <a:lstStyle/>
+          <a:p>
+            <a:pPr rtl="0"/>
+            <a:fld id="{294A09A9-5501-47C1-A89A-A340965A2BE2}" type="slidenum">
+              <a:rPr lang="it-IT" smtClean="0"/>
+              <a:pPr rtl="0"/>
+              <a:t>13</a:t>
+            </a:fld>
+            <a:endParaRPr lang="it-IT"/>
+          </a:p>
+        </p:txBody>
+      </p:sp>
+      <p:sp>
+        <p:nvSpPr>
+          <p:cNvPr id="6" name="Segnaposto piè di pagina 5">
+            <a:extLst>
+              <a:ext uri="{FF2B5EF4-FFF2-40B4-BE49-F238E27FC236}">
+                <a16:creationId xmlns:a16="http://schemas.microsoft.com/office/drawing/2014/main" id="{66F3960A-D260-8445-A153-0B674474CEBD}"/>
+              </a:ext>
+            </a:extLst>
+          </p:cNvPr>
+          <p:cNvSpPr>
+            <a:spLocks noGrp="1"/>
+          </p:cNvSpPr>
+          <p:nvPr>
+            <p:ph type="ftr" sz="quarter" idx="15"/>
+          </p:nvPr>
+        </p:nvSpPr>
+        <p:spPr>
+          <a:xfrm>
+            <a:off x="1494790" y="6332220"/>
+            <a:ext cx="1497330" cy="247651"/>
+          </a:xfrm>
+        </p:spPr>
+        <p:txBody>
+          <a:bodyPr rtlCol="0"/>
+          <a:lstStyle/>
+          <a:p>
+            <a:pPr rtl="0"/>
+            <a:r>
+              <a:rPr lang="it-IT"/>
+              <a:t>Progetto AMOD</a:t>
+            </a:r>
+          </a:p>
+        </p:txBody>
+      </p:sp>
+      <p:sp>
+        <p:nvSpPr>
+          <p:cNvPr id="5" name="Segnaposto data 4">
+            <a:extLst>
+              <a:ext uri="{FF2B5EF4-FFF2-40B4-BE49-F238E27FC236}">
+                <a16:creationId xmlns:a16="http://schemas.microsoft.com/office/drawing/2014/main" id="{2E803E71-3088-0347-9BCC-16ADB551CCC8}"/>
+              </a:ext>
+            </a:extLst>
+          </p:cNvPr>
+          <p:cNvSpPr>
+            <a:spLocks noGrp="1"/>
+          </p:cNvSpPr>
+          <p:nvPr>
+            <p:ph type="dt" sz="half" idx="14"/>
+          </p:nvPr>
+        </p:nvSpPr>
+        <p:spPr>
+          <a:xfrm>
+            <a:off x="2992120" y="6332220"/>
+            <a:ext cx="1313180" cy="247651"/>
+          </a:xfrm>
+        </p:spPr>
+        <p:txBody>
+          <a:bodyPr rtlCol="0"/>
+          <a:lstStyle/>
+          <a:p>
+            <a:pPr rtl="0"/>
+            <a:fld id="{B7909059-8104-4590-BD91-254A7C1B3A73}" type="datetime4">
+              <a:rPr lang="it-IT" smtClean="0"/>
+              <a:t>4 novembre 2022</a:t>
+            </a:fld>
+            <a:endParaRPr lang="it-IT"/>
+          </a:p>
+        </p:txBody>
+      </p:sp>
+      <p:sp>
+        <p:nvSpPr>
+          <p:cNvPr id="9" name="Rettangolo 8">
+            <a:extLst>
+              <a:ext uri="{FF2B5EF4-FFF2-40B4-BE49-F238E27FC236}">
+                <a16:creationId xmlns:a16="http://schemas.microsoft.com/office/drawing/2014/main" id="{363B121B-C9E0-E763-6002-869EDB48860A}"/>
+              </a:ext>
+            </a:extLst>
+          </p:cNvPr>
+          <p:cNvSpPr/>
+          <p:nvPr/>
+        </p:nvSpPr>
+        <p:spPr>
+          <a:xfrm>
+            <a:off x="9633527" y="3429000"/>
+            <a:ext cx="1902691" cy="1475509"/>
+          </a:xfrm>
+          <a:prstGeom prst="rect">
+            <a:avLst/>
+          </a:prstGeom>
+          <a:solidFill>
+            <a:schemeClr val="tx1"/>
+          </a:solidFill>
+          <a:ln>
+            <a:noFill/>
+          </a:ln>
+        </p:spPr>
+        <p:style>
+          <a:lnRef idx="2">
+            <a:schemeClr val="accent1">
+              <a:shade val="50000"/>
+            </a:schemeClr>
+          </a:lnRef>
+          <a:fillRef idx="1">
+            <a:schemeClr val="accent1"/>
+          </a:fillRef>
+          <a:effectRef idx="0">
+            <a:schemeClr val="accent1"/>
+          </a:effectRef>
+          <a:fontRef idx="minor">
+            <a:schemeClr val="lt1"/>
+          </a:fontRef>
+        </p:style>
+        <p:txBody>
+          <a:bodyPr rtlCol="0" anchor="ctr"/>
+          <a:lstStyle/>
+          <a:p>
+            <a:pPr algn="ctr"/>
+            <a:endParaRPr lang="it-IT"/>
+          </a:p>
+        </p:txBody>
+      </p:sp>
+      <p:sp>
+        <p:nvSpPr>
+          <p:cNvPr id="10" name="Rettangolo 9">
+            <a:extLst>
+              <a:ext uri="{FF2B5EF4-FFF2-40B4-BE49-F238E27FC236}">
+                <a16:creationId xmlns:a16="http://schemas.microsoft.com/office/drawing/2014/main" id="{BFDC280B-30C4-AE9E-791E-648D4C685D23}"/>
+              </a:ext>
+            </a:extLst>
+          </p:cNvPr>
+          <p:cNvSpPr/>
+          <p:nvPr/>
+        </p:nvSpPr>
+        <p:spPr>
+          <a:xfrm>
+            <a:off x="7325582" y="1625017"/>
+            <a:ext cx="1399605" cy="241321"/>
+          </a:xfrm>
+          <a:prstGeom prst="rect">
+            <a:avLst/>
+          </a:prstGeom>
+          <a:solidFill>
+            <a:schemeClr val="tx1"/>
+          </a:solidFill>
+          <a:ln>
+            <a:noFill/>
+          </a:ln>
+        </p:spPr>
+        <p:style>
+          <a:lnRef idx="2">
+            <a:schemeClr val="accent1">
+              <a:shade val="50000"/>
+            </a:schemeClr>
+          </a:lnRef>
+          <a:fillRef idx="1">
+            <a:schemeClr val="accent1"/>
+          </a:fillRef>
+          <a:effectRef idx="0">
+            <a:schemeClr val="accent1"/>
+          </a:effectRef>
+          <a:fontRef idx="minor">
+            <a:schemeClr val="lt1"/>
+          </a:fontRef>
+        </p:style>
+        <p:txBody>
+          <a:bodyPr rtlCol="0" anchor="ctr"/>
+          <a:lstStyle/>
+          <a:p>
+            <a:pPr algn="ctr"/>
+            <a:endParaRPr lang="it-IT"/>
+          </a:p>
+        </p:txBody>
+      </p:sp>
+      <p:sp>
+        <p:nvSpPr>
+          <p:cNvPr id="15" name="Rettangolo 14">
+            <a:extLst>
+              <a:ext uri="{FF2B5EF4-FFF2-40B4-BE49-F238E27FC236}">
+                <a16:creationId xmlns:a16="http://schemas.microsoft.com/office/drawing/2014/main" id="{15F267DF-C908-20C5-DB55-E5926E008385}"/>
+              </a:ext>
+            </a:extLst>
+          </p:cNvPr>
+          <p:cNvSpPr/>
+          <p:nvPr/>
+        </p:nvSpPr>
+        <p:spPr>
+          <a:xfrm>
+            <a:off x="9097874" y="3334510"/>
+            <a:ext cx="2752253" cy="2190938"/>
+          </a:xfrm>
+          <a:prstGeom prst="rect">
+            <a:avLst/>
+          </a:prstGeom>
+          <a:solidFill>
+            <a:schemeClr val="tx1"/>
+          </a:solidFill>
+          <a:ln>
+            <a:noFill/>
+          </a:ln>
+        </p:spPr>
+        <p:style>
+          <a:lnRef idx="2">
+            <a:schemeClr val="accent1">
+              <a:shade val="50000"/>
+            </a:schemeClr>
+          </a:lnRef>
+          <a:fillRef idx="1">
+            <a:schemeClr val="accent1"/>
+          </a:fillRef>
+          <a:effectRef idx="0">
+            <a:schemeClr val="accent1"/>
+          </a:effectRef>
+          <a:fontRef idx="minor">
+            <a:schemeClr val="lt1"/>
+          </a:fontRef>
+        </p:style>
+        <p:txBody>
+          <a:bodyPr rtlCol="0" anchor="ctr"/>
+          <a:lstStyle/>
+          <a:p>
+            <a:pPr algn="ctr"/>
+            <a:endParaRPr lang="it-IT"/>
+          </a:p>
+        </p:txBody>
+      </p:sp>
+      <p:sp>
+        <p:nvSpPr>
+          <p:cNvPr id="16" name="Rettangolo 15">
+            <a:extLst>
+              <a:ext uri="{FF2B5EF4-FFF2-40B4-BE49-F238E27FC236}">
+                <a16:creationId xmlns:a16="http://schemas.microsoft.com/office/drawing/2014/main" id="{85395377-150B-3B45-9A08-555E4688FB1B}"/>
+              </a:ext>
+            </a:extLst>
+          </p:cNvPr>
+          <p:cNvSpPr/>
+          <p:nvPr/>
+        </p:nvSpPr>
+        <p:spPr>
+          <a:xfrm>
+            <a:off x="6619240" y="1435164"/>
+            <a:ext cx="2417708" cy="382733"/>
+          </a:xfrm>
+          <a:prstGeom prst="rect">
+            <a:avLst/>
+          </a:prstGeom>
+          <a:solidFill>
+            <a:schemeClr val="tx1"/>
+          </a:solidFill>
+          <a:ln>
+            <a:noFill/>
+          </a:ln>
+        </p:spPr>
+        <p:style>
+          <a:lnRef idx="2">
+            <a:schemeClr val="accent1">
+              <a:shade val="50000"/>
+            </a:schemeClr>
+          </a:lnRef>
+          <a:fillRef idx="1">
+            <a:schemeClr val="accent1"/>
+          </a:fillRef>
+          <a:effectRef idx="0">
+            <a:schemeClr val="accent1"/>
+          </a:effectRef>
+          <a:fontRef idx="minor">
+            <a:schemeClr val="lt1"/>
+          </a:fontRef>
+        </p:style>
+        <p:txBody>
+          <a:bodyPr rtlCol="0" anchor="ctr"/>
+          <a:lstStyle/>
+          <a:p>
+            <a:pPr algn="ctr"/>
+            <a:endParaRPr lang="it-IT"/>
+          </a:p>
+        </p:txBody>
+      </p:sp>
+      <p:pic>
+        <p:nvPicPr>
+          <p:cNvPr id="8" name="Immagine 7">
+            <a:extLst>
+              <a:ext uri="{FF2B5EF4-FFF2-40B4-BE49-F238E27FC236}">
+                <a16:creationId xmlns:a16="http://schemas.microsoft.com/office/drawing/2014/main" id="{BB0D4019-7AAF-9F10-788B-A6F5BE22EF81}"/>
+              </a:ext>
+            </a:extLst>
+          </p:cNvPr>
+          <p:cNvPicPr>
+            <a:picLocks noChangeAspect="1"/>
+          </p:cNvPicPr>
+          <p:nvPr/>
+        </p:nvPicPr>
+        <p:blipFill>
+          <a:blip r:embed="rId3">
+            <a:extLst>
+              <a:ext uri="{28A0092B-C50C-407E-A947-70E740481C1C}">
+                <a14:useLocalDpi xmlns:a14="http://schemas.microsoft.com/office/drawing/2010/main" val="0"/>
+              </a:ext>
+            </a:extLst>
+          </a:blip>
+          <a:srcRect/>
+          <a:stretch/>
+        </p:blipFill>
+        <p:spPr>
+          <a:xfrm>
+            <a:off x="317126" y="3387315"/>
+            <a:ext cx="5675280" cy="2944904"/>
+          </a:xfrm>
+          <a:prstGeom prst="rect">
+            <a:avLst/>
+          </a:prstGeom>
+        </p:spPr>
+      </p:pic>
+      <p:pic>
+        <p:nvPicPr>
+          <p:cNvPr id="18" name="Immagine 17">
+            <a:extLst>
+              <a:ext uri="{FF2B5EF4-FFF2-40B4-BE49-F238E27FC236}">
+                <a16:creationId xmlns:a16="http://schemas.microsoft.com/office/drawing/2014/main" id="{FE882A1A-278C-5678-3C26-E1F3E99E9FC8}"/>
+              </a:ext>
+            </a:extLst>
+          </p:cNvPr>
+          <p:cNvPicPr>
+            <a:picLocks noChangeAspect="1"/>
+          </p:cNvPicPr>
+          <p:nvPr/>
+        </p:nvPicPr>
+        <p:blipFill>
+          <a:blip r:embed="rId4">
+            <a:extLst>
+              <a:ext uri="{28A0092B-C50C-407E-A947-70E740481C1C}">
+                <a14:useLocalDpi xmlns:a14="http://schemas.microsoft.com/office/drawing/2010/main" val="0"/>
+              </a:ext>
+            </a:extLst>
+          </a:blip>
+          <a:srcRect/>
+          <a:stretch/>
+        </p:blipFill>
+        <p:spPr>
+          <a:xfrm>
+            <a:off x="6096001" y="345444"/>
+            <a:ext cx="5675280" cy="2944905"/>
+          </a:xfrm>
+          <a:prstGeom prst="rect">
+            <a:avLst/>
+          </a:prstGeom>
+        </p:spPr>
+      </p:pic>
+      <p:pic>
+        <p:nvPicPr>
+          <p:cNvPr id="19" name="Immagine 18">
+            <a:extLst>
+              <a:ext uri="{FF2B5EF4-FFF2-40B4-BE49-F238E27FC236}">
+                <a16:creationId xmlns:a16="http://schemas.microsoft.com/office/drawing/2014/main" id="{4DFF176B-29B7-C52B-A338-957D3ECF4531}"/>
+              </a:ext>
+            </a:extLst>
+          </p:cNvPr>
+          <p:cNvPicPr>
+            <a:picLocks noChangeAspect="1"/>
+          </p:cNvPicPr>
+          <p:nvPr/>
+        </p:nvPicPr>
+        <p:blipFill>
+          <a:blip r:embed="rId5">
+            <a:extLst>
+              <a:ext uri="{28A0092B-C50C-407E-A947-70E740481C1C}">
+                <a14:useLocalDpi xmlns:a14="http://schemas.microsoft.com/office/drawing/2010/main" val="0"/>
+              </a:ext>
+            </a:extLst>
+          </a:blip>
+          <a:srcRect/>
+          <a:stretch/>
+        </p:blipFill>
+        <p:spPr>
+          <a:xfrm>
+            <a:off x="6096001" y="3387315"/>
+            <a:ext cx="5675280" cy="2944904"/>
+          </a:xfrm>
+          <a:prstGeom prst="rect">
+            <a:avLst/>
+          </a:prstGeom>
+        </p:spPr>
+      </p:pic>
+      <p:sp>
+        <p:nvSpPr>
+          <p:cNvPr id="20" name="Titolo 2">
+            <a:extLst>
+              <a:ext uri="{FF2B5EF4-FFF2-40B4-BE49-F238E27FC236}">
+                <a16:creationId xmlns:a16="http://schemas.microsoft.com/office/drawing/2014/main" id="{5A0959C4-B3F5-95EC-C191-38294EA9731D}"/>
+              </a:ext>
+            </a:extLst>
+          </p:cNvPr>
+          <p:cNvSpPr>
+            <a:spLocks noGrp="1"/>
+          </p:cNvSpPr>
+          <p:nvPr>
+            <p:ph type="title"/>
+          </p:nvPr>
+        </p:nvSpPr>
+        <p:spPr>
+          <a:xfrm>
+            <a:off x="581549" y="1014154"/>
+            <a:ext cx="4821141" cy="610863"/>
+          </a:xfrm>
+        </p:spPr>
+        <p:txBody>
+          <a:bodyPr rtlCol="0">
+            <a:normAutofit fontScale="90000"/>
+          </a:bodyPr>
+          <a:lstStyle/>
+          <a:p>
+            <a:r>
+              <a:rPr lang="it-IT" sz="3600"/>
+              <a:t>Confronto dei tempi di esecuzione</a:t>
+            </a:r>
+            <a:br>
+              <a:rPr lang="it-IT" sz="4400"/>
+            </a:br>
+            <a:r>
+              <a:rPr lang="it-IT" sz="1600" b="0"/>
+              <a:t>(con limite di tempo massimo pari a 60 sec.)</a:t>
+            </a:r>
+            <a:endParaRPr lang="it-IT" sz="1600" b="0" dirty="0"/>
+          </a:p>
+        </p:txBody>
+      </p:sp>
+      <p:sp>
+        <p:nvSpPr>
+          <p:cNvPr id="21" name="Titolo 2">
+            <a:extLst>
+              <a:ext uri="{FF2B5EF4-FFF2-40B4-BE49-F238E27FC236}">
+                <a16:creationId xmlns:a16="http://schemas.microsoft.com/office/drawing/2014/main" id="{1BCF1527-89BA-B71B-3CCF-FEA2A73CAB0F}"/>
+              </a:ext>
+            </a:extLst>
+          </p:cNvPr>
+          <p:cNvSpPr txBox="1">
+            <a:spLocks/>
+          </p:cNvSpPr>
+          <p:nvPr/>
+        </p:nvSpPr>
+        <p:spPr>
+          <a:xfrm>
+            <a:off x="581549" y="2290527"/>
+            <a:ext cx="4307322" cy="999822"/>
+          </a:xfrm>
+          <a:prstGeom prst="rect">
+            <a:avLst/>
+          </a:prstGeom>
+        </p:spPr>
+        <p:txBody>
+          <a:bodyPr vert="horz" lIns="0" tIns="0" rIns="0" bIns="0" rtlCol="0" anchor="b" anchorCtr="0">
+            <a:normAutofit fontScale="90000"/>
+          </a:bodyPr>
+          <a:lstStyle>
+            <a:lvl1pPr algn="l" defTabSz="914400" rtl="0" eaLnBrk="1" latinLnBrk="0" hangingPunct="1">
+              <a:lnSpc>
+                <a:spcPct val="90000"/>
+              </a:lnSpc>
+              <a:spcBef>
+                <a:spcPct val="0"/>
+              </a:spcBef>
+              <a:buNone/>
+              <a:defRPr sz="4400" b="1" i="0" kern="1200" spc="100" baseline="0">
+                <a:solidFill>
+                  <a:schemeClr val="bg1"/>
+                </a:solidFill>
+                <a:latin typeface="+mj-lt"/>
+                <a:ea typeface="+mj-ea"/>
+                <a:cs typeface="+mj-cs"/>
+              </a:defRPr>
+            </a:lvl1pPr>
+            <a:lvl2pPr eaLnBrk="1" hangingPunct="1">
+              <a:defRPr>
+                <a:solidFill>
+                  <a:schemeClr val="tx2"/>
+                </a:solidFill>
+              </a:defRPr>
+            </a:lvl2pPr>
+            <a:lvl3pPr eaLnBrk="1" hangingPunct="1">
+              <a:defRPr>
+                <a:solidFill>
+                  <a:schemeClr val="tx2"/>
+                </a:solidFill>
+              </a:defRPr>
+            </a:lvl3pPr>
+            <a:lvl4pPr eaLnBrk="1" hangingPunct="1">
+              <a:defRPr>
+                <a:solidFill>
+                  <a:schemeClr val="tx2"/>
+                </a:solidFill>
+              </a:defRPr>
+            </a:lvl4pPr>
+            <a:lvl5pPr eaLnBrk="1" hangingPunct="1">
+              <a:defRPr>
+                <a:solidFill>
+                  <a:schemeClr val="tx2"/>
+                </a:solidFill>
+              </a:defRPr>
+            </a:lvl5pPr>
+            <a:lvl6pPr eaLnBrk="1" hangingPunct="1">
+              <a:defRPr>
+                <a:solidFill>
+                  <a:schemeClr val="tx2"/>
+                </a:solidFill>
+              </a:defRPr>
+            </a:lvl6pPr>
+            <a:lvl7pPr eaLnBrk="1" hangingPunct="1">
+              <a:defRPr>
+                <a:solidFill>
+                  <a:schemeClr val="tx2"/>
+                </a:solidFill>
+              </a:defRPr>
+            </a:lvl7pPr>
+            <a:lvl8pPr eaLnBrk="1" hangingPunct="1">
+              <a:defRPr>
+                <a:solidFill>
+                  <a:schemeClr val="tx2"/>
+                </a:solidFill>
+              </a:defRPr>
+            </a:lvl8pPr>
+            <a:lvl9pPr eaLnBrk="1" hangingPunct="1">
+              <a:defRPr>
+                <a:solidFill>
+                  <a:schemeClr val="tx2"/>
+                </a:solidFill>
+              </a:defRPr>
+            </a:lvl9pPr>
+          </a:lstStyle>
+          <a:p>
+            <a:r>
+              <a:rPr lang="it-IT" sz="1600">
+                <a:latin typeface="Franklin Gothic Book (Corpo)"/>
+              </a:rPr>
+              <a:t>Release dates distribution: </a:t>
+            </a:r>
+          </a:p>
+          <a:p>
+            <a:r>
+              <a:rPr lang="it-IT" sz="1600" b="0" i="1">
+                <a:latin typeface="Franklin Gothic Book (Corpo)"/>
+              </a:rPr>
+              <a:t>Far from 0</a:t>
+            </a:r>
+          </a:p>
+          <a:p>
+            <a:endParaRPr lang="it-IT" sz="1600">
+              <a:latin typeface="Franklin Gothic Book (Corpo)"/>
+            </a:endParaRPr>
+          </a:p>
+          <a:p>
+            <a:r>
+              <a:rPr lang="it-IT" sz="1600">
+                <a:latin typeface="Franklin Gothic Book (Corpo)"/>
+              </a:rPr>
+              <a:t>Processing times distribution:</a:t>
+            </a:r>
+          </a:p>
+          <a:p>
+            <a:r>
+              <a:rPr lang="it-IT" sz="1600" b="0" i="1">
+                <a:latin typeface="Franklin Gothic Book (Corpo)"/>
+              </a:rPr>
+              <a:t>Low variance (1), Uniform (2), High Variance (3)</a:t>
+            </a:r>
+            <a:endParaRPr lang="it-IT" sz="1600" b="0" dirty="0">
+              <a:latin typeface="Franklin Gothic Book (Corpo)"/>
+            </a:endParaRPr>
+          </a:p>
+        </p:txBody>
+      </p:sp>
+      <p:pic>
+        <p:nvPicPr>
+          <p:cNvPr id="23" name="Elemento grafico 22" descr="Badge contorno">
+            <a:extLst>
+              <a:ext uri="{FF2B5EF4-FFF2-40B4-BE49-F238E27FC236}">
+                <a16:creationId xmlns:a16="http://schemas.microsoft.com/office/drawing/2014/main" id="{FBCA73AF-6B8B-EC2F-5E4F-36DCFBC52E96}"/>
+              </a:ext>
+            </a:extLst>
+          </p:cNvPr>
+          <p:cNvPicPr>
+            <a:picLocks noChangeAspect="1"/>
+          </p:cNvPicPr>
+          <p:nvPr/>
+        </p:nvPicPr>
+        <p:blipFill>
+          <a:blip r:embed="rId6">
+            <a:extLst>
+              <a:ext uri="{28A0092B-C50C-407E-A947-70E740481C1C}">
+                <a14:useLocalDpi xmlns:a14="http://schemas.microsoft.com/office/drawing/2010/main" val="0"/>
+              </a:ext>
+              <a:ext uri="{96DAC541-7B7A-43D3-8B79-37D633B846F1}">
+                <asvg:svgBlip xmlns:asvg="http://schemas.microsoft.com/office/drawing/2016/SVG/main" r:embed="rId7"/>
+              </a:ext>
+            </a:extLst>
+          </a:blip>
+          <a:stretch>
+            <a:fillRect/>
+          </a:stretch>
+        </p:blipFill>
+        <p:spPr>
+          <a:xfrm>
+            <a:off x="611550" y="3806754"/>
+            <a:ext cx="360000" cy="360000"/>
+          </a:xfrm>
+          <a:prstGeom prst="rect">
+            <a:avLst/>
+          </a:prstGeom>
+        </p:spPr>
+      </p:pic>
+      <p:pic>
+        <p:nvPicPr>
+          <p:cNvPr id="25" name="Elemento grafico 24" descr="Badge 1 contorno">
+            <a:extLst>
+              <a:ext uri="{FF2B5EF4-FFF2-40B4-BE49-F238E27FC236}">
+                <a16:creationId xmlns:a16="http://schemas.microsoft.com/office/drawing/2014/main" id="{453B36AC-D346-5CBB-DB39-1CB9EB4CC0D3}"/>
+              </a:ext>
+            </a:extLst>
+          </p:cNvPr>
+          <p:cNvPicPr>
+            <a:picLocks noChangeAspect="1"/>
+          </p:cNvPicPr>
+          <p:nvPr/>
+        </p:nvPicPr>
+        <p:blipFill>
+          <a:blip r:embed="rId8">
+            <a:extLst>
+              <a:ext uri="{28A0092B-C50C-407E-A947-70E740481C1C}">
+                <a14:useLocalDpi xmlns:a14="http://schemas.microsoft.com/office/drawing/2010/main" val="0"/>
+              </a:ext>
+              <a:ext uri="{96DAC541-7B7A-43D3-8B79-37D633B846F1}">
+                <asvg:svgBlip xmlns:asvg="http://schemas.microsoft.com/office/drawing/2016/SVG/main" r:embed="rId9"/>
+              </a:ext>
+            </a:extLst>
+          </a:blip>
+          <a:stretch>
+            <a:fillRect/>
+          </a:stretch>
+        </p:blipFill>
+        <p:spPr>
+          <a:xfrm>
+            <a:off x="6439240" y="795358"/>
+            <a:ext cx="360000" cy="360000"/>
+          </a:xfrm>
+          <a:prstGeom prst="rect">
+            <a:avLst/>
+          </a:prstGeom>
+        </p:spPr>
+      </p:pic>
+      <p:pic>
+        <p:nvPicPr>
+          <p:cNvPr id="27" name="Elemento grafico 26" descr="Badge 3 contorno">
+            <a:extLst>
+              <a:ext uri="{FF2B5EF4-FFF2-40B4-BE49-F238E27FC236}">
+                <a16:creationId xmlns:a16="http://schemas.microsoft.com/office/drawing/2014/main" id="{54BB3858-9BE8-753B-E511-F16D4BD396A8}"/>
+              </a:ext>
+            </a:extLst>
+          </p:cNvPr>
+          <p:cNvPicPr>
+            <a:picLocks noChangeAspect="1"/>
+          </p:cNvPicPr>
+          <p:nvPr/>
+        </p:nvPicPr>
+        <p:blipFill>
+          <a:blip r:embed="rId10">
+            <a:extLst>
+              <a:ext uri="{28A0092B-C50C-407E-A947-70E740481C1C}">
+                <a14:useLocalDpi xmlns:a14="http://schemas.microsoft.com/office/drawing/2010/main" val="0"/>
+              </a:ext>
+              <a:ext uri="{96DAC541-7B7A-43D3-8B79-37D633B846F1}">
+                <asvg:svgBlip xmlns:asvg="http://schemas.microsoft.com/office/drawing/2016/SVG/main" r:embed="rId11"/>
+              </a:ext>
+            </a:extLst>
+          </a:blip>
+          <a:stretch>
+            <a:fillRect/>
+          </a:stretch>
+        </p:blipFill>
+        <p:spPr>
+          <a:xfrm>
+            <a:off x="6439240" y="3788291"/>
+            <a:ext cx="360000" cy="360000"/>
+          </a:xfrm>
+          <a:prstGeom prst="rect">
+            <a:avLst/>
+          </a:prstGeom>
+        </p:spPr>
+      </p:pic>
+    </p:spTree>
+    <p:extLst>
+      <p:ext uri="{BB962C8B-B14F-4D97-AF65-F5344CB8AC3E}">
+        <p14:creationId xmlns:p14="http://schemas.microsoft.com/office/powerpoint/2010/main" val="507298245"/>
+      </p:ext>
+    </p:extLst>
+  </p:cSld>
+  <p:clrMapOvr>
+    <a:masterClrMapping/>
+  </p:clrMapOvr>
+  <mc:AlternateContent xmlns:mc="http://schemas.openxmlformats.org/markup-compatibility/2006">
+    <mc:Choice xmlns:p14="http://schemas.microsoft.com/office/powerpoint/2010/main" Requires="p14">
+      <p:transition spd="med" p14:dur="700">
+        <p:fade/>
+      </p:transition>
+    </mc:Choice>
+    <mc:Fallback>
+      <p:transition spd="med">
+        <p:fade/>
+      </p:transition>
+    </mc:Fallback>
+  </mc:AlternateContent>
+</p:sld>
+</file>
+
+<file path=ppt/slides/slide14.xml><?xml version="1.0" encoding="utf-8"?>
+<p:sld xmlns:a="http://schemas.openxmlformats.org/drawingml/2006/main" xmlns:r="http://schemas.openxmlformats.org/officeDocument/2006/relationships" xmlns:p="http://schemas.openxmlformats.org/presentationml/2006/main">
+  <p:cSld>
+    <p:spTree>
+      <p:nvGrpSpPr>
+        <p:cNvPr id="1" name=""/>
+        <p:cNvGrpSpPr/>
+        <p:nvPr/>
+      </p:nvGrpSpPr>
+      <p:grpSpPr>
+        <a:xfrm>
+          <a:off x="0" y="0"/>
+          <a:ext cx="0" cy="0"/>
+          <a:chOff x="0" y="0"/>
+          <a:chExt cx="0" cy="0"/>
+        </a:xfrm>
+      </p:grpSpPr>
+      <p:sp>
+        <p:nvSpPr>
+          <p:cNvPr id="7" name="Segnaposto numero diapositiva 6">
+            <a:extLst>
+              <a:ext uri="{FF2B5EF4-FFF2-40B4-BE49-F238E27FC236}">
+                <a16:creationId xmlns:a16="http://schemas.microsoft.com/office/drawing/2014/main" id="{F37669F0-EA6D-6B46-AF0E-A9C2D1F223DB}"/>
+              </a:ext>
+            </a:extLst>
+          </p:cNvPr>
+          <p:cNvSpPr>
+            <a:spLocks noGrp="1"/>
+          </p:cNvSpPr>
+          <p:nvPr>
+            <p:ph type="sldNum" sz="quarter" idx="16"/>
+          </p:nvPr>
+        </p:nvSpPr>
+        <p:spPr>
+          <a:xfrm>
+            <a:off x="971550" y="6332220"/>
+            <a:ext cx="523240" cy="247651"/>
+          </a:xfrm>
+        </p:spPr>
+        <p:txBody>
+          <a:bodyPr rtlCol="0"/>
+          <a:lstStyle/>
+          <a:p>
+            <a:pPr rtl="0"/>
+            <a:fld id="{294A09A9-5501-47C1-A89A-A340965A2BE2}" type="slidenum">
+              <a:rPr lang="it-IT" smtClean="0"/>
+              <a:pPr rtl="0"/>
+              <a:t>14</a:t>
+            </a:fld>
+            <a:endParaRPr lang="it-IT"/>
+          </a:p>
+        </p:txBody>
+      </p:sp>
+      <p:sp>
+        <p:nvSpPr>
+          <p:cNvPr id="6" name="Segnaposto piè di pagina 5">
+            <a:extLst>
+              <a:ext uri="{FF2B5EF4-FFF2-40B4-BE49-F238E27FC236}">
+                <a16:creationId xmlns:a16="http://schemas.microsoft.com/office/drawing/2014/main" id="{66F3960A-D260-8445-A153-0B674474CEBD}"/>
+              </a:ext>
+            </a:extLst>
+          </p:cNvPr>
+          <p:cNvSpPr>
+            <a:spLocks noGrp="1"/>
+          </p:cNvSpPr>
+          <p:nvPr>
+            <p:ph type="ftr" sz="quarter" idx="15"/>
+          </p:nvPr>
+        </p:nvSpPr>
+        <p:spPr>
+          <a:xfrm>
+            <a:off x="1494790" y="6332220"/>
+            <a:ext cx="1497330" cy="247651"/>
+          </a:xfrm>
+        </p:spPr>
+        <p:txBody>
+          <a:bodyPr rtlCol="0"/>
+          <a:lstStyle/>
+          <a:p>
+            <a:pPr rtl="0"/>
+            <a:r>
+              <a:rPr lang="it-IT"/>
+              <a:t>Progetto AMOD</a:t>
+            </a:r>
+          </a:p>
+        </p:txBody>
+      </p:sp>
+      <p:sp>
+        <p:nvSpPr>
+          <p:cNvPr id="5" name="Segnaposto data 4">
+            <a:extLst>
+              <a:ext uri="{FF2B5EF4-FFF2-40B4-BE49-F238E27FC236}">
+                <a16:creationId xmlns:a16="http://schemas.microsoft.com/office/drawing/2014/main" id="{2E803E71-3088-0347-9BCC-16ADB551CCC8}"/>
+              </a:ext>
+            </a:extLst>
+          </p:cNvPr>
+          <p:cNvSpPr>
+            <a:spLocks noGrp="1"/>
+          </p:cNvSpPr>
+          <p:nvPr>
+            <p:ph type="dt" sz="half" idx="14"/>
+          </p:nvPr>
+        </p:nvSpPr>
+        <p:spPr>
+          <a:xfrm>
+            <a:off x="2992120" y="6332220"/>
+            <a:ext cx="1313180" cy="247651"/>
+          </a:xfrm>
+        </p:spPr>
+        <p:txBody>
+          <a:bodyPr rtlCol="0"/>
+          <a:lstStyle/>
+          <a:p>
+            <a:pPr rtl="0"/>
+            <a:fld id="{B7909059-8104-4590-BD91-254A7C1B3A73}" type="datetime4">
+              <a:rPr lang="it-IT" smtClean="0"/>
+              <a:t>4 novembre 2022</a:t>
+            </a:fld>
+            <a:endParaRPr lang="it-IT"/>
+          </a:p>
+        </p:txBody>
+      </p:sp>
+      <p:sp>
+        <p:nvSpPr>
+          <p:cNvPr id="9" name="Rettangolo 8">
+            <a:extLst>
+              <a:ext uri="{FF2B5EF4-FFF2-40B4-BE49-F238E27FC236}">
+                <a16:creationId xmlns:a16="http://schemas.microsoft.com/office/drawing/2014/main" id="{363B121B-C9E0-E763-6002-869EDB48860A}"/>
+              </a:ext>
+            </a:extLst>
+          </p:cNvPr>
+          <p:cNvSpPr/>
+          <p:nvPr/>
+        </p:nvSpPr>
+        <p:spPr>
+          <a:xfrm>
+            <a:off x="9633527" y="3429000"/>
+            <a:ext cx="1902691" cy="1475509"/>
+          </a:xfrm>
+          <a:prstGeom prst="rect">
+            <a:avLst/>
+          </a:prstGeom>
+          <a:solidFill>
+            <a:schemeClr val="tx1"/>
+          </a:solidFill>
+          <a:ln>
+            <a:noFill/>
+          </a:ln>
+        </p:spPr>
+        <p:style>
+          <a:lnRef idx="2">
+            <a:schemeClr val="accent1">
+              <a:shade val="50000"/>
+            </a:schemeClr>
+          </a:lnRef>
+          <a:fillRef idx="1">
+            <a:schemeClr val="accent1"/>
+          </a:fillRef>
+          <a:effectRef idx="0">
+            <a:schemeClr val="accent1"/>
+          </a:effectRef>
+          <a:fontRef idx="minor">
+            <a:schemeClr val="lt1"/>
+          </a:fontRef>
+        </p:style>
+        <p:txBody>
+          <a:bodyPr rtlCol="0" anchor="ctr"/>
+          <a:lstStyle/>
+          <a:p>
+            <a:pPr algn="ctr"/>
+            <a:endParaRPr lang="it-IT"/>
+          </a:p>
+        </p:txBody>
+      </p:sp>
+      <p:sp>
+        <p:nvSpPr>
+          <p:cNvPr id="10" name="Rettangolo 9">
+            <a:extLst>
+              <a:ext uri="{FF2B5EF4-FFF2-40B4-BE49-F238E27FC236}">
+                <a16:creationId xmlns:a16="http://schemas.microsoft.com/office/drawing/2014/main" id="{BFDC280B-30C4-AE9E-791E-648D4C685D23}"/>
+              </a:ext>
+            </a:extLst>
+          </p:cNvPr>
+          <p:cNvSpPr/>
+          <p:nvPr/>
+        </p:nvSpPr>
+        <p:spPr>
+          <a:xfrm>
+            <a:off x="7325582" y="1625017"/>
+            <a:ext cx="1399605" cy="241321"/>
+          </a:xfrm>
+          <a:prstGeom prst="rect">
+            <a:avLst/>
+          </a:prstGeom>
+          <a:solidFill>
+            <a:schemeClr val="tx1"/>
+          </a:solidFill>
+          <a:ln>
+            <a:noFill/>
+          </a:ln>
+        </p:spPr>
+        <p:style>
+          <a:lnRef idx="2">
+            <a:schemeClr val="accent1">
+              <a:shade val="50000"/>
+            </a:schemeClr>
+          </a:lnRef>
+          <a:fillRef idx="1">
+            <a:schemeClr val="accent1"/>
+          </a:fillRef>
+          <a:effectRef idx="0">
+            <a:schemeClr val="accent1"/>
+          </a:effectRef>
+          <a:fontRef idx="minor">
+            <a:schemeClr val="lt1"/>
+          </a:fontRef>
+        </p:style>
+        <p:txBody>
+          <a:bodyPr rtlCol="0" anchor="ctr"/>
+          <a:lstStyle/>
+          <a:p>
+            <a:pPr algn="ctr"/>
+            <a:endParaRPr lang="it-IT"/>
+          </a:p>
+        </p:txBody>
+      </p:sp>
+      <p:sp>
+        <p:nvSpPr>
+          <p:cNvPr id="15" name="Rettangolo 14">
+            <a:extLst>
+              <a:ext uri="{FF2B5EF4-FFF2-40B4-BE49-F238E27FC236}">
+                <a16:creationId xmlns:a16="http://schemas.microsoft.com/office/drawing/2014/main" id="{15F267DF-C908-20C5-DB55-E5926E008385}"/>
+              </a:ext>
+            </a:extLst>
+          </p:cNvPr>
+          <p:cNvSpPr/>
+          <p:nvPr/>
+        </p:nvSpPr>
+        <p:spPr>
+          <a:xfrm>
+            <a:off x="9097874" y="3334510"/>
+            <a:ext cx="2752253" cy="2190938"/>
+          </a:xfrm>
+          <a:prstGeom prst="rect">
+            <a:avLst/>
+          </a:prstGeom>
+          <a:solidFill>
+            <a:schemeClr val="tx1"/>
+          </a:solidFill>
+          <a:ln>
+            <a:noFill/>
+          </a:ln>
+        </p:spPr>
+        <p:style>
+          <a:lnRef idx="2">
+            <a:schemeClr val="accent1">
+              <a:shade val="50000"/>
+            </a:schemeClr>
+          </a:lnRef>
+          <a:fillRef idx="1">
+            <a:schemeClr val="accent1"/>
+          </a:fillRef>
+          <a:effectRef idx="0">
+            <a:schemeClr val="accent1"/>
+          </a:effectRef>
+          <a:fontRef idx="minor">
+            <a:schemeClr val="lt1"/>
+          </a:fontRef>
+        </p:style>
+        <p:txBody>
+          <a:bodyPr rtlCol="0" anchor="ctr"/>
+          <a:lstStyle/>
+          <a:p>
+            <a:pPr algn="ctr"/>
+            <a:endParaRPr lang="it-IT"/>
+          </a:p>
+        </p:txBody>
+      </p:sp>
+      <p:sp>
+        <p:nvSpPr>
+          <p:cNvPr id="16" name="Rettangolo 15">
+            <a:extLst>
+              <a:ext uri="{FF2B5EF4-FFF2-40B4-BE49-F238E27FC236}">
+                <a16:creationId xmlns:a16="http://schemas.microsoft.com/office/drawing/2014/main" id="{85395377-150B-3B45-9A08-555E4688FB1B}"/>
+              </a:ext>
+            </a:extLst>
+          </p:cNvPr>
+          <p:cNvSpPr/>
+          <p:nvPr/>
+        </p:nvSpPr>
+        <p:spPr>
+          <a:xfrm>
+            <a:off x="6619240" y="1435164"/>
+            <a:ext cx="2417708" cy="382733"/>
+          </a:xfrm>
+          <a:prstGeom prst="rect">
+            <a:avLst/>
+          </a:prstGeom>
+          <a:solidFill>
+            <a:schemeClr val="tx1"/>
+          </a:solidFill>
+          <a:ln>
+            <a:noFill/>
+          </a:ln>
+        </p:spPr>
+        <p:style>
+          <a:lnRef idx="2">
+            <a:schemeClr val="accent1">
+              <a:shade val="50000"/>
+            </a:schemeClr>
+          </a:lnRef>
+          <a:fillRef idx="1">
+            <a:schemeClr val="accent1"/>
+          </a:fillRef>
+          <a:effectRef idx="0">
+            <a:schemeClr val="accent1"/>
+          </a:effectRef>
+          <a:fontRef idx="minor">
+            <a:schemeClr val="lt1"/>
+          </a:fontRef>
+        </p:style>
+        <p:txBody>
+          <a:bodyPr rtlCol="0" anchor="ctr"/>
+          <a:lstStyle/>
+          <a:p>
+            <a:pPr algn="ctr"/>
+            <a:endParaRPr lang="it-IT"/>
+          </a:p>
+        </p:txBody>
+      </p:sp>
+      <p:pic>
+        <p:nvPicPr>
+          <p:cNvPr id="8" name="Immagine 7">
+            <a:extLst>
+              <a:ext uri="{FF2B5EF4-FFF2-40B4-BE49-F238E27FC236}">
+                <a16:creationId xmlns:a16="http://schemas.microsoft.com/office/drawing/2014/main" id="{BB0D4019-7AAF-9F10-788B-A6F5BE22EF81}"/>
+              </a:ext>
+            </a:extLst>
+          </p:cNvPr>
+          <p:cNvPicPr>
+            <a:picLocks noChangeAspect="1"/>
+          </p:cNvPicPr>
+          <p:nvPr/>
+        </p:nvPicPr>
+        <p:blipFill>
+          <a:blip r:embed="rId3">
+            <a:extLst>
+              <a:ext uri="{28A0092B-C50C-407E-A947-70E740481C1C}">
+                <a14:useLocalDpi xmlns:a14="http://schemas.microsoft.com/office/drawing/2010/main" val="0"/>
+              </a:ext>
+            </a:extLst>
+          </a:blip>
+          <a:srcRect/>
+          <a:stretch/>
+        </p:blipFill>
+        <p:spPr>
+          <a:xfrm>
+            <a:off x="317127" y="3387315"/>
+            <a:ext cx="5675278" cy="2944904"/>
+          </a:xfrm>
+          <a:prstGeom prst="rect">
+            <a:avLst/>
+          </a:prstGeom>
+        </p:spPr>
+      </p:pic>
+      <p:pic>
+        <p:nvPicPr>
+          <p:cNvPr id="18" name="Immagine 17">
+            <a:extLst>
+              <a:ext uri="{FF2B5EF4-FFF2-40B4-BE49-F238E27FC236}">
+                <a16:creationId xmlns:a16="http://schemas.microsoft.com/office/drawing/2014/main" id="{FE882A1A-278C-5678-3C26-E1F3E99E9FC8}"/>
+              </a:ext>
+            </a:extLst>
+          </p:cNvPr>
+          <p:cNvPicPr>
+            <a:picLocks noChangeAspect="1"/>
+          </p:cNvPicPr>
+          <p:nvPr/>
+        </p:nvPicPr>
+        <p:blipFill>
+          <a:blip r:embed="rId4">
+            <a:extLst>
+              <a:ext uri="{28A0092B-C50C-407E-A947-70E740481C1C}">
+                <a14:useLocalDpi xmlns:a14="http://schemas.microsoft.com/office/drawing/2010/main" val="0"/>
+              </a:ext>
+            </a:extLst>
+          </a:blip>
+          <a:srcRect/>
+          <a:stretch/>
+        </p:blipFill>
+        <p:spPr>
+          <a:xfrm>
+            <a:off x="6096001" y="345444"/>
+            <a:ext cx="5675280" cy="2944904"/>
+          </a:xfrm>
+          <a:prstGeom prst="rect">
+            <a:avLst/>
+          </a:prstGeom>
+        </p:spPr>
+      </p:pic>
+      <p:pic>
+        <p:nvPicPr>
+          <p:cNvPr id="19" name="Immagine 18">
+            <a:extLst>
+              <a:ext uri="{FF2B5EF4-FFF2-40B4-BE49-F238E27FC236}">
+                <a16:creationId xmlns:a16="http://schemas.microsoft.com/office/drawing/2014/main" id="{4DFF176B-29B7-C52B-A338-957D3ECF4531}"/>
+              </a:ext>
+            </a:extLst>
+          </p:cNvPr>
+          <p:cNvPicPr>
+            <a:picLocks noChangeAspect="1"/>
+          </p:cNvPicPr>
+          <p:nvPr/>
+        </p:nvPicPr>
+        <p:blipFill>
+          <a:blip r:embed="rId5">
+            <a:extLst>
+              <a:ext uri="{28A0092B-C50C-407E-A947-70E740481C1C}">
+                <a14:useLocalDpi xmlns:a14="http://schemas.microsoft.com/office/drawing/2010/main" val="0"/>
+              </a:ext>
+            </a:extLst>
+          </a:blip>
+          <a:srcRect/>
+          <a:stretch/>
+        </p:blipFill>
+        <p:spPr>
+          <a:xfrm>
+            <a:off x="6096002" y="3387315"/>
+            <a:ext cx="5675278" cy="2944904"/>
+          </a:xfrm>
+          <a:prstGeom prst="rect">
+            <a:avLst/>
+          </a:prstGeom>
+        </p:spPr>
+      </p:pic>
+      <p:sp>
+        <p:nvSpPr>
+          <p:cNvPr id="20" name="Titolo 2">
+            <a:extLst>
+              <a:ext uri="{FF2B5EF4-FFF2-40B4-BE49-F238E27FC236}">
+                <a16:creationId xmlns:a16="http://schemas.microsoft.com/office/drawing/2014/main" id="{5A0959C4-B3F5-95EC-C191-38294EA9731D}"/>
+              </a:ext>
+            </a:extLst>
+          </p:cNvPr>
+          <p:cNvSpPr>
+            <a:spLocks noGrp="1"/>
+          </p:cNvSpPr>
+          <p:nvPr>
+            <p:ph type="title"/>
+          </p:nvPr>
+        </p:nvSpPr>
+        <p:spPr>
+          <a:xfrm>
+            <a:off x="581549" y="1014154"/>
+            <a:ext cx="4821141" cy="610863"/>
+          </a:xfrm>
+        </p:spPr>
+        <p:txBody>
+          <a:bodyPr rtlCol="0">
+            <a:normAutofit fontScale="90000"/>
+          </a:bodyPr>
+          <a:lstStyle/>
+          <a:p>
+            <a:r>
+              <a:rPr lang="it-IT" sz="3600"/>
+              <a:t>Confronto dei tempi di esecuzione</a:t>
+            </a:r>
+            <a:br>
+              <a:rPr lang="it-IT" sz="4400"/>
+            </a:br>
+            <a:r>
+              <a:rPr lang="it-IT" sz="1600" b="0"/>
+              <a:t>(con limite di tempo massimo pari a 60 sec.)</a:t>
+            </a:r>
+            <a:endParaRPr lang="it-IT" sz="1600" b="0" dirty="0"/>
+          </a:p>
+        </p:txBody>
+      </p:sp>
+      <p:sp>
+        <p:nvSpPr>
+          <p:cNvPr id="21" name="Titolo 2">
+            <a:extLst>
+              <a:ext uri="{FF2B5EF4-FFF2-40B4-BE49-F238E27FC236}">
+                <a16:creationId xmlns:a16="http://schemas.microsoft.com/office/drawing/2014/main" id="{1BCF1527-89BA-B71B-3CCF-FEA2A73CAB0F}"/>
+              </a:ext>
+            </a:extLst>
+          </p:cNvPr>
+          <p:cNvSpPr txBox="1">
+            <a:spLocks/>
+          </p:cNvSpPr>
+          <p:nvPr/>
+        </p:nvSpPr>
+        <p:spPr>
+          <a:xfrm>
+            <a:off x="581549" y="2290527"/>
+            <a:ext cx="4307322" cy="999822"/>
+          </a:xfrm>
+          <a:prstGeom prst="rect">
+            <a:avLst/>
+          </a:prstGeom>
+        </p:spPr>
+        <p:txBody>
+          <a:bodyPr vert="horz" lIns="0" tIns="0" rIns="0" bIns="0" rtlCol="0" anchor="b" anchorCtr="0">
+            <a:normAutofit fontScale="90000"/>
+          </a:bodyPr>
+          <a:lstStyle>
+            <a:lvl1pPr algn="l" defTabSz="914400" rtl="0" eaLnBrk="1" latinLnBrk="0" hangingPunct="1">
+              <a:lnSpc>
+                <a:spcPct val="90000"/>
+              </a:lnSpc>
+              <a:spcBef>
+                <a:spcPct val="0"/>
+              </a:spcBef>
+              <a:buNone/>
+              <a:defRPr sz="4400" b="1" i="0" kern="1200" spc="100" baseline="0">
+                <a:solidFill>
+                  <a:schemeClr val="bg1"/>
+                </a:solidFill>
+                <a:latin typeface="+mj-lt"/>
+                <a:ea typeface="+mj-ea"/>
+                <a:cs typeface="+mj-cs"/>
+              </a:defRPr>
+            </a:lvl1pPr>
+            <a:lvl2pPr eaLnBrk="1" hangingPunct="1">
+              <a:defRPr>
+                <a:solidFill>
+                  <a:schemeClr val="tx2"/>
+                </a:solidFill>
+              </a:defRPr>
+            </a:lvl2pPr>
+            <a:lvl3pPr eaLnBrk="1" hangingPunct="1">
+              <a:defRPr>
+                <a:solidFill>
+                  <a:schemeClr val="tx2"/>
+                </a:solidFill>
+              </a:defRPr>
+            </a:lvl3pPr>
+            <a:lvl4pPr eaLnBrk="1" hangingPunct="1">
+              <a:defRPr>
+                <a:solidFill>
+                  <a:schemeClr val="tx2"/>
+                </a:solidFill>
+              </a:defRPr>
+            </a:lvl4pPr>
+            <a:lvl5pPr eaLnBrk="1" hangingPunct="1">
+              <a:defRPr>
+                <a:solidFill>
+                  <a:schemeClr val="tx2"/>
+                </a:solidFill>
+              </a:defRPr>
+            </a:lvl5pPr>
+            <a:lvl6pPr eaLnBrk="1" hangingPunct="1">
+              <a:defRPr>
+                <a:solidFill>
+                  <a:schemeClr val="tx2"/>
+                </a:solidFill>
+              </a:defRPr>
+            </a:lvl6pPr>
+            <a:lvl7pPr eaLnBrk="1" hangingPunct="1">
+              <a:defRPr>
+                <a:solidFill>
+                  <a:schemeClr val="tx2"/>
+                </a:solidFill>
+              </a:defRPr>
+            </a:lvl7pPr>
+            <a:lvl8pPr eaLnBrk="1" hangingPunct="1">
+              <a:defRPr>
+                <a:solidFill>
+                  <a:schemeClr val="tx2"/>
+                </a:solidFill>
+              </a:defRPr>
+            </a:lvl8pPr>
+            <a:lvl9pPr eaLnBrk="1" hangingPunct="1">
+              <a:defRPr>
+                <a:solidFill>
+                  <a:schemeClr val="tx2"/>
+                </a:solidFill>
+              </a:defRPr>
+            </a:lvl9pPr>
+          </a:lstStyle>
+          <a:p>
+            <a:r>
+              <a:rPr lang="it-IT" sz="1600">
+                <a:latin typeface="Franklin Gothic Book (Corpo)"/>
+              </a:rPr>
+              <a:t>Release dates distribution: </a:t>
+            </a:r>
+          </a:p>
+          <a:p>
+            <a:r>
+              <a:rPr lang="it-IT" sz="1600" b="0" i="1">
+                <a:latin typeface="Franklin Gothic Book (Corpo)"/>
+              </a:rPr>
+              <a:t>Low variance</a:t>
+            </a:r>
+          </a:p>
+          <a:p>
+            <a:endParaRPr lang="it-IT" sz="1600">
+              <a:latin typeface="Franklin Gothic Book (Corpo)"/>
+            </a:endParaRPr>
+          </a:p>
+          <a:p>
+            <a:r>
+              <a:rPr lang="it-IT" sz="1600">
+                <a:latin typeface="Franklin Gothic Book (Corpo)"/>
+              </a:rPr>
+              <a:t>Processing times distribution:</a:t>
+            </a:r>
+          </a:p>
+          <a:p>
+            <a:r>
+              <a:rPr lang="it-IT" sz="1600" b="0" i="1">
+                <a:latin typeface="Franklin Gothic Book (Corpo)"/>
+              </a:rPr>
+              <a:t>Low variance (1), Uniform (2), High Variance (3)</a:t>
+            </a:r>
+            <a:endParaRPr lang="it-IT" sz="1600" b="0" dirty="0">
+              <a:latin typeface="Franklin Gothic Book (Corpo)"/>
+            </a:endParaRPr>
+          </a:p>
+        </p:txBody>
+      </p:sp>
+      <p:pic>
+        <p:nvPicPr>
+          <p:cNvPr id="23" name="Elemento grafico 22" descr="Badge contorno">
+            <a:extLst>
+              <a:ext uri="{FF2B5EF4-FFF2-40B4-BE49-F238E27FC236}">
+                <a16:creationId xmlns:a16="http://schemas.microsoft.com/office/drawing/2014/main" id="{FBCA73AF-6B8B-EC2F-5E4F-36DCFBC52E96}"/>
+              </a:ext>
+            </a:extLst>
+          </p:cNvPr>
+          <p:cNvPicPr>
+            <a:picLocks noChangeAspect="1"/>
+          </p:cNvPicPr>
+          <p:nvPr/>
+        </p:nvPicPr>
+        <p:blipFill>
+          <a:blip r:embed="rId6">
+            <a:extLst>
+              <a:ext uri="{28A0092B-C50C-407E-A947-70E740481C1C}">
+                <a14:useLocalDpi xmlns:a14="http://schemas.microsoft.com/office/drawing/2010/main" val="0"/>
+              </a:ext>
+              <a:ext uri="{96DAC541-7B7A-43D3-8B79-37D633B846F1}">
+                <asvg:svgBlip xmlns:asvg="http://schemas.microsoft.com/office/drawing/2016/SVG/main" r:embed="rId7"/>
+              </a:ext>
+            </a:extLst>
+          </a:blip>
+          <a:stretch>
+            <a:fillRect/>
+          </a:stretch>
+        </p:blipFill>
+        <p:spPr>
+          <a:xfrm>
+            <a:off x="611550" y="3806754"/>
+            <a:ext cx="360000" cy="360000"/>
+          </a:xfrm>
+          <a:prstGeom prst="rect">
+            <a:avLst/>
+          </a:prstGeom>
+        </p:spPr>
+      </p:pic>
+      <p:pic>
+        <p:nvPicPr>
+          <p:cNvPr id="25" name="Elemento grafico 24" descr="Badge 1 contorno">
+            <a:extLst>
+              <a:ext uri="{FF2B5EF4-FFF2-40B4-BE49-F238E27FC236}">
+                <a16:creationId xmlns:a16="http://schemas.microsoft.com/office/drawing/2014/main" id="{453B36AC-D346-5CBB-DB39-1CB9EB4CC0D3}"/>
+              </a:ext>
+            </a:extLst>
+          </p:cNvPr>
+          <p:cNvPicPr>
+            <a:picLocks noChangeAspect="1"/>
+          </p:cNvPicPr>
+          <p:nvPr/>
+        </p:nvPicPr>
+        <p:blipFill>
+          <a:blip r:embed="rId8">
+            <a:extLst>
+              <a:ext uri="{28A0092B-C50C-407E-A947-70E740481C1C}">
+                <a14:useLocalDpi xmlns:a14="http://schemas.microsoft.com/office/drawing/2010/main" val="0"/>
+              </a:ext>
+              <a:ext uri="{96DAC541-7B7A-43D3-8B79-37D633B846F1}">
+                <asvg:svgBlip xmlns:asvg="http://schemas.microsoft.com/office/drawing/2016/SVG/main" r:embed="rId9"/>
+              </a:ext>
+            </a:extLst>
+          </a:blip>
+          <a:stretch>
+            <a:fillRect/>
+          </a:stretch>
+        </p:blipFill>
+        <p:spPr>
+          <a:xfrm>
+            <a:off x="6439240" y="795358"/>
+            <a:ext cx="360000" cy="360000"/>
+          </a:xfrm>
+          <a:prstGeom prst="rect">
+            <a:avLst/>
+          </a:prstGeom>
+        </p:spPr>
+      </p:pic>
+      <p:pic>
+        <p:nvPicPr>
+          <p:cNvPr id="27" name="Elemento grafico 26" descr="Badge 3 contorno">
+            <a:extLst>
+              <a:ext uri="{FF2B5EF4-FFF2-40B4-BE49-F238E27FC236}">
+                <a16:creationId xmlns:a16="http://schemas.microsoft.com/office/drawing/2014/main" id="{54BB3858-9BE8-753B-E511-F16D4BD396A8}"/>
+              </a:ext>
+            </a:extLst>
+          </p:cNvPr>
+          <p:cNvPicPr>
+            <a:picLocks noChangeAspect="1"/>
+          </p:cNvPicPr>
+          <p:nvPr/>
+        </p:nvPicPr>
+        <p:blipFill>
+          <a:blip r:embed="rId10">
+            <a:extLst>
+              <a:ext uri="{28A0092B-C50C-407E-A947-70E740481C1C}">
+                <a14:useLocalDpi xmlns:a14="http://schemas.microsoft.com/office/drawing/2010/main" val="0"/>
+              </a:ext>
+              <a:ext uri="{96DAC541-7B7A-43D3-8B79-37D633B846F1}">
+                <asvg:svgBlip xmlns:asvg="http://schemas.microsoft.com/office/drawing/2016/SVG/main" r:embed="rId11"/>
+              </a:ext>
+            </a:extLst>
+          </a:blip>
+          <a:stretch>
+            <a:fillRect/>
+          </a:stretch>
+        </p:blipFill>
+        <p:spPr>
+          <a:xfrm>
+            <a:off x="6439240" y="3788291"/>
+            <a:ext cx="360000" cy="360000"/>
+          </a:xfrm>
+          <a:prstGeom prst="rect">
+            <a:avLst/>
+          </a:prstGeom>
+        </p:spPr>
+      </p:pic>
+    </p:spTree>
+    <p:extLst>
+      <p:ext uri="{BB962C8B-B14F-4D97-AF65-F5344CB8AC3E}">
+        <p14:creationId xmlns:p14="http://schemas.microsoft.com/office/powerpoint/2010/main" val="1582075404"/>
+      </p:ext>
+    </p:extLst>
+  </p:cSld>
+  <p:clrMapOvr>
+    <a:masterClrMapping/>
+  </p:clrMapOvr>
+  <mc:AlternateContent xmlns:mc="http://schemas.openxmlformats.org/markup-compatibility/2006">
+    <mc:Choice xmlns:p14="http://schemas.microsoft.com/office/powerpoint/2010/main" Requires="p14">
+      <p:transition spd="med" p14:dur="700">
+        <p:fade/>
+      </p:transition>
+    </mc:Choice>
+    <mc:Fallback>
+      <p:transition spd="med">
+        <p:fade/>
+      </p:transition>
+    </mc:Fallback>
+  </mc:AlternateContent>
+</p:sld>
+</file>
+
+<file path=ppt/slides/slide15.xml><?xml version="1.0" encoding="utf-8"?>
+<p:sld xmlns:a="http://schemas.openxmlformats.org/drawingml/2006/main" xmlns:r="http://schemas.openxmlformats.org/officeDocument/2006/relationships" xmlns:p="http://schemas.openxmlformats.org/presentationml/2006/main">
+  <p:cSld>
+    <p:spTree>
+      <p:nvGrpSpPr>
+        <p:cNvPr id="1" name=""/>
+        <p:cNvGrpSpPr/>
+        <p:nvPr/>
+      </p:nvGrpSpPr>
+      <p:grpSpPr>
+        <a:xfrm>
+          <a:off x="0" y="0"/>
+          <a:ext cx="0" cy="0"/>
+          <a:chOff x="0" y="0"/>
+          <a:chExt cx="0" cy="0"/>
+        </a:xfrm>
+      </p:grpSpPr>
+      <p:sp>
+        <p:nvSpPr>
+          <p:cNvPr id="7" name="Segnaposto numero diapositiva 6">
+            <a:extLst>
+              <a:ext uri="{FF2B5EF4-FFF2-40B4-BE49-F238E27FC236}">
+                <a16:creationId xmlns:a16="http://schemas.microsoft.com/office/drawing/2014/main" id="{F37669F0-EA6D-6B46-AF0E-A9C2D1F223DB}"/>
+              </a:ext>
+            </a:extLst>
+          </p:cNvPr>
+          <p:cNvSpPr>
+            <a:spLocks noGrp="1"/>
+          </p:cNvSpPr>
+          <p:nvPr>
+            <p:ph type="sldNum" sz="quarter" idx="16"/>
+          </p:nvPr>
+        </p:nvSpPr>
+        <p:spPr>
+          <a:xfrm>
+            <a:off x="971550" y="6332220"/>
+            <a:ext cx="523240" cy="247651"/>
+          </a:xfrm>
+        </p:spPr>
+        <p:txBody>
+          <a:bodyPr rtlCol="0"/>
+          <a:lstStyle/>
+          <a:p>
+            <a:pPr rtl="0"/>
+            <a:fld id="{294A09A9-5501-47C1-A89A-A340965A2BE2}" type="slidenum">
+              <a:rPr lang="it-IT" smtClean="0"/>
+              <a:pPr rtl="0"/>
+              <a:t>15</a:t>
+            </a:fld>
+            <a:endParaRPr lang="it-IT"/>
+          </a:p>
+        </p:txBody>
+      </p:sp>
+      <p:sp>
+        <p:nvSpPr>
+          <p:cNvPr id="6" name="Segnaposto piè di pagina 5">
+            <a:extLst>
+              <a:ext uri="{FF2B5EF4-FFF2-40B4-BE49-F238E27FC236}">
+                <a16:creationId xmlns:a16="http://schemas.microsoft.com/office/drawing/2014/main" id="{66F3960A-D260-8445-A153-0B674474CEBD}"/>
+              </a:ext>
+            </a:extLst>
+          </p:cNvPr>
+          <p:cNvSpPr>
+            <a:spLocks noGrp="1"/>
+          </p:cNvSpPr>
+          <p:nvPr>
+            <p:ph type="ftr" sz="quarter" idx="15"/>
+          </p:nvPr>
+        </p:nvSpPr>
+        <p:spPr>
+          <a:xfrm>
+            <a:off x="1494790" y="6332220"/>
+            <a:ext cx="1497330" cy="247651"/>
+          </a:xfrm>
+        </p:spPr>
+        <p:txBody>
+          <a:bodyPr rtlCol="0"/>
+          <a:lstStyle/>
+          <a:p>
+            <a:pPr rtl="0"/>
+            <a:r>
+              <a:rPr lang="it-IT"/>
+              <a:t>Progetto AMOD</a:t>
+            </a:r>
+          </a:p>
+        </p:txBody>
+      </p:sp>
+      <p:sp>
+        <p:nvSpPr>
+          <p:cNvPr id="5" name="Segnaposto data 4">
+            <a:extLst>
+              <a:ext uri="{FF2B5EF4-FFF2-40B4-BE49-F238E27FC236}">
+                <a16:creationId xmlns:a16="http://schemas.microsoft.com/office/drawing/2014/main" id="{2E803E71-3088-0347-9BCC-16ADB551CCC8}"/>
+              </a:ext>
+            </a:extLst>
+          </p:cNvPr>
+          <p:cNvSpPr>
+            <a:spLocks noGrp="1"/>
+          </p:cNvSpPr>
+          <p:nvPr>
+            <p:ph type="dt" sz="half" idx="14"/>
+          </p:nvPr>
+        </p:nvSpPr>
+        <p:spPr>
+          <a:xfrm>
+            <a:off x="2992120" y="6332220"/>
+            <a:ext cx="1313180" cy="247651"/>
+          </a:xfrm>
+        </p:spPr>
+        <p:txBody>
+          <a:bodyPr rtlCol="0"/>
+          <a:lstStyle/>
+          <a:p>
+            <a:pPr rtl="0"/>
+            <a:fld id="{B7909059-8104-4590-BD91-254A7C1B3A73}" type="datetime4">
+              <a:rPr lang="it-IT" smtClean="0"/>
+              <a:t>4 novembre 2022</a:t>
+            </a:fld>
+            <a:endParaRPr lang="it-IT"/>
+          </a:p>
+        </p:txBody>
+      </p:sp>
+      <p:sp>
+        <p:nvSpPr>
+          <p:cNvPr id="9" name="Rettangolo 8">
+            <a:extLst>
+              <a:ext uri="{FF2B5EF4-FFF2-40B4-BE49-F238E27FC236}">
+                <a16:creationId xmlns:a16="http://schemas.microsoft.com/office/drawing/2014/main" id="{363B121B-C9E0-E763-6002-869EDB48860A}"/>
+              </a:ext>
+            </a:extLst>
+          </p:cNvPr>
+          <p:cNvSpPr/>
+          <p:nvPr/>
+        </p:nvSpPr>
+        <p:spPr>
+          <a:xfrm>
+            <a:off x="9633527" y="3429000"/>
+            <a:ext cx="1902691" cy="1475509"/>
+          </a:xfrm>
+          <a:prstGeom prst="rect">
+            <a:avLst/>
+          </a:prstGeom>
+          <a:solidFill>
+            <a:schemeClr val="tx1"/>
+          </a:solidFill>
+          <a:ln>
+            <a:noFill/>
+          </a:ln>
+        </p:spPr>
+        <p:style>
+          <a:lnRef idx="2">
+            <a:schemeClr val="accent1">
+              <a:shade val="50000"/>
+            </a:schemeClr>
+          </a:lnRef>
+          <a:fillRef idx="1">
+            <a:schemeClr val="accent1"/>
+          </a:fillRef>
+          <a:effectRef idx="0">
+            <a:schemeClr val="accent1"/>
+          </a:effectRef>
+          <a:fontRef idx="minor">
+            <a:schemeClr val="lt1"/>
+          </a:fontRef>
+        </p:style>
+        <p:txBody>
+          <a:bodyPr rtlCol="0" anchor="ctr"/>
+          <a:lstStyle/>
+          <a:p>
+            <a:pPr algn="ctr"/>
+            <a:endParaRPr lang="it-IT"/>
+          </a:p>
+        </p:txBody>
+      </p:sp>
+      <p:sp>
+        <p:nvSpPr>
+          <p:cNvPr id="10" name="Rettangolo 9">
+            <a:extLst>
+              <a:ext uri="{FF2B5EF4-FFF2-40B4-BE49-F238E27FC236}">
+                <a16:creationId xmlns:a16="http://schemas.microsoft.com/office/drawing/2014/main" id="{BFDC280B-30C4-AE9E-791E-648D4C685D23}"/>
+              </a:ext>
+            </a:extLst>
+          </p:cNvPr>
+          <p:cNvSpPr/>
+          <p:nvPr/>
+        </p:nvSpPr>
+        <p:spPr>
+          <a:xfrm>
+            <a:off x="7325582" y="1625017"/>
+            <a:ext cx="1399605" cy="241321"/>
+          </a:xfrm>
+          <a:prstGeom prst="rect">
+            <a:avLst/>
+          </a:prstGeom>
+          <a:solidFill>
+            <a:schemeClr val="tx1"/>
+          </a:solidFill>
+          <a:ln>
+            <a:noFill/>
+          </a:ln>
+        </p:spPr>
+        <p:style>
+          <a:lnRef idx="2">
+            <a:schemeClr val="accent1">
+              <a:shade val="50000"/>
+            </a:schemeClr>
+          </a:lnRef>
+          <a:fillRef idx="1">
+            <a:schemeClr val="accent1"/>
+          </a:fillRef>
+          <a:effectRef idx="0">
+            <a:schemeClr val="accent1"/>
+          </a:effectRef>
+          <a:fontRef idx="minor">
+            <a:schemeClr val="lt1"/>
+          </a:fontRef>
+        </p:style>
+        <p:txBody>
+          <a:bodyPr rtlCol="0" anchor="ctr"/>
+          <a:lstStyle/>
+          <a:p>
+            <a:pPr algn="ctr"/>
+            <a:endParaRPr lang="it-IT"/>
+          </a:p>
+        </p:txBody>
+      </p:sp>
+      <p:sp>
+        <p:nvSpPr>
+          <p:cNvPr id="15" name="Rettangolo 14">
+            <a:extLst>
+              <a:ext uri="{FF2B5EF4-FFF2-40B4-BE49-F238E27FC236}">
+                <a16:creationId xmlns:a16="http://schemas.microsoft.com/office/drawing/2014/main" id="{15F267DF-C908-20C5-DB55-E5926E008385}"/>
+              </a:ext>
+            </a:extLst>
+          </p:cNvPr>
+          <p:cNvSpPr/>
+          <p:nvPr/>
+        </p:nvSpPr>
+        <p:spPr>
+          <a:xfrm>
+            <a:off x="9097874" y="3334510"/>
+            <a:ext cx="2752253" cy="2190938"/>
+          </a:xfrm>
+          <a:prstGeom prst="rect">
+            <a:avLst/>
+          </a:prstGeom>
+          <a:solidFill>
+            <a:schemeClr val="tx1"/>
+          </a:solidFill>
+          <a:ln>
+            <a:noFill/>
+          </a:ln>
+        </p:spPr>
+        <p:style>
+          <a:lnRef idx="2">
+            <a:schemeClr val="accent1">
+              <a:shade val="50000"/>
+            </a:schemeClr>
+          </a:lnRef>
+          <a:fillRef idx="1">
+            <a:schemeClr val="accent1"/>
+          </a:fillRef>
+          <a:effectRef idx="0">
+            <a:schemeClr val="accent1"/>
+          </a:effectRef>
+          <a:fontRef idx="minor">
+            <a:schemeClr val="lt1"/>
+          </a:fontRef>
+        </p:style>
+        <p:txBody>
+          <a:bodyPr rtlCol="0" anchor="ctr"/>
+          <a:lstStyle/>
+          <a:p>
+            <a:pPr algn="ctr"/>
+            <a:endParaRPr lang="it-IT"/>
+          </a:p>
+        </p:txBody>
+      </p:sp>
+      <p:sp>
+        <p:nvSpPr>
+          <p:cNvPr id="16" name="Rettangolo 15">
+            <a:extLst>
+              <a:ext uri="{FF2B5EF4-FFF2-40B4-BE49-F238E27FC236}">
+                <a16:creationId xmlns:a16="http://schemas.microsoft.com/office/drawing/2014/main" id="{85395377-150B-3B45-9A08-555E4688FB1B}"/>
+              </a:ext>
+            </a:extLst>
+          </p:cNvPr>
+          <p:cNvSpPr/>
+          <p:nvPr/>
+        </p:nvSpPr>
+        <p:spPr>
+          <a:xfrm>
+            <a:off x="6619240" y="1435164"/>
+            <a:ext cx="2417708" cy="382733"/>
+          </a:xfrm>
+          <a:prstGeom prst="rect">
+            <a:avLst/>
+          </a:prstGeom>
+          <a:solidFill>
+            <a:schemeClr val="tx1"/>
+          </a:solidFill>
+          <a:ln>
+            <a:noFill/>
+          </a:ln>
+        </p:spPr>
+        <p:style>
+          <a:lnRef idx="2">
+            <a:schemeClr val="accent1">
+              <a:shade val="50000"/>
+            </a:schemeClr>
+          </a:lnRef>
+          <a:fillRef idx="1">
+            <a:schemeClr val="accent1"/>
+          </a:fillRef>
+          <a:effectRef idx="0">
+            <a:schemeClr val="accent1"/>
+          </a:effectRef>
+          <a:fontRef idx="minor">
+            <a:schemeClr val="lt1"/>
+          </a:fontRef>
+        </p:style>
+        <p:txBody>
+          <a:bodyPr rtlCol="0" anchor="ctr"/>
+          <a:lstStyle/>
+          <a:p>
+            <a:pPr algn="ctr"/>
+            <a:endParaRPr lang="it-IT"/>
+          </a:p>
+        </p:txBody>
+      </p:sp>
+      <p:pic>
+        <p:nvPicPr>
+          <p:cNvPr id="8" name="Immagine 7">
+            <a:extLst>
+              <a:ext uri="{FF2B5EF4-FFF2-40B4-BE49-F238E27FC236}">
+                <a16:creationId xmlns:a16="http://schemas.microsoft.com/office/drawing/2014/main" id="{BB0D4019-7AAF-9F10-788B-A6F5BE22EF81}"/>
+              </a:ext>
+            </a:extLst>
+          </p:cNvPr>
+          <p:cNvPicPr>
+            <a:picLocks noChangeAspect="1"/>
+          </p:cNvPicPr>
+          <p:nvPr/>
+        </p:nvPicPr>
+        <p:blipFill>
+          <a:blip r:embed="rId3">
+            <a:extLst>
+              <a:ext uri="{28A0092B-C50C-407E-A947-70E740481C1C}">
+                <a14:useLocalDpi xmlns:a14="http://schemas.microsoft.com/office/drawing/2010/main" val="0"/>
+              </a:ext>
+            </a:extLst>
+          </a:blip>
+          <a:srcRect/>
+          <a:stretch/>
+        </p:blipFill>
+        <p:spPr>
+          <a:xfrm>
+            <a:off x="317127" y="3387315"/>
+            <a:ext cx="5675278" cy="2944903"/>
+          </a:xfrm>
+          <a:prstGeom prst="rect">
+            <a:avLst/>
+          </a:prstGeom>
+        </p:spPr>
+      </p:pic>
+      <p:pic>
+        <p:nvPicPr>
+          <p:cNvPr id="18" name="Immagine 17">
+            <a:extLst>
+              <a:ext uri="{FF2B5EF4-FFF2-40B4-BE49-F238E27FC236}">
+                <a16:creationId xmlns:a16="http://schemas.microsoft.com/office/drawing/2014/main" id="{FE882A1A-278C-5678-3C26-E1F3E99E9FC8}"/>
+              </a:ext>
+            </a:extLst>
+          </p:cNvPr>
+          <p:cNvPicPr>
+            <a:picLocks noChangeAspect="1"/>
+          </p:cNvPicPr>
+          <p:nvPr/>
+        </p:nvPicPr>
+        <p:blipFill>
+          <a:blip r:embed="rId4">
+            <a:extLst>
+              <a:ext uri="{28A0092B-C50C-407E-A947-70E740481C1C}">
+                <a14:useLocalDpi xmlns:a14="http://schemas.microsoft.com/office/drawing/2010/main" val="0"/>
+              </a:ext>
+            </a:extLst>
+          </a:blip>
+          <a:srcRect/>
+          <a:stretch/>
+        </p:blipFill>
+        <p:spPr>
+          <a:xfrm>
+            <a:off x="6096002" y="345444"/>
+            <a:ext cx="5675278" cy="2944904"/>
+          </a:xfrm>
+          <a:prstGeom prst="rect">
+            <a:avLst/>
+          </a:prstGeom>
+        </p:spPr>
+      </p:pic>
+      <p:pic>
+        <p:nvPicPr>
+          <p:cNvPr id="19" name="Immagine 18">
+            <a:extLst>
+              <a:ext uri="{FF2B5EF4-FFF2-40B4-BE49-F238E27FC236}">
+                <a16:creationId xmlns:a16="http://schemas.microsoft.com/office/drawing/2014/main" id="{4DFF176B-29B7-C52B-A338-957D3ECF4531}"/>
+              </a:ext>
+            </a:extLst>
+          </p:cNvPr>
+          <p:cNvPicPr>
+            <a:picLocks noChangeAspect="1"/>
+          </p:cNvPicPr>
+          <p:nvPr/>
+        </p:nvPicPr>
+        <p:blipFill>
+          <a:blip r:embed="rId5">
+            <a:extLst>
+              <a:ext uri="{28A0092B-C50C-407E-A947-70E740481C1C}">
+                <a14:useLocalDpi xmlns:a14="http://schemas.microsoft.com/office/drawing/2010/main" val="0"/>
+              </a:ext>
+            </a:extLst>
+          </a:blip>
+          <a:srcRect/>
+          <a:stretch/>
+        </p:blipFill>
+        <p:spPr>
+          <a:xfrm>
+            <a:off x="6096000" y="3387315"/>
+            <a:ext cx="5675278" cy="2944903"/>
+          </a:xfrm>
+          <a:prstGeom prst="rect">
+            <a:avLst/>
+          </a:prstGeom>
+        </p:spPr>
+      </p:pic>
+      <p:sp>
+        <p:nvSpPr>
+          <p:cNvPr id="20" name="Titolo 2">
+            <a:extLst>
+              <a:ext uri="{FF2B5EF4-FFF2-40B4-BE49-F238E27FC236}">
+                <a16:creationId xmlns:a16="http://schemas.microsoft.com/office/drawing/2014/main" id="{5A0959C4-B3F5-95EC-C191-38294EA9731D}"/>
+              </a:ext>
+            </a:extLst>
+          </p:cNvPr>
+          <p:cNvSpPr>
+            <a:spLocks noGrp="1"/>
+          </p:cNvSpPr>
+          <p:nvPr>
+            <p:ph type="title"/>
+          </p:nvPr>
+        </p:nvSpPr>
+        <p:spPr>
+          <a:xfrm>
+            <a:off x="581549" y="1014154"/>
+            <a:ext cx="4821141" cy="610863"/>
+          </a:xfrm>
+        </p:spPr>
+        <p:txBody>
+          <a:bodyPr rtlCol="0">
+            <a:normAutofit fontScale="90000"/>
+          </a:bodyPr>
+          <a:lstStyle/>
+          <a:p>
+            <a:r>
+              <a:rPr lang="it-IT" sz="3600"/>
+              <a:t>Confronto dei tempi di esecuzione</a:t>
+            </a:r>
+            <a:br>
+              <a:rPr lang="it-IT" sz="4400"/>
+            </a:br>
+            <a:r>
+              <a:rPr lang="it-IT" sz="1600" b="0"/>
+              <a:t>(con limite di tempo massimo pari a 60 sec.)</a:t>
+            </a:r>
+            <a:endParaRPr lang="it-IT" sz="1600" b="0" dirty="0"/>
+          </a:p>
+        </p:txBody>
+      </p:sp>
+      <p:sp>
+        <p:nvSpPr>
+          <p:cNvPr id="21" name="Titolo 2">
+            <a:extLst>
+              <a:ext uri="{FF2B5EF4-FFF2-40B4-BE49-F238E27FC236}">
+                <a16:creationId xmlns:a16="http://schemas.microsoft.com/office/drawing/2014/main" id="{1BCF1527-89BA-B71B-3CCF-FEA2A73CAB0F}"/>
+              </a:ext>
+            </a:extLst>
+          </p:cNvPr>
+          <p:cNvSpPr txBox="1">
+            <a:spLocks/>
+          </p:cNvSpPr>
+          <p:nvPr/>
+        </p:nvSpPr>
+        <p:spPr>
+          <a:xfrm>
+            <a:off x="581549" y="2290527"/>
+            <a:ext cx="4307322" cy="999822"/>
+          </a:xfrm>
+          <a:prstGeom prst="rect">
+            <a:avLst/>
+          </a:prstGeom>
+        </p:spPr>
+        <p:txBody>
+          <a:bodyPr vert="horz" lIns="0" tIns="0" rIns="0" bIns="0" rtlCol="0" anchor="b" anchorCtr="0">
+            <a:normAutofit fontScale="90000"/>
+          </a:bodyPr>
+          <a:lstStyle>
+            <a:lvl1pPr algn="l" defTabSz="914400" rtl="0" eaLnBrk="1" latinLnBrk="0" hangingPunct="1">
+              <a:lnSpc>
+                <a:spcPct val="90000"/>
+              </a:lnSpc>
+              <a:spcBef>
+                <a:spcPct val="0"/>
+              </a:spcBef>
+              <a:buNone/>
+              <a:defRPr sz="4400" b="1" i="0" kern="1200" spc="100" baseline="0">
+                <a:solidFill>
+                  <a:schemeClr val="bg1"/>
+                </a:solidFill>
+                <a:latin typeface="+mj-lt"/>
+                <a:ea typeface="+mj-ea"/>
+                <a:cs typeface="+mj-cs"/>
+              </a:defRPr>
+            </a:lvl1pPr>
+            <a:lvl2pPr eaLnBrk="1" hangingPunct="1">
+              <a:defRPr>
+                <a:solidFill>
+                  <a:schemeClr val="tx2"/>
+                </a:solidFill>
+              </a:defRPr>
+            </a:lvl2pPr>
+            <a:lvl3pPr eaLnBrk="1" hangingPunct="1">
+              <a:defRPr>
+                <a:solidFill>
+                  <a:schemeClr val="tx2"/>
+                </a:solidFill>
+              </a:defRPr>
+            </a:lvl3pPr>
+            <a:lvl4pPr eaLnBrk="1" hangingPunct="1">
+              <a:defRPr>
+                <a:solidFill>
+                  <a:schemeClr val="tx2"/>
+                </a:solidFill>
+              </a:defRPr>
+            </a:lvl4pPr>
+            <a:lvl5pPr eaLnBrk="1" hangingPunct="1">
+              <a:defRPr>
+                <a:solidFill>
+                  <a:schemeClr val="tx2"/>
+                </a:solidFill>
+              </a:defRPr>
+            </a:lvl5pPr>
+            <a:lvl6pPr eaLnBrk="1" hangingPunct="1">
+              <a:defRPr>
+                <a:solidFill>
+                  <a:schemeClr val="tx2"/>
+                </a:solidFill>
+              </a:defRPr>
+            </a:lvl6pPr>
+            <a:lvl7pPr eaLnBrk="1" hangingPunct="1">
+              <a:defRPr>
+                <a:solidFill>
+                  <a:schemeClr val="tx2"/>
+                </a:solidFill>
+              </a:defRPr>
+            </a:lvl7pPr>
+            <a:lvl8pPr eaLnBrk="1" hangingPunct="1">
+              <a:defRPr>
+                <a:solidFill>
+                  <a:schemeClr val="tx2"/>
+                </a:solidFill>
+              </a:defRPr>
+            </a:lvl8pPr>
+            <a:lvl9pPr eaLnBrk="1" hangingPunct="1">
+              <a:defRPr>
+                <a:solidFill>
+                  <a:schemeClr val="tx2"/>
+                </a:solidFill>
+              </a:defRPr>
+            </a:lvl9pPr>
+          </a:lstStyle>
+          <a:p>
+            <a:r>
+              <a:rPr lang="it-IT" sz="1600">
+                <a:latin typeface="Franklin Gothic Book (Corpo)"/>
+              </a:rPr>
+              <a:t>Release dates distribution: </a:t>
+            </a:r>
+          </a:p>
+          <a:p>
+            <a:r>
+              <a:rPr lang="it-IT" sz="1600" b="0" i="1">
+                <a:latin typeface="Franklin Gothic Book (Corpo)"/>
+              </a:rPr>
+              <a:t>Uniform</a:t>
+            </a:r>
+          </a:p>
+          <a:p>
+            <a:endParaRPr lang="it-IT" sz="1600">
+              <a:latin typeface="Franklin Gothic Book (Corpo)"/>
+            </a:endParaRPr>
+          </a:p>
+          <a:p>
+            <a:r>
+              <a:rPr lang="it-IT" sz="1600">
+                <a:latin typeface="Franklin Gothic Book (Corpo)"/>
+              </a:rPr>
+              <a:t>Processing times distribution:</a:t>
+            </a:r>
+          </a:p>
+          <a:p>
+            <a:r>
+              <a:rPr lang="it-IT" sz="1600" b="0" i="1">
+                <a:latin typeface="Franklin Gothic Book (Corpo)"/>
+              </a:rPr>
+              <a:t>Low variance (1), Uniform (2), High Variance (3)</a:t>
+            </a:r>
+            <a:endParaRPr lang="it-IT" sz="1600" b="0" dirty="0">
+              <a:latin typeface="Franklin Gothic Book (Corpo)"/>
+            </a:endParaRPr>
+          </a:p>
+        </p:txBody>
+      </p:sp>
+      <p:pic>
+        <p:nvPicPr>
+          <p:cNvPr id="23" name="Elemento grafico 22" descr="Badge contorno">
+            <a:extLst>
+              <a:ext uri="{FF2B5EF4-FFF2-40B4-BE49-F238E27FC236}">
+                <a16:creationId xmlns:a16="http://schemas.microsoft.com/office/drawing/2014/main" id="{FBCA73AF-6B8B-EC2F-5E4F-36DCFBC52E96}"/>
+              </a:ext>
+            </a:extLst>
+          </p:cNvPr>
+          <p:cNvPicPr>
+            <a:picLocks noChangeAspect="1"/>
+          </p:cNvPicPr>
+          <p:nvPr/>
+        </p:nvPicPr>
+        <p:blipFill>
+          <a:blip r:embed="rId6">
+            <a:extLst>
+              <a:ext uri="{28A0092B-C50C-407E-A947-70E740481C1C}">
+                <a14:useLocalDpi xmlns:a14="http://schemas.microsoft.com/office/drawing/2010/main" val="0"/>
+              </a:ext>
+              <a:ext uri="{96DAC541-7B7A-43D3-8B79-37D633B846F1}">
+                <asvg:svgBlip xmlns:asvg="http://schemas.microsoft.com/office/drawing/2016/SVG/main" r:embed="rId7"/>
+              </a:ext>
+            </a:extLst>
+          </a:blip>
+          <a:stretch>
+            <a:fillRect/>
+          </a:stretch>
+        </p:blipFill>
+        <p:spPr>
+          <a:xfrm>
+            <a:off x="611550" y="3806754"/>
+            <a:ext cx="360000" cy="360000"/>
+          </a:xfrm>
+          <a:prstGeom prst="rect">
+            <a:avLst/>
+          </a:prstGeom>
+        </p:spPr>
+      </p:pic>
+      <p:pic>
+        <p:nvPicPr>
+          <p:cNvPr id="25" name="Elemento grafico 24" descr="Badge 1 contorno">
+            <a:extLst>
+              <a:ext uri="{FF2B5EF4-FFF2-40B4-BE49-F238E27FC236}">
+                <a16:creationId xmlns:a16="http://schemas.microsoft.com/office/drawing/2014/main" id="{453B36AC-D346-5CBB-DB39-1CB9EB4CC0D3}"/>
+              </a:ext>
+            </a:extLst>
+          </p:cNvPr>
+          <p:cNvPicPr>
+            <a:picLocks noChangeAspect="1"/>
+          </p:cNvPicPr>
+          <p:nvPr/>
+        </p:nvPicPr>
+        <p:blipFill>
+          <a:blip r:embed="rId8">
+            <a:extLst>
+              <a:ext uri="{28A0092B-C50C-407E-A947-70E740481C1C}">
+                <a14:useLocalDpi xmlns:a14="http://schemas.microsoft.com/office/drawing/2010/main" val="0"/>
+              </a:ext>
+              <a:ext uri="{96DAC541-7B7A-43D3-8B79-37D633B846F1}">
+                <asvg:svgBlip xmlns:asvg="http://schemas.microsoft.com/office/drawing/2016/SVG/main" r:embed="rId9"/>
+              </a:ext>
+            </a:extLst>
+          </a:blip>
+          <a:stretch>
+            <a:fillRect/>
+          </a:stretch>
+        </p:blipFill>
+        <p:spPr>
+          <a:xfrm>
+            <a:off x="6439240" y="795358"/>
+            <a:ext cx="360000" cy="360000"/>
+          </a:xfrm>
+          <a:prstGeom prst="rect">
+            <a:avLst/>
+          </a:prstGeom>
+        </p:spPr>
+      </p:pic>
+      <p:pic>
+        <p:nvPicPr>
+          <p:cNvPr id="27" name="Elemento grafico 26" descr="Badge 3 contorno">
+            <a:extLst>
+              <a:ext uri="{FF2B5EF4-FFF2-40B4-BE49-F238E27FC236}">
+                <a16:creationId xmlns:a16="http://schemas.microsoft.com/office/drawing/2014/main" id="{54BB3858-9BE8-753B-E511-F16D4BD396A8}"/>
+              </a:ext>
+            </a:extLst>
+          </p:cNvPr>
+          <p:cNvPicPr>
+            <a:picLocks noChangeAspect="1"/>
+          </p:cNvPicPr>
+          <p:nvPr/>
+        </p:nvPicPr>
+        <p:blipFill>
+          <a:blip r:embed="rId10">
+            <a:extLst>
+              <a:ext uri="{28A0092B-C50C-407E-A947-70E740481C1C}">
+                <a14:useLocalDpi xmlns:a14="http://schemas.microsoft.com/office/drawing/2010/main" val="0"/>
+              </a:ext>
+              <a:ext uri="{96DAC541-7B7A-43D3-8B79-37D633B846F1}">
+                <asvg:svgBlip xmlns:asvg="http://schemas.microsoft.com/office/drawing/2016/SVG/main" r:embed="rId11"/>
+              </a:ext>
+            </a:extLst>
+          </a:blip>
+          <a:stretch>
+            <a:fillRect/>
+          </a:stretch>
+        </p:blipFill>
+        <p:spPr>
+          <a:xfrm>
+            <a:off x="6439240" y="3788291"/>
+            <a:ext cx="360000" cy="360000"/>
+          </a:xfrm>
+          <a:prstGeom prst="rect">
+            <a:avLst/>
+          </a:prstGeom>
+        </p:spPr>
+      </p:pic>
+    </p:spTree>
+    <p:extLst>
+      <p:ext uri="{BB962C8B-B14F-4D97-AF65-F5344CB8AC3E}">
+        <p14:creationId xmlns:p14="http://schemas.microsoft.com/office/powerpoint/2010/main" val="4210221194"/>
+      </p:ext>
+    </p:extLst>
+  </p:cSld>
+  <p:clrMapOvr>
+    <a:masterClrMapping/>
+  </p:clrMapOvr>
+  <mc:AlternateContent xmlns:mc="http://schemas.openxmlformats.org/markup-compatibility/2006">
+    <mc:Choice xmlns:p14="http://schemas.microsoft.com/office/powerpoint/2010/main" Requires="p14">
+      <p:transition spd="med" p14:dur="700">
+        <p:fade/>
+      </p:transition>
+    </mc:Choice>
+    <mc:Fallback>
+      <p:transition spd="med">
+        <p:fade/>
+      </p:transition>
+    </mc:Fallback>
+  </mc:AlternateContent>
+</p:sld>
+</file>
+
+<file path=ppt/slides/slide16.xml><?xml version="1.0" encoding="utf-8"?>
+<p:sld xmlns:a="http://schemas.openxmlformats.org/drawingml/2006/main" xmlns:r="http://schemas.openxmlformats.org/officeDocument/2006/relationships" xmlns:p="http://schemas.openxmlformats.org/presentationml/2006/main">
+  <p:cSld>
+    <p:spTree>
+      <p:nvGrpSpPr>
+        <p:cNvPr id="1" name=""/>
+        <p:cNvGrpSpPr/>
+        <p:nvPr/>
+      </p:nvGrpSpPr>
+      <p:grpSpPr>
+        <a:xfrm>
+          <a:off x="0" y="0"/>
+          <a:ext cx="0" cy="0"/>
+          <a:chOff x="0" y="0"/>
+          <a:chExt cx="0" cy="0"/>
+        </a:xfrm>
+      </p:grpSpPr>
+      <p:sp>
+        <p:nvSpPr>
+          <p:cNvPr id="7" name="Segnaposto numero diapositiva 6">
+            <a:extLst>
+              <a:ext uri="{FF2B5EF4-FFF2-40B4-BE49-F238E27FC236}">
+                <a16:creationId xmlns:a16="http://schemas.microsoft.com/office/drawing/2014/main" id="{F37669F0-EA6D-6B46-AF0E-A9C2D1F223DB}"/>
+              </a:ext>
+            </a:extLst>
+          </p:cNvPr>
+          <p:cNvSpPr>
+            <a:spLocks noGrp="1"/>
+          </p:cNvSpPr>
+          <p:nvPr>
+            <p:ph type="sldNum" sz="quarter" idx="16"/>
+          </p:nvPr>
+        </p:nvSpPr>
+        <p:spPr>
+          <a:xfrm>
+            <a:off x="971550" y="6332220"/>
+            <a:ext cx="523240" cy="247651"/>
+          </a:xfrm>
+        </p:spPr>
+        <p:txBody>
+          <a:bodyPr rtlCol="0"/>
+          <a:lstStyle/>
+          <a:p>
+            <a:pPr rtl="0"/>
+            <a:fld id="{294A09A9-5501-47C1-A89A-A340965A2BE2}" type="slidenum">
+              <a:rPr lang="it-IT" smtClean="0"/>
+              <a:pPr rtl="0"/>
+              <a:t>16</a:t>
+            </a:fld>
+            <a:endParaRPr lang="it-IT"/>
+          </a:p>
+        </p:txBody>
+      </p:sp>
+      <p:sp>
+        <p:nvSpPr>
+          <p:cNvPr id="6" name="Segnaposto piè di pagina 5">
+            <a:extLst>
+              <a:ext uri="{FF2B5EF4-FFF2-40B4-BE49-F238E27FC236}">
+                <a16:creationId xmlns:a16="http://schemas.microsoft.com/office/drawing/2014/main" id="{66F3960A-D260-8445-A153-0B674474CEBD}"/>
+              </a:ext>
+            </a:extLst>
+          </p:cNvPr>
+          <p:cNvSpPr>
+            <a:spLocks noGrp="1"/>
+          </p:cNvSpPr>
+          <p:nvPr>
+            <p:ph type="ftr" sz="quarter" idx="15"/>
+          </p:nvPr>
+        </p:nvSpPr>
+        <p:spPr>
+          <a:xfrm>
+            <a:off x="1494790" y="6332220"/>
+            <a:ext cx="1497330" cy="247651"/>
+          </a:xfrm>
+        </p:spPr>
+        <p:txBody>
+          <a:bodyPr rtlCol="0"/>
+          <a:lstStyle/>
+          <a:p>
+            <a:pPr rtl="0"/>
+            <a:r>
+              <a:rPr lang="it-IT"/>
+              <a:t>Progetto AMOD</a:t>
+            </a:r>
+          </a:p>
+        </p:txBody>
+      </p:sp>
+      <p:sp>
+        <p:nvSpPr>
+          <p:cNvPr id="5" name="Segnaposto data 4">
+            <a:extLst>
+              <a:ext uri="{FF2B5EF4-FFF2-40B4-BE49-F238E27FC236}">
+                <a16:creationId xmlns:a16="http://schemas.microsoft.com/office/drawing/2014/main" id="{2E803E71-3088-0347-9BCC-16ADB551CCC8}"/>
+              </a:ext>
+            </a:extLst>
+          </p:cNvPr>
+          <p:cNvSpPr>
+            <a:spLocks noGrp="1"/>
+          </p:cNvSpPr>
+          <p:nvPr>
+            <p:ph type="dt" sz="half" idx="14"/>
+          </p:nvPr>
+        </p:nvSpPr>
+        <p:spPr>
+          <a:xfrm>
+            <a:off x="2992120" y="6332220"/>
+            <a:ext cx="1313180" cy="247651"/>
+          </a:xfrm>
+        </p:spPr>
+        <p:txBody>
+          <a:bodyPr rtlCol="0"/>
+          <a:lstStyle/>
+          <a:p>
+            <a:pPr rtl="0"/>
+            <a:fld id="{B7909059-8104-4590-BD91-254A7C1B3A73}" type="datetime4">
+              <a:rPr lang="it-IT" smtClean="0"/>
+              <a:t>4 novembre 2022</a:t>
+            </a:fld>
+            <a:endParaRPr lang="it-IT"/>
+          </a:p>
+        </p:txBody>
+      </p:sp>
+      <p:sp>
+        <p:nvSpPr>
+          <p:cNvPr id="9" name="Rettangolo 8">
+            <a:extLst>
+              <a:ext uri="{FF2B5EF4-FFF2-40B4-BE49-F238E27FC236}">
+                <a16:creationId xmlns:a16="http://schemas.microsoft.com/office/drawing/2014/main" id="{363B121B-C9E0-E763-6002-869EDB48860A}"/>
+              </a:ext>
+            </a:extLst>
+          </p:cNvPr>
+          <p:cNvSpPr/>
+          <p:nvPr/>
+        </p:nvSpPr>
+        <p:spPr>
+          <a:xfrm>
+            <a:off x="9633527" y="3429000"/>
+            <a:ext cx="1902691" cy="1475509"/>
+          </a:xfrm>
+          <a:prstGeom prst="rect">
+            <a:avLst/>
+          </a:prstGeom>
+          <a:solidFill>
+            <a:schemeClr val="tx1"/>
+          </a:solidFill>
+          <a:ln>
+            <a:noFill/>
+          </a:ln>
+        </p:spPr>
+        <p:style>
+          <a:lnRef idx="2">
+            <a:schemeClr val="accent1">
+              <a:shade val="50000"/>
+            </a:schemeClr>
+          </a:lnRef>
+          <a:fillRef idx="1">
+            <a:schemeClr val="accent1"/>
+          </a:fillRef>
+          <a:effectRef idx="0">
+            <a:schemeClr val="accent1"/>
+          </a:effectRef>
+          <a:fontRef idx="minor">
+            <a:schemeClr val="lt1"/>
+          </a:fontRef>
+        </p:style>
+        <p:txBody>
+          <a:bodyPr rtlCol="0" anchor="ctr"/>
+          <a:lstStyle/>
+          <a:p>
+            <a:pPr algn="ctr"/>
+            <a:endParaRPr lang="it-IT"/>
+          </a:p>
+        </p:txBody>
+      </p:sp>
+      <p:sp>
+        <p:nvSpPr>
+          <p:cNvPr id="10" name="Rettangolo 9">
+            <a:extLst>
+              <a:ext uri="{FF2B5EF4-FFF2-40B4-BE49-F238E27FC236}">
+                <a16:creationId xmlns:a16="http://schemas.microsoft.com/office/drawing/2014/main" id="{BFDC280B-30C4-AE9E-791E-648D4C685D23}"/>
+              </a:ext>
+            </a:extLst>
+          </p:cNvPr>
+          <p:cNvSpPr/>
+          <p:nvPr/>
+        </p:nvSpPr>
+        <p:spPr>
+          <a:xfrm>
+            <a:off x="7325582" y="1625017"/>
+            <a:ext cx="1399605" cy="241321"/>
+          </a:xfrm>
+          <a:prstGeom prst="rect">
+            <a:avLst/>
+          </a:prstGeom>
+          <a:solidFill>
+            <a:schemeClr val="tx1"/>
+          </a:solidFill>
+          <a:ln>
+            <a:noFill/>
+          </a:ln>
+        </p:spPr>
+        <p:style>
+          <a:lnRef idx="2">
+            <a:schemeClr val="accent1">
+              <a:shade val="50000"/>
+            </a:schemeClr>
+          </a:lnRef>
+          <a:fillRef idx="1">
+            <a:schemeClr val="accent1"/>
+          </a:fillRef>
+          <a:effectRef idx="0">
+            <a:schemeClr val="accent1"/>
+          </a:effectRef>
+          <a:fontRef idx="minor">
+            <a:schemeClr val="lt1"/>
+          </a:fontRef>
+        </p:style>
+        <p:txBody>
+          <a:bodyPr rtlCol="0" anchor="ctr"/>
+          <a:lstStyle/>
+          <a:p>
+            <a:pPr algn="ctr"/>
+            <a:endParaRPr lang="it-IT"/>
+          </a:p>
+        </p:txBody>
+      </p:sp>
+      <p:sp>
+        <p:nvSpPr>
+          <p:cNvPr id="15" name="Rettangolo 14">
+            <a:extLst>
+              <a:ext uri="{FF2B5EF4-FFF2-40B4-BE49-F238E27FC236}">
+                <a16:creationId xmlns:a16="http://schemas.microsoft.com/office/drawing/2014/main" id="{15F267DF-C908-20C5-DB55-E5926E008385}"/>
+              </a:ext>
+            </a:extLst>
+          </p:cNvPr>
+          <p:cNvSpPr/>
+          <p:nvPr/>
+        </p:nvSpPr>
+        <p:spPr>
+          <a:xfrm>
+            <a:off x="9097874" y="3334510"/>
+            <a:ext cx="2752253" cy="2190938"/>
+          </a:xfrm>
+          <a:prstGeom prst="rect">
+            <a:avLst/>
+          </a:prstGeom>
+          <a:solidFill>
+            <a:schemeClr val="tx1"/>
+          </a:solidFill>
+          <a:ln>
+            <a:noFill/>
+          </a:ln>
+        </p:spPr>
+        <p:style>
+          <a:lnRef idx="2">
+            <a:schemeClr val="accent1">
+              <a:shade val="50000"/>
+            </a:schemeClr>
+          </a:lnRef>
+          <a:fillRef idx="1">
+            <a:schemeClr val="accent1"/>
+          </a:fillRef>
+          <a:effectRef idx="0">
+            <a:schemeClr val="accent1"/>
+          </a:effectRef>
+          <a:fontRef idx="minor">
+            <a:schemeClr val="lt1"/>
+          </a:fontRef>
+        </p:style>
+        <p:txBody>
+          <a:bodyPr rtlCol="0" anchor="ctr"/>
+          <a:lstStyle/>
+          <a:p>
+            <a:pPr algn="ctr"/>
+            <a:endParaRPr lang="it-IT"/>
+          </a:p>
+        </p:txBody>
+      </p:sp>
+      <p:sp>
+        <p:nvSpPr>
+          <p:cNvPr id="16" name="Rettangolo 15">
+            <a:extLst>
+              <a:ext uri="{FF2B5EF4-FFF2-40B4-BE49-F238E27FC236}">
+                <a16:creationId xmlns:a16="http://schemas.microsoft.com/office/drawing/2014/main" id="{85395377-150B-3B45-9A08-555E4688FB1B}"/>
+              </a:ext>
+            </a:extLst>
+          </p:cNvPr>
+          <p:cNvSpPr/>
+          <p:nvPr/>
+        </p:nvSpPr>
+        <p:spPr>
+          <a:xfrm>
+            <a:off x="6619240" y="1435164"/>
+            <a:ext cx="2417708" cy="382733"/>
+          </a:xfrm>
+          <a:prstGeom prst="rect">
+            <a:avLst/>
+          </a:prstGeom>
+          <a:solidFill>
+            <a:schemeClr val="tx1"/>
+          </a:solidFill>
+          <a:ln>
+            <a:noFill/>
+          </a:ln>
+        </p:spPr>
+        <p:style>
+          <a:lnRef idx="2">
+            <a:schemeClr val="accent1">
+              <a:shade val="50000"/>
+            </a:schemeClr>
+          </a:lnRef>
+          <a:fillRef idx="1">
+            <a:schemeClr val="accent1"/>
+          </a:fillRef>
+          <a:effectRef idx="0">
+            <a:schemeClr val="accent1"/>
+          </a:effectRef>
+          <a:fontRef idx="minor">
+            <a:schemeClr val="lt1"/>
+          </a:fontRef>
+        </p:style>
+        <p:txBody>
+          <a:bodyPr rtlCol="0" anchor="ctr"/>
+          <a:lstStyle/>
+          <a:p>
+            <a:pPr algn="ctr"/>
+            <a:endParaRPr lang="it-IT"/>
+          </a:p>
+        </p:txBody>
+      </p:sp>
+      <p:pic>
+        <p:nvPicPr>
+          <p:cNvPr id="8" name="Immagine 7">
+            <a:extLst>
+              <a:ext uri="{FF2B5EF4-FFF2-40B4-BE49-F238E27FC236}">
+                <a16:creationId xmlns:a16="http://schemas.microsoft.com/office/drawing/2014/main" id="{BB0D4019-7AAF-9F10-788B-A6F5BE22EF81}"/>
+              </a:ext>
+            </a:extLst>
+          </p:cNvPr>
+          <p:cNvPicPr>
+            <a:picLocks noChangeAspect="1"/>
+          </p:cNvPicPr>
+          <p:nvPr/>
+        </p:nvPicPr>
+        <p:blipFill>
+          <a:blip r:embed="rId3">
+            <a:extLst>
+              <a:ext uri="{28A0092B-C50C-407E-A947-70E740481C1C}">
+                <a14:useLocalDpi xmlns:a14="http://schemas.microsoft.com/office/drawing/2010/main" val="0"/>
+              </a:ext>
+            </a:extLst>
+          </a:blip>
+          <a:srcRect/>
+          <a:stretch/>
+        </p:blipFill>
+        <p:spPr>
+          <a:xfrm>
+            <a:off x="317128" y="3387315"/>
+            <a:ext cx="5675276" cy="2944903"/>
+          </a:xfrm>
+          <a:prstGeom prst="rect">
+            <a:avLst/>
+          </a:prstGeom>
+        </p:spPr>
+      </p:pic>
+      <p:pic>
+        <p:nvPicPr>
+          <p:cNvPr id="18" name="Immagine 17">
+            <a:extLst>
+              <a:ext uri="{FF2B5EF4-FFF2-40B4-BE49-F238E27FC236}">
+                <a16:creationId xmlns:a16="http://schemas.microsoft.com/office/drawing/2014/main" id="{FE882A1A-278C-5678-3C26-E1F3E99E9FC8}"/>
+              </a:ext>
+            </a:extLst>
+          </p:cNvPr>
+          <p:cNvPicPr>
+            <a:picLocks noChangeAspect="1"/>
+          </p:cNvPicPr>
+          <p:nvPr/>
+        </p:nvPicPr>
+        <p:blipFill>
+          <a:blip r:embed="rId4">
+            <a:extLst>
+              <a:ext uri="{28A0092B-C50C-407E-A947-70E740481C1C}">
+                <a14:useLocalDpi xmlns:a14="http://schemas.microsoft.com/office/drawing/2010/main" val="0"/>
+              </a:ext>
+            </a:extLst>
+          </a:blip>
+          <a:srcRect/>
+          <a:stretch/>
+        </p:blipFill>
+        <p:spPr>
+          <a:xfrm>
+            <a:off x="6096002" y="345444"/>
+            <a:ext cx="5675278" cy="2944903"/>
+          </a:xfrm>
+          <a:prstGeom prst="rect">
+            <a:avLst/>
+          </a:prstGeom>
+        </p:spPr>
+      </p:pic>
+      <p:pic>
+        <p:nvPicPr>
+          <p:cNvPr id="19" name="Immagine 18">
+            <a:extLst>
+              <a:ext uri="{FF2B5EF4-FFF2-40B4-BE49-F238E27FC236}">
+                <a16:creationId xmlns:a16="http://schemas.microsoft.com/office/drawing/2014/main" id="{4DFF176B-29B7-C52B-A338-957D3ECF4531}"/>
+              </a:ext>
+            </a:extLst>
+          </p:cNvPr>
+          <p:cNvPicPr>
+            <a:picLocks noChangeAspect="1"/>
+          </p:cNvPicPr>
+          <p:nvPr/>
+        </p:nvPicPr>
+        <p:blipFill>
+          <a:blip r:embed="rId5">
+            <a:extLst>
+              <a:ext uri="{28A0092B-C50C-407E-A947-70E740481C1C}">
+                <a14:useLocalDpi xmlns:a14="http://schemas.microsoft.com/office/drawing/2010/main" val="0"/>
+              </a:ext>
+            </a:extLst>
+          </a:blip>
+          <a:srcRect/>
+          <a:stretch/>
+        </p:blipFill>
+        <p:spPr>
+          <a:xfrm>
+            <a:off x="6096003" y="3387315"/>
+            <a:ext cx="5675276" cy="2944903"/>
+          </a:xfrm>
+          <a:prstGeom prst="rect">
+            <a:avLst/>
+          </a:prstGeom>
+        </p:spPr>
+      </p:pic>
+      <p:sp>
+        <p:nvSpPr>
+          <p:cNvPr id="20" name="Titolo 2">
+            <a:extLst>
+              <a:ext uri="{FF2B5EF4-FFF2-40B4-BE49-F238E27FC236}">
+                <a16:creationId xmlns:a16="http://schemas.microsoft.com/office/drawing/2014/main" id="{5A0959C4-B3F5-95EC-C191-38294EA9731D}"/>
+              </a:ext>
+            </a:extLst>
+          </p:cNvPr>
+          <p:cNvSpPr>
+            <a:spLocks noGrp="1"/>
+          </p:cNvSpPr>
+          <p:nvPr>
+            <p:ph type="title"/>
+          </p:nvPr>
+        </p:nvSpPr>
+        <p:spPr>
+          <a:xfrm>
+            <a:off x="581549" y="1014154"/>
+            <a:ext cx="4821141" cy="610863"/>
+          </a:xfrm>
+        </p:spPr>
+        <p:txBody>
+          <a:bodyPr rtlCol="0">
+            <a:normAutofit fontScale="90000"/>
+          </a:bodyPr>
+          <a:lstStyle/>
+          <a:p>
+            <a:r>
+              <a:rPr lang="it-IT" sz="3600"/>
+              <a:t>Confronto dei tempi di esecuzione</a:t>
+            </a:r>
+            <a:br>
+              <a:rPr lang="it-IT" sz="4400"/>
+            </a:br>
+            <a:r>
+              <a:rPr lang="it-IT" sz="1600" b="0"/>
+              <a:t>(con limite di tempo massimo pari a 60 sec.)</a:t>
+            </a:r>
+            <a:endParaRPr lang="it-IT" sz="1600" b="0" dirty="0"/>
+          </a:p>
+        </p:txBody>
+      </p:sp>
+      <p:sp>
+        <p:nvSpPr>
+          <p:cNvPr id="21" name="Titolo 2">
+            <a:extLst>
+              <a:ext uri="{FF2B5EF4-FFF2-40B4-BE49-F238E27FC236}">
+                <a16:creationId xmlns:a16="http://schemas.microsoft.com/office/drawing/2014/main" id="{1BCF1527-89BA-B71B-3CCF-FEA2A73CAB0F}"/>
+              </a:ext>
+            </a:extLst>
+          </p:cNvPr>
+          <p:cNvSpPr txBox="1">
+            <a:spLocks/>
+          </p:cNvSpPr>
+          <p:nvPr/>
+        </p:nvSpPr>
+        <p:spPr>
+          <a:xfrm>
+            <a:off x="581549" y="2290527"/>
+            <a:ext cx="4307322" cy="999822"/>
+          </a:xfrm>
+          <a:prstGeom prst="rect">
+            <a:avLst/>
+          </a:prstGeom>
+        </p:spPr>
+        <p:txBody>
+          <a:bodyPr vert="horz" lIns="0" tIns="0" rIns="0" bIns="0" rtlCol="0" anchor="b" anchorCtr="0">
+            <a:normAutofit fontScale="90000"/>
+          </a:bodyPr>
+          <a:lstStyle>
+            <a:lvl1pPr algn="l" defTabSz="914400" rtl="0" eaLnBrk="1" latinLnBrk="0" hangingPunct="1">
+              <a:lnSpc>
+                <a:spcPct val="90000"/>
+              </a:lnSpc>
+              <a:spcBef>
+                <a:spcPct val="0"/>
+              </a:spcBef>
+              <a:buNone/>
+              <a:defRPr sz="4400" b="1" i="0" kern="1200" spc="100" baseline="0">
+                <a:solidFill>
+                  <a:schemeClr val="bg1"/>
+                </a:solidFill>
+                <a:latin typeface="+mj-lt"/>
+                <a:ea typeface="+mj-ea"/>
+                <a:cs typeface="+mj-cs"/>
+              </a:defRPr>
+            </a:lvl1pPr>
+            <a:lvl2pPr eaLnBrk="1" hangingPunct="1">
+              <a:defRPr>
+                <a:solidFill>
+                  <a:schemeClr val="tx2"/>
+                </a:solidFill>
+              </a:defRPr>
+            </a:lvl2pPr>
+            <a:lvl3pPr eaLnBrk="1" hangingPunct="1">
+              <a:defRPr>
+                <a:solidFill>
+                  <a:schemeClr val="tx2"/>
+                </a:solidFill>
+              </a:defRPr>
+            </a:lvl3pPr>
+            <a:lvl4pPr eaLnBrk="1" hangingPunct="1">
+              <a:defRPr>
+                <a:solidFill>
+                  <a:schemeClr val="tx2"/>
+                </a:solidFill>
+              </a:defRPr>
+            </a:lvl4pPr>
+            <a:lvl5pPr eaLnBrk="1" hangingPunct="1">
+              <a:defRPr>
+                <a:solidFill>
+                  <a:schemeClr val="tx2"/>
+                </a:solidFill>
+              </a:defRPr>
+            </a:lvl5pPr>
+            <a:lvl6pPr eaLnBrk="1" hangingPunct="1">
+              <a:defRPr>
+                <a:solidFill>
+                  <a:schemeClr val="tx2"/>
+                </a:solidFill>
+              </a:defRPr>
+            </a:lvl6pPr>
+            <a:lvl7pPr eaLnBrk="1" hangingPunct="1">
+              <a:defRPr>
+                <a:solidFill>
+                  <a:schemeClr val="tx2"/>
+                </a:solidFill>
+              </a:defRPr>
+            </a:lvl7pPr>
+            <a:lvl8pPr eaLnBrk="1" hangingPunct="1">
+              <a:defRPr>
+                <a:solidFill>
+                  <a:schemeClr val="tx2"/>
+                </a:solidFill>
+              </a:defRPr>
+            </a:lvl8pPr>
+            <a:lvl9pPr eaLnBrk="1" hangingPunct="1">
+              <a:defRPr>
+                <a:solidFill>
+                  <a:schemeClr val="tx2"/>
+                </a:solidFill>
+              </a:defRPr>
+            </a:lvl9pPr>
+          </a:lstStyle>
+          <a:p>
+            <a:r>
+              <a:rPr lang="it-IT" sz="1600">
+                <a:latin typeface="Franklin Gothic Book (Corpo)"/>
+              </a:rPr>
+              <a:t>Release dates distribution: </a:t>
+            </a:r>
+          </a:p>
+          <a:p>
+            <a:r>
+              <a:rPr lang="it-IT" sz="1600" b="0" i="1">
+                <a:latin typeface="Franklin Gothic Book (Corpo)"/>
+              </a:rPr>
+              <a:t>High variance</a:t>
+            </a:r>
+          </a:p>
+          <a:p>
+            <a:endParaRPr lang="it-IT" sz="1600">
+              <a:latin typeface="Franklin Gothic Book (Corpo)"/>
+            </a:endParaRPr>
+          </a:p>
+          <a:p>
+            <a:r>
+              <a:rPr lang="it-IT" sz="1600">
+                <a:latin typeface="Franklin Gothic Book (Corpo)"/>
+              </a:rPr>
+              <a:t>Processing times distribution:</a:t>
+            </a:r>
+          </a:p>
+          <a:p>
+            <a:r>
+              <a:rPr lang="it-IT" sz="1600" b="0" i="1">
+                <a:latin typeface="Franklin Gothic Book (Corpo)"/>
+              </a:rPr>
+              <a:t>Low variance (1), Uniform (2), High Variance (3)</a:t>
+            </a:r>
+            <a:endParaRPr lang="it-IT" sz="1600" b="0" dirty="0">
+              <a:latin typeface="Franklin Gothic Book (Corpo)"/>
+            </a:endParaRPr>
+          </a:p>
+        </p:txBody>
+      </p:sp>
+      <p:pic>
+        <p:nvPicPr>
+          <p:cNvPr id="23" name="Elemento grafico 22" descr="Badge contorno">
+            <a:extLst>
+              <a:ext uri="{FF2B5EF4-FFF2-40B4-BE49-F238E27FC236}">
+                <a16:creationId xmlns:a16="http://schemas.microsoft.com/office/drawing/2014/main" id="{FBCA73AF-6B8B-EC2F-5E4F-36DCFBC52E96}"/>
+              </a:ext>
+            </a:extLst>
+          </p:cNvPr>
+          <p:cNvPicPr>
+            <a:picLocks noChangeAspect="1"/>
+          </p:cNvPicPr>
+          <p:nvPr/>
+        </p:nvPicPr>
+        <p:blipFill>
+          <a:blip r:embed="rId6">
+            <a:extLst>
+              <a:ext uri="{28A0092B-C50C-407E-A947-70E740481C1C}">
+                <a14:useLocalDpi xmlns:a14="http://schemas.microsoft.com/office/drawing/2010/main" val="0"/>
+              </a:ext>
+              <a:ext uri="{96DAC541-7B7A-43D3-8B79-37D633B846F1}">
+                <asvg:svgBlip xmlns:asvg="http://schemas.microsoft.com/office/drawing/2016/SVG/main" r:embed="rId7"/>
+              </a:ext>
+            </a:extLst>
+          </a:blip>
+          <a:stretch>
+            <a:fillRect/>
+          </a:stretch>
+        </p:blipFill>
+        <p:spPr>
+          <a:xfrm>
+            <a:off x="611550" y="3806754"/>
+            <a:ext cx="360000" cy="360000"/>
+          </a:xfrm>
+          <a:prstGeom prst="rect">
+            <a:avLst/>
+          </a:prstGeom>
+        </p:spPr>
+      </p:pic>
+      <p:pic>
+        <p:nvPicPr>
+          <p:cNvPr id="25" name="Elemento grafico 24" descr="Badge 1 contorno">
+            <a:extLst>
+              <a:ext uri="{FF2B5EF4-FFF2-40B4-BE49-F238E27FC236}">
+                <a16:creationId xmlns:a16="http://schemas.microsoft.com/office/drawing/2014/main" id="{453B36AC-D346-5CBB-DB39-1CB9EB4CC0D3}"/>
+              </a:ext>
+            </a:extLst>
+          </p:cNvPr>
+          <p:cNvPicPr>
+            <a:picLocks noChangeAspect="1"/>
+          </p:cNvPicPr>
+          <p:nvPr/>
+        </p:nvPicPr>
+        <p:blipFill>
+          <a:blip r:embed="rId8">
+            <a:extLst>
+              <a:ext uri="{28A0092B-C50C-407E-A947-70E740481C1C}">
+                <a14:useLocalDpi xmlns:a14="http://schemas.microsoft.com/office/drawing/2010/main" val="0"/>
+              </a:ext>
+              <a:ext uri="{96DAC541-7B7A-43D3-8B79-37D633B846F1}">
+                <asvg:svgBlip xmlns:asvg="http://schemas.microsoft.com/office/drawing/2016/SVG/main" r:embed="rId9"/>
+              </a:ext>
+            </a:extLst>
+          </a:blip>
+          <a:stretch>
+            <a:fillRect/>
+          </a:stretch>
+        </p:blipFill>
+        <p:spPr>
+          <a:xfrm>
+            <a:off x="6439240" y="795358"/>
+            <a:ext cx="360000" cy="360000"/>
+          </a:xfrm>
+          <a:prstGeom prst="rect">
+            <a:avLst/>
+          </a:prstGeom>
+        </p:spPr>
+      </p:pic>
+      <p:pic>
+        <p:nvPicPr>
+          <p:cNvPr id="27" name="Elemento grafico 26" descr="Badge 3 contorno">
+            <a:extLst>
+              <a:ext uri="{FF2B5EF4-FFF2-40B4-BE49-F238E27FC236}">
+                <a16:creationId xmlns:a16="http://schemas.microsoft.com/office/drawing/2014/main" id="{54BB3858-9BE8-753B-E511-F16D4BD396A8}"/>
+              </a:ext>
+            </a:extLst>
+          </p:cNvPr>
+          <p:cNvPicPr>
+            <a:picLocks noChangeAspect="1"/>
+          </p:cNvPicPr>
+          <p:nvPr/>
+        </p:nvPicPr>
+        <p:blipFill>
+          <a:blip r:embed="rId10">
+            <a:extLst>
+              <a:ext uri="{28A0092B-C50C-407E-A947-70E740481C1C}">
+                <a14:useLocalDpi xmlns:a14="http://schemas.microsoft.com/office/drawing/2010/main" val="0"/>
+              </a:ext>
+              <a:ext uri="{96DAC541-7B7A-43D3-8B79-37D633B846F1}">
+                <asvg:svgBlip xmlns:asvg="http://schemas.microsoft.com/office/drawing/2016/SVG/main" r:embed="rId11"/>
+              </a:ext>
+            </a:extLst>
+          </a:blip>
+          <a:stretch>
+            <a:fillRect/>
+          </a:stretch>
+        </p:blipFill>
+        <p:spPr>
+          <a:xfrm>
+            <a:off x="6439240" y="3788291"/>
+            <a:ext cx="360000" cy="360000"/>
+          </a:xfrm>
+          <a:prstGeom prst="rect">
+            <a:avLst/>
+          </a:prstGeom>
+        </p:spPr>
+      </p:pic>
+    </p:spTree>
+    <p:extLst>
+      <p:ext uri="{BB962C8B-B14F-4D97-AF65-F5344CB8AC3E}">
+        <p14:creationId xmlns:p14="http://schemas.microsoft.com/office/powerpoint/2010/main" val="3753465050"/>
+      </p:ext>
+    </p:extLst>
+  </p:cSld>
+  <p:clrMapOvr>
+    <a:masterClrMapping/>
+  </p:clrMapOvr>
+  <mc:AlternateContent xmlns:mc="http://schemas.openxmlformats.org/markup-compatibility/2006">
+    <mc:Choice xmlns:p14="http://schemas.microsoft.com/office/powerpoint/2010/main" Requires="p14">
+      <p:transition spd="med" p14:dur="700">
+        <p:fade/>
+      </p:transition>
+    </mc:Choice>
+    <mc:Fallback>
+      <p:transition spd="med">
+        <p:fade/>
+      </p:transition>
+    </mc:Fallback>
+  </mc:AlternateContent>
+</p:sld>
+</file>
+
+<file path=ppt/slides/slide17.xml><?xml version="1.0" encoding="utf-8"?>
+<p:sld xmlns:a="http://schemas.openxmlformats.org/drawingml/2006/main" xmlns:r="http://schemas.openxmlformats.org/officeDocument/2006/relationships" xmlns:p="http://schemas.openxmlformats.org/presentationml/2006/main">
+  <p:cSld>
+    <p:spTree>
+      <p:nvGrpSpPr>
+        <p:cNvPr id="1" name=""/>
+        <p:cNvGrpSpPr/>
+        <p:nvPr/>
+      </p:nvGrpSpPr>
+      <p:grpSpPr>
+        <a:xfrm>
+          <a:off x="0" y="0"/>
+          <a:ext cx="0" cy="0"/>
+          <a:chOff x="0" y="0"/>
+          <a:chExt cx="0" cy="0"/>
+        </a:xfrm>
+      </p:grpSpPr>
+      <p:sp>
+        <p:nvSpPr>
+          <p:cNvPr id="3" name="Titolo 2">
+            <a:extLst>
+              <a:ext uri="{FF2B5EF4-FFF2-40B4-BE49-F238E27FC236}">
+                <a16:creationId xmlns:a16="http://schemas.microsoft.com/office/drawing/2014/main" id="{1353F689-2E51-BF4F-AE47-7CEB7CC4C52A}"/>
+              </a:ext>
+            </a:extLst>
+          </p:cNvPr>
+          <p:cNvSpPr>
+            <a:spLocks noGrp="1"/>
+          </p:cNvSpPr>
+          <p:nvPr>
+            <p:ph type="title"/>
+          </p:nvPr>
+        </p:nvSpPr>
+        <p:spPr>
+          <a:xfrm>
+            <a:off x="964023" y="879063"/>
+            <a:ext cx="8333886" cy="610863"/>
+          </a:xfrm>
+        </p:spPr>
+        <p:txBody>
+          <a:bodyPr rtlCol="0">
+            <a:normAutofit fontScale="90000"/>
+          </a:bodyPr>
+          <a:lstStyle/>
+          <a:p>
+            <a:r>
+              <a:rPr lang="it-IT" sz="4400"/>
+              <a:t>Istanze interrotte</a:t>
+            </a:r>
+            <a:br>
+              <a:rPr lang="it-IT" sz="4400"/>
+            </a:br>
+            <a:r>
+              <a:rPr lang="it-IT" sz="2000"/>
+              <a:t>(con limite di tempo massimo pari a 60 sec.)</a:t>
+            </a:r>
+            <a:endParaRPr lang="it-IT" sz="2000" dirty="0"/>
+          </a:p>
+        </p:txBody>
+      </p:sp>
+      <p:sp>
+        <p:nvSpPr>
+          <p:cNvPr id="7" name="Segnaposto numero diapositiva 6">
+            <a:extLst>
+              <a:ext uri="{FF2B5EF4-FFF2-40B4-BE49-F238E27FC236}">
+                <a16:creationId xmlns:a16="http://schemas.microsoft.com/office/drawing/2014/main" id="{F37669F0-EA6D-6B46-AF0E-A9C2D1F223DB}"/>
+              </a:ext>
+            </a:extLst>
+          </p:cNvPr>
+          <p:cNvSpPr>
+            <a:spLocks noGrp="1"/>
+          </p:cNvSpPr>
+          <p:nvPr>
+            <p:ph type="sldNum" sz="quarter" idx="16"/>
+          </p:nvPr>
+        </p:nvSpPr>
+        <p:spPr>
+          <a:xfrm>
+            <a:off x="971550" y="6332220"/>
+            <a:ext cx="523240" cy="247651"/>
+          </a:xfrm>
+        </p:spPr>
+        <p:txBody>
+          <a:bodyPr rtlCol="0"/>
+          <a:lstStyle/>
+          <a:p>
+            <a:pPr rtl="0"/>
+            <a:fld id="{294A09A9-5501-47C1-A89A-A340965A2BE2}" type="slidenum">
+              <a:rPr lang="it-IT" smtClean="0"/>
+              <a:pPr rtl="0"/>
+              <a:t>17</a:t>
+            </a:fld>
+            <a:endParaRPr lang="it-IT"/>
+          </a:p>
+        </p:txBody>
+      </p:sp>
+      <p:sp>
+        <p:nvSpPr>
+          <p:cNvPr id="6" name="Segnaposto piè di pagina 5">
+            <a:extLst>
+              <a:ext uri="{FF2B5EF4-FFF2-40B4-BE49-F238E27FC236}">
+                <a16:creationId xmlns:a16="http://schemas.microsoft.com/office/drawing/2014/main" id="{66F3960A-D260-8445-A153-0B674474CEBD}"/>
+              </a:ext>
+            </a:extLst>
+          </p:cNvPr>
+          <p:cNvSpPr>
+            <a:spLocks noGrp="1"/>
+          </p:cNvSpPr>
+          <p:nvPr>
+            <p:ph type="ftr" sz="quarter" idx="15"/>
+          </p:nvPr>
+        </p:nvSpPr>
+        <p:spPr>
+          <a:xfrm>
+            <a:off x="1494790" y="6332220"/>
+            <a:ext cx="1497330" cy="247651"/>
+          </a:xfrm>
+        </p:spPr>
+        <p:txBody>
+          <a:bodyPr rtlCol="0"/>
+          <a:lstStyle/>
+          <a:p>
+            <a:pPr rtl="0"/>
+            <a:r>
+              <a:rPr lang="it-IT"/>
+              <a:t>Progetto AMOD</a:t>
+            </a:r>
+          </a:p>
+        </p:txBody>
+      </p:sp>
+      <p:sp>
+        <p:nvSpPr>
+          <p:cNvPr id="5" name="Segnaposto data 4">
+            <a:extLst>
+              <a:ext uri="{FF2B5EF4-FFF2-40B4-BE49-F238E27FC236}">
+                <a16:creationId xmlns:a16="http://schemas.microsoft.com/office/drawing/2014/main" id="{2E803E71-3088-0347-9BCC-16ADB551CCC8}"/>
+              </a:ext>
+            </a:extLst>
+          </p:cNvPr>
+          <p:cNvSpPr>
+            <a:spLocks noGrp="1"/>
+          </p:cNvSpPr>
+          <p:nvPr>
+            <p:ph type="dt" sz="half" idx="14"/>
+          </p:nvPr>
+        </p:nvSpPr>
+        <p:spPr>
+          <a:xfrm>
+            <a:off x="2992120" y="6332220"/>
+            <a:ext cx="1313180" cy="247651"/>
+          </a:xfrm>
+        </p:spPr>
+        <p:txBody>
+          <a:bodyPr rtlCol="0"/>
+          <a:lstStyle/>
+          <a:p>
+            <a:pPr rtl="0"/>
+            <a:fld id="{B7909059-8104-4590-BD91-254A7C1B3A73}" type="datetime4">
+              <a:rPr lang="it-IT" smtClean="0"/>
+              <a:t>4 novembre 2022</a:t>
+            </a:fld>
+            <a:endParaRPr lang="it-IT"/>
+          </a:p>
+        </p:txBody>
+      </p:sp>
+      <p:sp>
+        <p:nvSpPr>
+          <p:cNvPr id="9" name="Rettangolo 8">
+            <a:extLst>
+              <a:ext uri="{FF2B5EF4-FFF2-40B4-BE49-F238E27FC236}">
+                <a16:creationId xmlns:a16="http://schemas.microsoft.com/office/drawing/2014/main" id="{363B121B-C9E0-E763-6002-869EDB48860A}"/>
+              </a:ext>
+            </a:extLst>
+          </p:cNvPr>
+          <p:cNvSpPr/>
+          <p:nvPr/>
+        </p:nvSpPr>
+        <p:spPr>
+          <a:xfrm>
+            <a:off x="9633527" y="3429000"/>
+            <a:ext cx="1902691" cy="1475509"/>
+          </a:xfrm>
+          <a:prstGeom prst="rect">
+            <a:avLst/>
+          </a:prstGeom>
+          <a:solidFill>
+            <a:schemeClr val="tx1"/>
+          </a:solidFill>
+          <a:ln>
+            <a:noFill/>
+          </a:ln>
+        </p:spPr>
+        <p:style>
+          <a:lnRef idx="2">
+            <a:schemeClr val="accent1">
+              <a:shade val="50000"/>
+            </a:schemeClr>
+          </a:lnRef>
+          <a:fillRef idx="1">
+            <a:schemeClr val="accent1"/>
+          </a:fillRef>
+          <a:effectRef idx="0">
+            <a:schemeClr val="accent1"/>
+          </a:effectRef>
+          <a:fontRef idx="minor">
+            <a:schemeClr val="lt1"/>
+          </a:fontRef>
+        </p:style>
+        <p:txBody>
+          <a:bodyPr rtlCol="0" anchor="ctr"/>
+          <a:lstStyle/>
+          <a:p>
+            <a:pPr algn="ctr"/>
+            <a:endParaRPr lang="it-IT"/>
+          </a:p>
+        </p:txBody>
+      </p:sp>
+      <p:sp>
+        <p:nvSpPr>
+          <p:cNvPr id="10" name="Rettangolo 9">
+            <a:extLst>
+              <a:ext uri="{FF2B5EF4-FFF2-40B4-BE49-F238E27FC236}">
+                <a16:creationId xmlns:a16="http://schemas.microsoft.com/office/drawing/2014/main" id="{BFDC280B-30C4-AE9E-791E-648D4C685D23}"/>
+              </a:ext>
+            </a:extLst>
+          </p:cNvPr>
+          <p:cNvSpPr/>
+          <p:nvPr/>
+        </p:nvSpPr>
+        <p:spPr>
+          <a:xfrm>
+            <a:off x="7051964" y="1964936"/>
+            <a:ext cx="1593272" cy="324427"/>
+          </a:xfrm>
+          <a:prstGeom prst="rect">
+            <a:avLst/>
+          </a:prstGeom>
+          <a:solidFill>
+            <a:schemeClr val="tx1"/>
+          </a:solidFill>
+          <a:ln>
+            <a:noFill/>
+          </a:ln>
+        </p:spPr>
+        <p:style>
+          <a:lnRef idx="2">
+            <a:schemeClr val="accent1">
+              <a:shade val="50000"/>
+            </a:schemeClr>
+          </a:lnRef>
+          <a:fillRef idx="1">
+            <a:schemeClr val="accent1"/>
+          </a:fillRef>
+          <a:effectRef idx="0">
+            <a:schemeClr val="accent1"/>
+          </a:effectRef>
+          <a:fontRef idx="minor">
+            <a:schemeClr val="lt1"/>
+          </a:fontRef>
+        </p:style>
+        <p:txBody>
+          <a:bodyPr rtlCol="0" anchor="ctr"/>
+          <a:lstStyle/>
+          <a:p>
+            <a:pPr algn="ctr"/>
+            <a:endParaRPr lang="it-IT"/>
+          </a:p>
+        </p:txBody>
+      </p:sp>
+      <p:sp>
+        <p:nvSpPr>
+          <p:cNvPr id="15" name="Rettangolo 14">
+            <a:extLst>
+              <a:ext uri="{FF2B5EF4-FFF2-40B4-BE49-F238E27FC236}">
+                <a16:creationId xmlns:a16="http://schemas.microsoft.com/office/drawing/2014/main" id="{15F267DF-C908-20C5-DB55-E5926E008385}"/>
+              </a:ext>
+            </a:extLst>
+          </p:cNvPr>
+          <p:cNvSpPr/>
+          <p:nvPr/>
+        </p:nvSpPr>
+        <p:spPr>
+          <a:xfrm>
+            <a:off x="9097874" y="3334510"/>
+            <a:ext cx="2752253" cy="2190938"/>
+          </a:xfrm>
+          <a:prstGeom prst="rect">
+            <a:avLst/>
+          </a:prstGeom>
+          <a:solidFill>
+            <a:schemeClr val="tx1"/>
+          </a:solidFill>
+          <a:ln>
+            <a:noFill/>
+          </a:ln>
+        </p:spPr>
+        <p:style>
+          <a:lnRef idx="2">
+            <a:schemeClr val="accent1">
+              <a:shade val="50000"/>
+            </a:schemeClr>
+          </a:lnRef>
+          <a:fillRef idx="1">
+            <a:schemeClr val="accent1"/>
+          </a:fillRef>
+          <a:effectRef idx="0">
+            <a:schemeClr val="accent1"/>
+          </a:effectRef>
+          <a:fontRef idx="minor">
+            <a:schemeClr val="lt1"/>
+          </a:fontRef>
+        </p:style>
+        <p:txBody>
+          <a:bodyPr rtlCol="0" anchor="ctr"/>
+          <a:lstStyle/>
+          <a:p>
+            <a:pPr algn="ctr"/>
+            <a:endParaRPr lang="it-IT"/>
+          </a:p>
+        </p:txBody>
+      </p:sp>
+      <p:sp>
+        <p:nvSpPr>
+          <p:cNvPr id="16" name="Rettangolo 15">
+            <a:extLst>
+              <a:ext uri="{FF2B5EF4-FFF2-40B4-BE49-F238E27FC236}">
+                <a16:creationId xmlns:a16="http://schemas.microsoft.com/office/drawing/2014/main" id="{85395377-150B-3B45-9A08-555E4688FB1B}"/>
+              </a:ext>
+            </a:extLst>
+          </p:cNvPr>
+          <p:cNvSpPr/>
+          <p:nvPr/>
+        </p:nvSpPr>
+        <p:spPr>
+          <a:xfrm>
+            <a:off x="6345621" y="1726384"/>
+            <a:ext cx="2752253" cy="514538"/>
+          </a:xfrm>
+          <a:prstGeom prst="rect">
+            <a:avLst/>
+          </a:prstGeom>
+          <a:solidFill>
+            <a:schemeClr val="tx1"/>
+          </a:solidFill>
+          <a:ln>
+            <a:noFill/>
+          </a:ln>
+        </p:spPr>
+        <p:style>
+          <a:lnRef idx="2">
+            <a:schemeClr val="accent1">
+              <a:shade val="50000"/>
+            </a:schemeClr>
+          </a:lnRef>
+          <a:fillRef idx="1">
+            <a:schemeClr val="accent1"/>
+          </a:fillRef>
+          <a:effectRef idx="0">
+            <a:schemeClr val="accent1"/>
+          </a:effectRef>
+          <a:fontRef idx="minor">
+            <a:schemeClr val="lt1"/>
+          </a:fontRef>
+        </p:style>
+        <p:txBody>
+          <a:bodyPr rtlCol="0" anchor="ctr"/>
+          <a:lstStyle/>
+          <a:p>
+            <a:pPr algn="ctr"/>
+            <a:endParaRPr lang="it-IT"/>
+          </a:p>
+        </p:txBody>
+      </p:sp>
+      <p:pic>
+        <p:nvPicPr>
+          <p:cNvPr id="8" name="Immagine 7">
+            <a:extLst>
+              <a:ext uri="{FF2B5EF4-FFF2-40B4-BE49-F238E27FC236}">
+                <a16:creationId xmlns:a16="http://schemas.microsoft.com/office/drawing/2014/main" id="{BB0D4019-7AAF-9F10-788B-A6F5BE22EF81}"/>
+              </a:ext>
+            </a:extLst>
+          </p:cNvPr>
+          <p:cNvPicPr>
+            <a:picLocks noChangeAspect="1"/>
+          </p:cNvPicPr>
+          <p:nvPr/>
+        </p:nvPicPr>
+        <p:blipFill>
+          <a:blip r:embed="rId3">
+            <a:extLst>
+              <a:ext uri="{28A0092B-C50C-407E-A947-70E740481C1C}">
+                <a14:useLocalDpi xmlns:a14="http://schemas.microsoft.com/office/drawing/2010/main" val="0"/>
+              </a:ext>
+            </a:extLst>
+          </a:blip>
+          <a:srcRect/>
+          <a:stretch/>
+        </p:blipFill>
+        <p:spPr>
+          <a:xfrm>
+            <a:off x="1929057" y="2127149"/>
+            <a:ext cx="8333885" cy="4260178"/>
+          </a:xfrm>
+          <a:prstGeom prst="rect">
+            <a:avLst/>
+          </a:prstGeom>
+        </p:spPr>
+      </p:pic>
+      <p:sp>
+        <p:nvSpPr>
+          <p:cNvPr id="2" name="Titolo 2">
+            <a:extLst>
+              <a:ext uri="{FF2B5EF4-FFF2-40B4-BE49-F238E27FC236}">
+                <a16:creationId xmlns:a16="http://schemas.microsoft.com/office/drawing/2014/main" id="{EB6A3271-D276-5DD2-3B17-9C16A8A52FA7}"/>
+              </a:ext>
+            </a:extLst>
+          </p:cNvPr>
+          <p:cNvSpPr txBox="1">
+            <a:spLocks/>
+          </p:cNvSpPr>
+          <p:nvPr/>
+        </p:nvSpPr>
+        <p:spPr>
+          <a:xfrm>
+            <a:off x="341873" y="2289363"/>
+            <a:ext cx="3339785" cy="1558749"/>
+          </a:xfrm>
+          <a:prstGeom prst="rect">
+            <a:avLst/>
+          </a:prstGeom>
+        </p:spPr>
+        <p:txBody>
+          <a:bodyPr vert="horz" lIns="0" tIns="0" rIns="0" bIns="0" rtlCol="0" anchor="b" anchorCtr="0">
+            <a:normAutofit fontScale="97500"/>
+          </a:bodyPr>
+          <a:lstStyle>
+            <a:lvl1pPr algn="l" defTabSz="914400" rtl="0" eaLnBrk="1" latinLnBrk="0" hangingPunct="1">
+              <a:lnSpc>
+                <a:spcPct val="90000"/>
+              </a:lnSpc>
+              <a:spcBef>
+                <a:spcPct val="0"/>
+              </a:spcBef>
+              <a:buNone/>
+              <a:defRPr sz="4400" b="1" i="0" kern="1200" spc="100" baseline="0">
+                <a:solidFill>
+                  <a:schemeClr val="bg1"/>
+                </a:solidFill>
+                <a:latin typeface="+mj-lt"/>
+                <a:ea typeface="+mj-ea"/>
+                <a:cs typeface="+mj-cs"/>
+              </a:defRPr>
+            </a:lvl1pPr>
+            <a:lvl2pPr eaLnBrk="1" hangingPunct="1">
+              <a:defRPr>
+                <a:solidFill>
+                  <a:schemeClr val="tx2"/>
+                </a:solidFill>
+              </a:defRPr>
+            </a:lvl2pPr>
+            <a:lvl3pPr eaLnBrk="1" hangingPunct="1">
+              <a:defRPr>
+                <a:solidFill>
+                  <a:schemeClr val="tx2"/>
+                </a:solidFill>
+              </a:defRPr>
+            </a:lvl3pPr>
+            <a:lvl4pPr eaLnBrk="1" hangingPunct="1">
+              <a:defRPr>
+                <a:solidFill>
+                  <a:schemeClr val="tx2"/>
+                </a:solidFill>
+              </a:defRPr>
+            </a:lvl4pPr>
+            <a:lvl5pPr eaLnBrk="1" hangingPunct="1">
+              <a:defRPr>
+                <a:solidFill>
+                  <a:schemeClr val="tx2"/>
+                </a:solidFill>
+              </a:defRPr>
+            </a:lvl5pPr>
+            <a:lvl6pPr eaLnBrk="1" hangingPunct="1">
+              <a:defRPr>
+                <a:solidFill>
+                  <a:schemeClr val="tx2"/>
+                </a:solidFill>
+              </a:defRPr>
+            </a:lvl6pPr>
+            <a:lvl7pPr eaLnBrk="1" hangingPunct="1">
+              <a:defRPr>
+                <a:solidFill>
+                  <a:schemeClr val="tx2"/>
+                </a:solidFill>
+              </a:defRPr>
+            </a:lvl7pPr>
+            <a:lvl8pPr eaLnBrk="1" hangingPunct="1">
+              <a:defRPr>
+                <a:solidFill>
+                  <a:schemeClr val="tx2"/>
+                </a:solidFill>
+              </a:defRPr>
+            </a:lvl8pPr>
+            <a:lvl9pPr eaLnBrk="1" hangingPunct="1">
+              <a:defRPr>
+                <a:solidFill>
+                  <a:schemeClr val="tx2"/>
+                </a:solidFill>
+              </a:defRPr>
+            </a:lvl9pPr>
+          </a:lstStyle>
+          <a:p>
+            <a:endParaRPr lang="it-IT" sz="2000" b="0" dirty="0">
+              <a:latin typeface="Franklin Gothic Book (Corpo)"/>
+            </a:endParaRPr>
+          </a:p>
+        </p:txBody>
+      </p:sp>
+    </p:spTree>
+    <p:extLst>
+      <p:ext uri="{BB962C8B-B14F-4D97-AF65-F5344CB8AC3E}">
+        <p14:creationId xmlns:p14="http://schemas.microsoft.com/office/powerpoint/2010/main" val="3661616829"/>
+      </p:ext>
+    </p:extLst>
+  </p:cSld>
+  <p:clrMapOvr>
+    <a:masterClrMapping/>
+  </p:clrMapOvr>
+  <mc:AlternateContent xmlns:mc="http://schemas.openxmlformats.org/markup-compatibility/2006">
+    <mc:Choice xmlns:p14="http://schemas.microsoft.com/office/powerpoint/2010/main" Requires="p14">
+      <p:transition spd="med" p14:dur="700">
+        <p:fade/>
+      </p:transition>
+    </mc:Choice>
+    <mc:Fallback>
+      <p:transition spd="med">
+        <p:fade/>
+      </p:transition>
+    </mc:Fallback>
+  </mc:AlternateContent>
+</p:sld>
+</file>
+
+<file path=ppt/slides/slide18.xml><?xml version="1.0" encoding="utf-8"?>
+<p:sld xmlns:a="http://schemas.openxmlformats.org/drawingml/2006/main" xmlns:r="http://schemas.openxmlformats.org/officeDocument/2006/relationships" xmlns:p="http://schemas.openxmlformats.org/presentationml/2006/main">
+  <p:cSld>
+    <p:spTree>
+      <p:nvGrpSpPr>
+        <p:cNvPr id="1" name=""/>
+        <p:cNvGrpSpPr/>
+        <p:nvPr/>
+      </p:nvGrpSpPr>
+      <p:grpSpPr>
+        <a:xfrm>
+          <a:off x="0" y="0"/>
+          <a:ext cx="0" cy="0"/>
+          <a:chOff x="0" y="0"/>
+          <a:chExt cx="0" cy="0"/>
+        </a:xfrm>
+      </p:grpSpPr>
+      <p:sp>
+        <p:nvSpPr>
+          <p:cNvPr id="3" name="Titolo 2">
+            <a:extLst>
+              <a:ext uri="{FF2B5EF4-FFF2-40B4-BE49-F238E27FC236}">
                 <a16:creationId xmlns:a16="http://schemas.microsoft.com/office/drawing/2014/main" id="{16BB149B-D9DC-4064-6BB5-50846052579D}"/>
               </a:ext>
             </a:extLst>
@@ -14982,7 +21413,7 @@
               <a:rPr lang="it-IT" noProof="0" smtClean="0">
                 <a:latin typeface="+mn-lt"/>
               </a:rPr>
-              <a:t>22 ottobre 2022</a:t>
+              <a:t>4 novembre 2022</a:t>
             </a:fld>
             <a:endParaRPr lang="it-IT" noProof="0" dirty="0">
               <a:latin typeface="+mn-lt"/>
@@ -15045,7 +21476,7 @@
             <a:fld id="{294A09A9-5501-47C1-A89A-A340965A2BE2}" type="slidenum">
               <a:rPr lang="it-IT" noProof="0" smtClean="0"/>
               <a:pPr rtl="0"/>
-              <a:t>10</a:t>
+              <a:t>18</a:t>
             </a:fld>
             <a:endParaRPr lang="it-IT" noProof="0" dirty="0"/>
           </a:p>
@@ -15121,7 +21552,7 @@
             <a:pPr marL="971550" lvl="1" indent="-285750"/>
             <a:r>
               <a:rPr lang="it-IT" sz="1800"/>
-              <a:t>Se ad un certo istante il prossimo job previsto non fosse ancora stato rilasciat, si attende </a:t>
+              <a:t>Se ad un certo istante il prossimo job previsto non fosse ancora stato rilasciato, si attende </a:t>
             </a:r>
             <a:r>
               <a:rPr lang="it-IT" sz="1800" i="1"/>
@@ -15179,10 +21610,613 @@
   <p:clrMapOvr>
     <a:masterClrMapping/>
   </p:clrMapOvr>
+  <mc:AlternateContent xmlns:mc="http://schemas.openxmlformats.org/markup-compatibility/2006">
+    <mc:Choice xmlns:p14="http://schemas.microsoft.com/office/powerpoint/2010/main" Requires="p14">
+      <p:transition spd="med" p14:dur="700">
+        <p:fade/>
+      </p:transition>
+    </mc:Choice>
+    <mc:Fallback>
+      <p:transition spd="med">
+        <p:fade/>
+      </p:transition>
+    </mc:Fallback>
+  </mc:AlternateContent>
 </p:sld>
 </file>
 
-<file path=ppt/slides/slide11.xml><?xml version="1.0" encoding="utf-8"?>
+<file path=ppt/slides/slide19.xml><?xml version="1.0" encoding="utf-8"?>
+<p:sld xmlns:a="http://schemas.openxmlformats.org/drawingml/2006/main" xmlns:r="http://schemas.openxmlformats.org/officeDocument/2006/relationships" xmlns:p="http://schemas.openxmlformats.org/presentationml/2006/main">
+  <p:cSld>
+    <p:bg>
+      <p:bgPr>
+        <a:solidFill>
+          <a:schemeClr val="accent6">
+            <a:lumMod val="60000"/>
+            <a:lumOff val="40000"/>
+          </a:schemeClr>
+        </a:solidFill>
+        <a:effectLst/>
+      </p:bgPr>
+    </p:bg>
+    <p:spTree>
+      <p:nvGrpSpPr>
+        <p:cNvPr id="1" name=""/>
+        <p:cNvGrpSpPr/>
+        <p:nvPr/>
+      </p:nvGrpSpPr>
+      <p:grpSpPr>
+        <a:xfrm>
+          <a:off x="0" y="0"/>
+          <a:ext cx="0" cy="0"/>
+          <a:chOff x="0" y="0"/>
+          <a:chExt cx="0" cy="0"/>
+        </a:xfrm>
+      </p:grpSpPr>
+      <p:sp>
+        <p:nvSpPr>
+          <p:cNvPr id="2" name="Titolo 1">
+            <a:extLst>
+              <a:ext uri="{FF2B5EF4-FFF2-40B4-BE49-F238E27FC236}">
+                <a16:creationId xmlns:a16="http://schemas.microsoft.com/office/drawing/2014/main" id="{51DF3D98-3C30-4CFC-8643-C81E829C8C25}"/>
+              </a:ext>
+            </a:extLst>
+          </p:cNvPr>
+          <p:cNvSpPr>
+            <a:spLocks noGrp="1"/>
+          </p:cNvSpPr>
+          <p:nvPr>
+            <p:ph type="title"/>
+          </p:nvPr>
+        </p:nvSpPr>
+        <p:spPr/>
+        <p:txBody>
+          <a:bodyPr rtlCol="0">
+            <a:normAutofit fontScale="90000"/>
+          </a:bodyPr>
+          <a:lstStyle/>
+          <a:p>
+            <a:pPr rtl="0"/>
+            <a:r>
+              <a:rPr lang="it-IT"/>
+              <a:t>Grazie dell’attenzione</a:t>
+            </a:r>
+          </a:p>
+        </p:txBody>
+      </p:sp>
+      <p:sp>
+        <p:nvSpPr>
+          <p:cNvPr id="9" name="Segnaposto testo 8">
+            <a:extLst>
+              <a:ext uri="{FF2B5EF4-FFF2-40B4-BE49-F238E27FC236}">
+                <a16:creationId xmlns:a16="http://schemas.microsoft.com/office/drawing/2014/main" id="{76767661-63CB-A645-82F2-3B860E338B67}"/>
+              </a:ext>
+            </a:extLst>
+          </p:cNvPr>
+          <p:cNvSpPr>
+            <a:spLocks noGrp="1"/>
+          </p:cNvSpPr>
+          <p:nvPr>
+            <p:ph type="body" sz="quarter" idx="11"/>
+          </p:nvPr>
+        </p:nvSpPr>
+        <p:spPr>
+          <a:xfrm>
+            <a:off x="6907623" y="4073480"/>
+            <a:ext cx="4914900" cy="588795"/>
+          </a:xfrm>
+        </p:spPr>
+        <p:txBody>
+          <a:bodyPr rtlCol="0"/>
+          <a:lstStyle/>
+          <a:p>
+            <a:pPr rtl="0"/>
+            <a:r>
+              <a:rPr lang="it-IT" b="1">
+                <a:solidFill>
+                  <a:schemeClr val="bg1"/>
+                </a:solidFill>
+              </a:rPr>
+              <a:t>Brinati Anastasia</a:t>
+            </a:r>
+          </a:p>
+          <a:p>
+            <a:pPr rtl="0"/>
+            <a:r>
+              <a:rPr lang="it-IT" b="1">
+                <a:solidFill>
+                  <a:schemeClr val="bg1"/>
+                </a:solidFill>
+              </a:rPr>
+              <a:t>Appetito Giulio</a:t>
+            </a:r>
+            <a:endParaRPr lang="it-IT">
+              <a:solidFill>
+                <a:schemeClr val="bg1"/>
+              </a:solidFill>
+            </a:endParaRPr>
+          </a:p>
+        </p:txBody>
+      </p:sp>
+    </p:spTree>
+    <p:extLst>
+      <p:ext uri="{BB962C8B-B14F-4D97-AF65-F5344CB8AC3E}">
+        <p14:creationId xmlns:p14="http://schemas.microsoft.com/office/powerpoint/2010/main" val="2336677316"/>
+      </p:ext>
+    </p:extLst>
+  </p:cSld>
+  <p:clrMapOvr>
+    <a:masterClrMapping/>
+  </p:clrMapOvr>
+  <mc:AlternateContent xmlns:mc="http://schemas.openxmlformats.org/markup-compatibility/2006">
+    <mc:Choice xmlns:p14="http://schemas.microsoft.com/office/powerpoint/2010/main" Requires="p14">
+      <p:transition spd="med" p14:dur="700">
+        <p:fade/>
+      </p:transition>
+    </mc:Choice>
+    <mc:Fallback>
+      <p:transition spd="med">
+        <p:fade/>
+      </p:transition>
+    </mc:Fallback>
+  </mc:AlternateContent>
+</p:sld>
+</file>
+
+<file path=ppt/slides/slide2.xml><?xml version="1.0" encoding="utf-8"?>
+<p:sld xmlns:a="http://schemas.openxmlformats.org/drawingml/2006/main" xmlns:r="http://schemas.openxmlformats.org/officeDocument/2006/relationships" xmlns:p="http://schemas.openxmlformats.org/presentationml/2006/main">
+  <p:cSld>
+    <p:bg>
+      <p:bgPr>
+        <a:solidFill>
+          <a:schemeClr val="accent6">
+            <a:lumMod val="60000"/>
+            <a:lumOff val="40000"/>
+          </a:schemeClr>
+        </a:solidFill>
+        <a:effectLst/>
+      </p:bgPr>
+    </p:bg>
+    <p:spTree>
+      <p:nvGrpSpPr>
+        <p:cNvPr id="1" name=""/>
+        <p:cNvGrpSpPr/>
+        <p:nvPr/>
+      </p:nvGrpSpPr>
+      <p:grpSpPr>
+        <a:xfrm>
+          <a:off x="0" y="0"/>
+          <a:ext cx="0" cy="0"/>
+          <a:chOff x="0" y="0"/>
+          <a:chExt cx="0" cy="0"/>
+        </a:xfrm>
+      </p:grpSpPr>
+      <p:sp>
+        <p:nvSpPr>
+          <p:cNvPr id="3" name="Titolo 2">
+            <a:extLst>
+              <a:ext uri="{FF2B5EF4-FFF2-40B4-BE49-F238E27FC236}">
+                <a16:creationId xmlns:a16="http://schemas.microsoft.com/office/drawing/2014/main" id="{1353F689-2E51-BF4F-AE47-7CEB7CC4C52A}"/>
+              </a:ext>
+            </a:extLst>
+          </p:cNvPr>
+          <p:cNvSpPr>
+            <a:spLocks noGrp="1"/>
+          </p:cNvSpPr>
+          <p:nvPr>
+            <p:ph type="title"/>
+          </p:nvPr>
+        </p:nvSpPr>
+        <p:spPr>
+          <a:noFill/>
+        </p:spPr>
+        <p:txBody>
+          <a:bodyPr rtlCol="0">
+            <a:normAutofit/>
+          </a:bodyPr>
+          <a:lstStyle/>
+          <a:p>
+            <a:pPr rtl="0"/>
+            <a:r>
+              <a:rPr lang="it-IT"/>
+              <a:t>Introduzione</a:t>
+            </a:r>
+            <a:endParaRPr lang="it-IT" dirty="0"/>
+          </a:p>
+        </p:txBody>
+      </p:sp>
+      <mc:AlternateContent xmlns:mc="http://schemas.openxmlformats.org/markup-compatibility/2006">
+        <mc:Choice xmlns:a14="http://schemas.microsoft.com/office/drawing/2010/main" Requires="a14">
+          <p:sp>
+            <p:nvSpPr>
+              <p:cNvPr id="4" name="Segnaposto testo 3">
+                <a:extLst>
+                  <a:ext uri="{FF2B5EF4-FFF2-40B4-BE49-F238E27FC236}">
+                    <a16:creationId xmlns:a16="http://schemas.microsoft.com/office/drawing/2014/main" id="{A17F80A9-6337-524E-AC61-32C5AFEE8E6D}"/>
+                  </a:ext>
+                </a:extLst>
+              </p:cNvPr>
+              <p:cNvSpPr>
+                <a:spLocks noGrp="1"/>
+              </p:cNvSpPr>
+              <p:nvPr>
+                <p:ph type="body" sz="quarter" idx="11"/>
+              </p:nvPr>
+            </p:nvSpPr>
+            <p:spPr>
+              <a:xfrm>
+                <a:off x="908364" y="2289363"/>
+                <a:ext cx="6554618" cy="1721322"/>
+              </a:xfrm>
+            </p:spPr>
+            <p:txBody>
+              <a:bodyPr rtlCol="0"/>
+              <a:lstStyle/>
+              <a:p>
+                <a:pPr marL="285750" indent="-285750" rtl="0">
+                  <a:buFont typeface="Arial" panose="020B0604020202020204" pitchFamily="34" charset="0"/>
+                  <a:buChar char="•"/>
+                </a:pPr>
+                <a:endParaRPr lang="it-IT"/>
+              </a:p>
+              <a:p>
+                <a:pPr marL="285750" indent="-285750" rtl="0">
+                  <a:buFont typeface="Arial" panose="020B0604020202020204" pitchFamily="34" charset="0"/>
+                  <a:buChar char="•"/>
+                </a:pPr>
+                <a:r>
+                  <a:rPr lang="it-IT"/>
+                  <a:t>Il problema affrontato nello studio è </a:t>
+                </a:r>
+                <a14:m>
+                  <m:oMath xmlns:m="http://schemas.openxmlformats.org/officeDocument/2006/math">
+                    <m:r>
+                      <a:rPr lang="it-IT" b="1" i="1" smtClean="0">
+                        <a:latin typeface="Cambria Math" panose="02040503050406030204" pitchFamily="18" charset="0"/>
+                      </a:rPr>
+                      <m:t>𝟏</m:t>
+                    </m:r>
+                    <m:d>
+                      <m:dPr>
+                        <m:begChr m:val="|"/>
+                        <m:endChr m:val="|"/>
+                        <m:ctrlPr>
+                          <a:rPr lang="it-IT" b="1" i="1" smtClean="0">
+                            <a:latin typeface="Cambria Math" panose="02040503050406030204" pitchFamily="18" charset="0"/>
+                          </a:rPr>
+                        </m:ctrlPr>
+                      </m:dPr>
+                      <m:e>
+                        <m:sSub>
+                          <m:sSubPr>
+                            <m:ctrlPr>
+                              <a:rPr lang="it-IT" b="1" i="1" smtClean="0">
+                                <a:latin typeface="Cambria Math" panose="02040503050406030204" pitchFamily="18" charset="0"/>
+                              </a:rPr>
+                            </m:ctrlPr>
+                          </m:sSubPr>
+                          <m:e>
+                            <m:r>
+                              <a:rPr lang="it-IT" b="1" i="1" smtClean="0">
+                                <a:latin typeface="Cambria Math" panose="02040503050406030204" pitchFamily="18" charset="0"/>
+                              </a:rPr>
+                              <m:t>𝒓</m:t>
+                            </m:r>
+                          </m:e>
+                          <m:sub>
+                            <m:r>
+                              <a:rPr lang="it-IT" b="1" i="1" smtClean="0">
+                                <a:latin typeface="Cambria Math" panose="02040503050406030204" pitchFamily="18" charset="0"/>
+                              </a:rPr>
+                              <m:t>𝒋</m:t>
+                            </m:r>
+                          </m:sub>
+                        </m:sSub>
+                      </m:e>
+                    </m:d>
+                    <m:nary>
+                      <m:naryPr>
+                        <m:chr m:val="∑"/>
+                        <m:supHide m:val="on"/>
+                        <m:ctrlPr>
+                          <a:rPr lang="it-IT" b="1" i="1" smtClean="0">
+                            <a:latin typeface="Cambria Math" panose="02040503050406030204" pitchFamily="18" charset="0"/>
+                          </a:rPr>
+                        </m:ctrlPr>
+                      </m:naryPr>
+                      <m:sub>
+                        <m:r>
+                          <a:rPr lang="it-IT" b="1" i="1" smtClean="0">
+                            <a:latin typeface="Cambria Math" panose="02040503050406030204" pitchFamily="18" charset="0"/>
+                          </a:rPr>
+                          <m:t>𝒋</m:t>
+                        </m:r>
+                      </m:sub>
+                      <m:sup/>
+                      <m:e>
+                        <m:sSub>
+                          <m:sSubPr>
+                            <m:ctrlPr>
+                              <a:rPr lang="it-IT" b="1" i="1" smtClean="0">
+                                <a:latin typeface="Cambria Math" panose="02040503050406030204" pitchFamily="18" charset="0"/>
+                              </a:rPr>
+                            </m:ctrlPr>
+                          </m:sSubPr>
+                          <m:e>
+                            <m:r>
+                              <a:rPr lang="it-IT" b="1" i="1" smtClean="0">
+                                <a:latin typeface="Cambria Math" panose="02040503050406030204" pitchFamily="18" charset="0"/>
+                              </a:rPr>
+                              <m:t>𝑪</m:t>
+                            </m:r>
+                          </m:e>
+                          <m:sub>
+                            <m:r>
+                              <a:rPr lang="it-IT" b="1" i="1" smtClean="0">
+                                <a:latin typeface="Cambria Math" panose="02040503050406030204" pitchFamily="18" charset="0"/>
+                              </a:rPr>
+                              <m:t>𝒋</m:t>
+                            </m:r>
+                            <m:r>
+                              <a:rPr lang="it-IT" b="1" i="1" smtClean="0">
+                                <a:latin typeface="Cambria Math" panose="02040503050406030204" pitchFamily="18" charset="0"/>
+                              </a:rPr>
+                              <m:t> </m:t>
+                            </m:r>
+                          </m:sub>
+                        </m:sSub>
+                      </m:e>
+                    </m:nary>
+                  </m:oMath>
+                </a14:m>
+                <a:r>
+                  <a:rPr lang="it-IT"/>
+                  <a:t>,un problema di job scheduling su macchina singola</a:t>
+                </a:r>
+              </a:p>
+              <a:p>
+                <a:pPr marL="285750" indent="-285750" rtl="0">
+                  <a:buFont typeface="Arial" panose="020B0604020202020204" pitchFamily="34" charset="0"/>
+                  <a:buChar char="•"/>
+                </a:pPr>
+                <a:r>
+                  <a:rPr lang="it-IT"/>
+                  <a:t>Si ha un numero </a:t>
+                </a:r>
+                <a14:m>
+                  <m:oMath xmlns:m="http://schemas.openxmlformats.org/officeDocument/2006/math">
+                    <m:r>
+                      <a:rPr lang="it-IT" b="1" i="1" smtClean="0">
+                        <a:latin typeface="Cambria Math" panose="02040503050406030204" pitchFamily="18" charset="0"/>
+                      </a:rPr>
+                      <m:t>𝒏</m:t>
+                    </m:r>
+                    <m:r>
+                      <a:rPr lang="it-IT" b="0" i="1" smtClean="0">
+                        <a:latin typeface="Cambria Math" panose="02040503050406030204" pitchFamily="18" charset="0"/>
+                      </a:rPr>
+                      <m:t> </m:t>
+                    </m:r>
+                  </m:oMath>
+                </a14:m>
+                <a:r>
+                  <a:rPr lang="it-IT"/>
+                  <a:t>di jobs, ognuno con un dato processing time </a:t>
+                </a:r>
+                <a14:m>
+                  <m:oMath xmlns:m="http://schemas.openxmlformats.org/officeDocument/2006/math">
+                    <m:r>
+                      <a:rPr lang="it-IT" b="1" i="1" smtClean="0">
+                        <a:latin typeface="Cambria Math" panose="02040503050406030204" pitchFamily="18" charset="0"/>
+                      </a:rPr>
+                      <m:t>𝒑</m:t>
+                    </m:r>
+                  </m:oMath>
+                </a14:m>
+                <a:r>
+                  <a:rPr lang="it-IT"/>
+                  <a:t> e release date </a:t>
+                </a:r>
+                <a14:m>
+                  <m:oMath xmlns:m="http://schemas.openxmlformats.org/officeDocument/2006/math">
+                    <m:r>
+                      <a:rPr lang="it-IT" b="1" i="1" smtClean="0">
+                        <a:latin typeface="Cambria Math" panose="02040503050406030204" pitchFamily="18" charset="0"/>
+                      </a:rPr>
+                      <m:t>𝒓</m:t>
+                    </m:r>
+                  </m:oMath>
+                </a14:m>
+                <a:endParaRPr lang="it-IT" b="1"/>
+              </a:p>
+              <a:p>
+                <a:pPr marL="285750" indent="-285750" rtl="0">
+                  <a:buFont typeface="Arial" panose="020B0604020202020204" pitchFamily="34" charset="0"/>
+                  <a:buChar char="•"/>
+                </a:pPr>
+                <a:r>
+                  <a:rPr lang="it-IT"/>
+                  <a:t>La funzione obiettivo riguarda la minimizzazione della somma dei tempi di completamento dei job</a:t>
+                </a:r>
+              </a:p>
+            </p:txBody>
+          </p:sp>
+        </mc:Choice>
+        <mc:Fallback>
+          <p:sp>
+            <p:nvSpPr>
+              <p:cNvPr id="4" name="Segnaposto testo 3">
+                <a:extLst>
+                  <a:ext uri="{FF2B5EF4-FFF2-40B4-BE49-F238E27FC236}">
+                    <a16:creationId xmlns:a16="http://schemas.microsoft.com/office/drawing/2014/main" id="{A17F80A9-6337-524E-AC61-32C5AFEE8E6D}"/>
+                  </a:ext>
+                </a:extLst>
+              </p:cNvPr>
+              <p:cNvSpPr>
+                <a:spLocks noGrp="1" noRot="1" noChangeAspect="1" noMove="1" noResize="1" noEditPoints="1" noAdjustHandles="1" noChangeArrowheads="1" noChangeShapeType="1" noTextEdit="1"/>
+              </p:cNvSpPr>
+              <p:nvPr>
+                <p:ph type="body" sz="quarter" idx="11"/>
+              </p:nvPr>
+            </p:nvSpPr>
+            <p:spPr>
+              <a:xfrm>
+                <a:off x="908364" y="2289363"/>
+                <a:ext cx="6554618" cy="1721322"/>
+              </a:xfrm>
+              <a:blipFill>
+                <a:blip r:embed="rId3"/>
+                <a:stretch>
+                  <a:fillRect l="-1767" t="-1773" r="-279" b="-31560"/>
+                </a:stretch>
+              </a:blipFill>
+            </p:spPr>
+            <p:txBody>
+              <a:bodyPr/>
+              <a:lstStyle/>
+              <a:p>
+                <a:r>
+                  <a:rPr lang="it-IT">
+                    <a:noFill/>
+                  </a:rPr>
+                  <a:t> </a:t>
+                </a:r>
+              </a:p>
+            </p:txBody>
+          </p:sp>
+        </mc:Fallback>
+      </mc:AlternateContent>
+      <p:sp>
+        <p:nvSpPr>
+          <p:cNvPr id="7" name="Segnaposto numero diapositiva 6">
+            <a:extLst>
+              <a:ext uri="{FF2B5EF4-FFF2-40B4-BE49-F238E27FC236}">
+                <a16:creationId xmlns:a16="http://schemas.microsoft.com/office/drawing/2014/main" id="{F37669F0-EA6D-6B46-AF0E-A9C2D1F223DB}"/>
+              </a:ext>
+            </a:extLst>
+          </p:cNvPr>
+          <p:cNvSpPr>
+            <a:spLocks noGrp="1"/>
+          </p:cNvSpPr>
+          <p:nvPr>
+            <p:ph type="sldNum" sz="quarter" idx="16"/>
+          </p:nvPr>
+        </p:nvSpPr>
+        <p:spPr>
+          <a:xfrm>
+            <a:off x="971550" y="6332220"/>
+            <a:ext cx="523240" cy="247651"/>
+          </a:xfrm>
+        </p:spPr>
+        <p:txBody>
+          <a:bodyPr rtlCol="0"/>
+          <a:lstStyle/>
+          <a:p>
+            <a:pPr rtl="0"/>
+            <a:fld id="{294A09A9-5501-47C1-A89A-A340965A2BE2}" type="slidenum">
+              <a:rPr lang="it-IT" smtClean="0"/>
+              <a:pPr rtl="0"/>
+              <a:t>2</a:t>
+            </a:fld>
+            <a:endParaRPr lang="it-IT"/>
+          </a:p>
+        </p:txBody>
+      </p:sp>
+      <p:sp>
+        <p:nvSpPr>
+          <p:cNvPr id="6" name="Segnaposto piè di pagina 5">
+            <a:extLst>
+              <a:ext uri="{FF2B5EF4-FFF2-40B4-BE49-F238E27FC236}">
+                <a16:creationId xmlns:a16="http://schemas.microsoft.com/office/drawing/2014/main" id="{66F3960A-D260-8445-A153-0B674474CEBD}"/>
+              </a:ext>
+            </a:extLst>
+          </p:cNvPr>
+          <p:cNvSpPr>
+            <a:spLocks noGrp="1"/>
+          </p:cNvSpPr>
+          <p:nvPr>
+            <p:ph type="ftr" sz="quarter" idx="15"/>
+          </p:nvPr>
+        </p:nvSpPr>
+        <p:spPr>
+          <a:xfrm>
+            <a:off x="1494790" y="6332220"/>
+            <a:ext cx="1497330" cy="247651"/>
+          </a:xfrm>
+        </p:spPr>
+        <p:txBody>
+          <a:bodyPr rtlCol="0"/>
+          <a:lstStyle/>
+          <a:p>
+            <a:pPr rtl="0"/>
+            <a:r>
+              <a:rPr lang="it-IT"/>
+              <a:t>Progetto AMOD</a:t>
+            </a:r>
+          </a:p>
+        </p:txBody>
+      </p:sp>
+      <p:sp>
+        <p:nvSpPr>
+          <p:cNvPr id="5" name="Segnaposto data 4">
+            <a:extLst>
+              <a:ext uri="{FF2B5EF4-FFF2-40B4-BE49-F238E27FC236}">
+                <a16:creationId xmlns:a16="http://schemas.microsoft.com/office/drawing/2014/main" id="{2E803E71-3088-0347-9BCC-16ADB551CCC8}"/>
+              </a:ext>
+            </a:extLst>
+          </p:cNvPr>
+          <p:cNvSpPr>
+            <a:spLocks noGrp="1"/>
+          </p:cNvSpPr>
+          <p:nvPr>
+            <p:ph type="dt" sz="half" idx="14"/>
+          </p:nvPr>
+        </p:nvSpPr>
+        <p:spPr>
+          <a:xfrm>
+            <a:off x="2992120" y="6332220"/>
+            <a:ext cx="1313180" cy="247651"/>
+          </a:xfrm>
+        </p:spPr>
+        <p:txBody>
+          <a:bodyPr rtlCol="0"/>
+          <a:lstStyle/>
+          <a:p>
+            <a:pPr rtl="0"/>
+            <a:fld id="{B7909059-8104-4590-BD91-254A7C1B3A73}" type="datetime4">
+              <a:rPr lang="it-IT" smtClean="0"/>
+              <a:t>4 novembre 2022</a:t>
+            </a:fld>
+            <a:endParaRPr lang="it-IT"/>
+          </a:p>
+        </p:txBody>
+      </p:sp>
+    </p:spTree>
+    <p:extLst>
+      <p:ext uri="{BB962C8B-B14F-4D97-AF65-F5344CB8AC3E}">
+        <p14:creationId xmlns:p14="http://schemas.microsoft.com/office/powerpoint/2010/main" val="3042089878"/>
+      </p:ext>
+    </p:extLst>
+  </p:cSld>
+  <p:clrMapOvr>
+    <a:masterClrMapping/>
+  </p:clrMapOvr>
+  <mc:AlternateContent xmlns:mc="http://schemas.openxmlformats.org/markup-compatibility/2006">
+    <mc:Choice xmlns:p14="http://schemas.microsoft.com/office/powerpoint/2010/main" Requires="p14">
+      <p:transition spd="med" p14:dur="700">
+        <p:fade/>
+      </p:transition>
+    </mc:Choice>
+    <mc:Fallback>
+      <p:transition spd="med">
+        <p:fade/>
+      </p:transition>
+    </mc:Fallback>
+  </mc:AlternateContent>
+</p:sld>
+</file>
+
+<file path=ppt/slides/slide20.xml><?xml version="1.0" encoding="utf-8"?>
 <p:sld xmlns:a="http://schemas.openxmlformats.org/drawingml/2006/main" xmlns:r="http://schemas.openxmlformats.org/officeDocument/2006/relationships" xmlns:p="http://schemas.openxmlformats.org/presentationml/2006/main">
   <p:cSld>
     <p:spTree>
@@ -15862,7 +22896,7 @@
             <a:fld id="{294A09A9-5501-47C1-A89A-A340965A2BE2}" type="slidenum">
               <a:rPr lang="it-IT" smtClean="0"/>
               <a:pPr rtl="0"/>
-              <a:t>11</a:t>
+              <a:t>20</a:t>
             </a:fld>
             <a:endParaRPr lang="it-IT"/>
           </a:p>
@@ -15931,7 +22965,7 @@
             <a:pPr rtl="0"/>
             <a:fld id="{A6876C87-0DF4-4D19-B43B-A477A8D5934C}" type="datetime4">
               <a:rPr lang="it-IT" smtClean="0"/>
-              <a:t>22 ottobre 2022</a:t>
+              <a:t>4 novembre 2022</a:t>
             </a:fld>
             <a:endParaRPr lang="it-IT"/>
           </a:p>
@@ -15947,10 +22981,22 @@
   <p:clrMapOvr>
     <a:masterClrMapping/>
   </p:clrMapOvr>
+  <mc:AlternateContent xmlns:mc="http://schemas.openxmlformats.org/markup-compatibility/2006">
+    <mc:Choice xmlns:p14="http://schemas.microsoft.com/office/powerpoint/2010/main" Requires="p14">
+      <p:transition spd="med" p14:dur="700">
+        <p:fade/>
+      </p:transition>
+    </mc:Choice>
+    <mc:Fallback>
+      <p:transition spd="med">
+        <p:fade/>
+      </p:transition>
+    </mc:Fallback>
+  </mc:AlternateContent>
 </p:sld>
 </file>
 
-<file path=ppt/slides/slide12.xml><?xml version="1.0" encoding="utf-8"?>
+<file path=ppt/slides/slide21.xml><?xml version="1.0" encoding="utf-8"?>
 <p:sld xmlns:a="http://schemas.openxmlformats.org/drawingml/2006/main" xmlns:r="http://schemas.openxmlformats.org/officeDocument/2006/relationships" xmlns:p="http://schemas.openxmlformats.org/presentationml/2006/main">
   <p:cSld>
     <p:spTree>
@@ -17387,7 +24433,7 @@
             <a:fld id="{294A09A9-5501-47C1-A89A-A340965A2BE2}" type="slidenum">
               <a:rPr lang="it-IT" smtClean="0"/>
               <a:pPr rtl="0"/>
-              <a:t>12</a:t>
+              <a:t>21</a:t>
             </a:fld>
             <a:endParaRPr lang="it-IT"/>
           </a:p>
@@ -17456,7 +24502,7 @@
             <a:pPr rtl="0"/>
             <a:fld id="{0A4F2767-5A6E-4CE1-9466-60A9FD38B915}" type="datetime4">
               <a:rPr lang="it-IT" smtClean="0"/>
-              <a:t>22 ottobre 2022</a:t>
+              <a:t>4 novembre 2022</a:t>
             </a:fld>
             <a:endParaRPr lang="it-IT"/>
           </a:p>
@@ -17472,10 +24518,22 @@
   <p:clrMapOvr>
     <a:masterClrMapping/>
   </p:clrMapOvr>
+  <mc:AlternateContent xmlns:mc="http://schemas.openxmlformats.org/markup-compatibility/2006">
+    <mc:Choice xmlns:p14="http://schemas.microsoft.com/office/powerpoint/2010/main" Requires="p14">
+      <p:transition spd="med" p14:dur="700">
+        <p:fade/>
+      </p:transition>
+    </mc:Choice>
+    <mc:Fallback>
+      <p:transition spd="med">
+        <p:fade/>
+      </p:transition>
+    </mc:Fallback>
+  </mc:AlternateContent>
 </p:sld>
 </file>
 
-<file path=ppt/slides/slide13.xml><?xml version="1.0" encoding="utf-8"?>
+<file path=ppt/slides/slide22.xml><?xml version="1.0" encoding="utf-8"?>
 <p:sld xmlns:a="http://schemas.openxmlformats.org/drawingml/2006/main" xmlns:r="http://schemas.openxmlformats.org/officeDocument/2006/relationships" xmlns:p="http://schemas.openxmlformats.org/presentationml/2006/main">
   <p:cSld>
     <p:spTree>
@@ -17547,10 +24605,22 @@
   <p:clrMapOvr>
     <a:masterClrMapping/>
   </p:clrMapOvr>
+  <mc:AlternateContent xmlns:mc="http://schemas.openxmlformats.org/markup-compatibility/2006">
+    <mc:Choice xmlns:p14="http://schemas.microsoft.com/office/powerpoint/2010/main" Requires="p14">
+      <p:transition spd="med" p14:dur="700">
+        <p:fade/>
+      </p:transition>
+    </mc:Choice>
+    <mc:Fallback>
+      <p:transition spd="med">
+        <p:fade/>
+      </p:transition>
+    </mc:Fallback>
+  </mc:AlternateContent>
 </p:sld>
 </file>
 
-<file path=ppt/slides/slide14.xml><?xml version="1.0" encoding="utf-8"?>
+<file path=ppt/slides/slide23.xml><?xml version="1.0" encoding="utf-8"?>
 <p:sld xmlns:a="http://schemas.openxmlformats.org/drawingml/2006/main" xmlns:r="http://schemas.openxmlformats.org/officeDocument/2006/relationships" xmlns:p="http://schemas.openxmlformats.org/presentationml/2006/main">
   <p:cSld>
     <p:spTree>
@@ -18061,7 +25131,7 @@
             <a:fld id="{294A09A9-5501-47C1-A89A-A340965A2BE2}" type="slidenum">
               <a:rPr lang="it-IT" smtClean="0"/>
               <a:pPr rtl="0"/>
-              <a:t>14</a:t>
+              <a:t>23</a:t>
             </a:fld>
             <a:endParaRPr lang="it-IT"/>
           </a:p>
@@ -18130,7 +25200,7 @@
             <a:pPr rtl="0"/>
             <a:fld id="{02F484EB-7C75-4C92-BF6F-0EA6345DD9AE}" type="datetime4">
               <a:rPr lang="it-IT" smtClean="0"/>
-              <a:t>22 ottobre 2022</a:t>
+              <a:t>4 novembre 2022</a:t>
             </a:fld>
             <a:endParaRPr lang="it-IT"/>
           </a:p>
@@ -18146,10 +25216,22 @@
   <p:clrMapOvr>
     <a:masterClrMapping/>
   </p:clrMapOvr>
+  <mc:AlternateContent xmlns:mc="http://schemas.openxmlformats.org/markup-compatibility/2006">
+    <mc:Choice xmlns:p14="http://schemas.microsoft.com/office/powerpoint/2010/main" Requires="p14">
+      <p:transition spd="med" p14:dur="700">
+        <p:fade/>
+      </p:transition>
+    </mc:Choice>
+    <mc:Fallback>
+      <p:transition spd="med">
+        <p:fade/>
+      </p:transition>
+    </mc:Fallback>
+  </mc:AlternateContent>
 </p:sld>
 </file>
 
-<file path=ppt/slides/slide15.xml><?xml version="1.0" encoding="utf-8"?>
+<file path=ppt/slides/slide24.xml><?xml version="1.0" encoding="utf-8"?>
 <p:sld xmlns:a="http://schemas.openxmlformats.org/drawingml/2006/main" xmlns:r="http://schemas.openxmlformats.org/officeDocument/2006/relationships" xmlns:p="http://schemas.openxmlformats.org/presentationml/2006/main">
   <p:cSld>
     <p:spTree>
@@ -18604,7 +25686,7 @@
             <a:fld id="{294A09A9-5501-47C1-A89A-A340965A2BE2}" type="slidenum">
               <a:rPr lang="it-IT" smtClean="0"/>
               <a:pPr rtl="0"/>
-              <a:t>15</a:t>
+              <a:t>24</a:t>
             </a:fld>
             <a:endParaRPr lang="it-IT"/>
           </a:p>
@@ -18673,7 +25755,7 @@
             <a:pPr rtl="0"/>
             <a:fld id="{6485A693-B538-4016-B2AD-9C857E455526}" type="datetime4">
               <a:rPr lang="it-IT" smtClean="0"/>
-              <a:t>22 ottobre 2022</a:t>
+              <a:t>4 novembre 2022</a:t>
             </a:fld>
             <a:endParaRPr lang="it-IT"/>
           </a:p>
@@ -18689,10 +25771,22 @@
   <p:clrMapOvr>
     <a:masterClrMapping/>
   </p:clrMapOvr>
+  <mc:AlternateContent xmlns:mc="http://schemas.openxmlformats.org/markup-compatibility/2006">
+    <mc:Choice xmlns:p14="http://schemas.microsoft.com/office/powerpoint/2010/main" Requires="p14">
+      <p:transition spd="med" p14:dur="700">
+        <p:fade/>
+      </p:transition>
+    </mc:Choice>
+    <mc:Fallback>
+      <p:transition spd="med">
+        <p:fade/>
+      </p:transition>
+    </mc:Fallback>
+  </mc:AlternateContent>
 </p:sld>
 </file>
 
-<file path=ppt/slides/slide16.xml><?xml version="1.0" encoding="utf-8"?>
+<file path=ppt/slides/slide25.xml><?xml version="1.0" encoding="utf-8"?>
 <p:sld xmlns:a="http://schemas.openxmlformats.org/drawingml/2006/main" xmlns:r="http://schemas.openxmlformats.org/officeDocument/2006/relationships" xmlns:p="http://schemas.openxmlformats.org/presentationml/2006/main">
   <p:cSld>
     <p:spTree>
@@ -18952,7 +26046,7 @@
             <a:fld id="{294A09A9-5501-47C1-A89A-A340965A2BE2}" type="slidenum">
               <a:rPr lang="it-IT" smtClean="0"/>
               <a:pPr algn="l" rtl="0"/>
-              <a:t>16</a:t>
+              <a:t>25</a:t>
             </a:fld>
             <a:endParaRPr lang="it-IT"/>
           </a:p>
@@ -19022,7 +26116,7 @@
             <a:pPr rtl="0"/>
             <a:fld id="{716013CD-BB09-48C5-9D54-AFC6DFBDB414}" type="datetime4">
               <a:rPr lang="it-IT" sz="1100" smtClean="0"/>
-              <a:t>22 ottobre 2022</a:t>
+              <a:t>4 novembre 2022</a:t>
             </a:fld>
             <a:endParaRPr lang="it-IT" sz="1100"/>
           </a:p>
@@ -19038,10 +26132,22 @@
   <p:clrMapOvr>
     <a:masterClrMapping/>
   </p:clrMapOvr>
+  <mc:AlternateContent xmlns:mc="http://schemas.openxmlformats.org/markup-compatibility/2006">
+    <mc:Choice xmlns:p14="http://schemas.microsoft.com/office/powerpoint/2010/main" Requires="p14">
+      <p:transition spd="med" p14:dur="700">
+        <p:fade/>
+      </p:transition>
+    </mc:Choice>
+    <mc:Fallback>
+      <p:transition spd="med">
+        <p:fade/>
+      </p:transition>
+    </mc:Fallback>
+  </mc:AlternateContent>
 </p:sld>
 </file>
 
-<file path=ppt/slides/slide17.xml><?xml version="1.0" encoding="utf-8"?>
+<file path=ppt/slides/slide26.xml><?xml version="1.0" encoding="utf-8"?>
 <p:sld xmlns:a="http://schemas.openxmlformats.org/drawingml/2006/main" xmlns:r="http://schemas.openxmlformats.org/officeDocument/2006/relationships" xmlns:p="http://schemas.openxmlformats.org/presentationml/2006/main">
   <p:cSld>
     <p:spTree>
@@ -19373,7 +26479,7 @@
             <a:fld id="{294A09A9-5501-47C1-A89A-A340965A2BE2}" type="slidenum">
               <a:rPr lang="it-IT" smtClean="0"/>
               <a:pPr algn="l" rtl="0"/>
-              <a:t>17</a:t>
+              <a:t>26</a:t>
             </a:fld>
             <a:endParaRPr lang="it-IT"/>
           </a:p>
@@ -19443,7 +26549,7 @@
             <a:pPr rtl="0"/>
             <a:fld id="{6FA8A17B-5266-4DF8-A231-E5939ACD3554}" type="datetime4">
               <a:rPr lang="it-IT" sz="1100" smtClean="0"/>
-              <a:t>22 ottobre 2022</a:t>
+              <a:t>4 novembre 2022</a:t>
             </a:fld>
             <a:endParaRPr lang="it-IT" sz="1100"/>
           </a:p>
@@ -19459,10 +26565,22 @@
   <p:clrMapOvr>
     <a:masterClrMapping/>
   </p:clrMapOvr>
+  <mc:AlternateContent xmlns:mc="http://schemas.openxmlformats.org/markup-compatibility/2006">
+    <mc:Choice xmlns:p14="http://schemas.microsoft.com/office/powerpoint/2010/main" Requires="p14">
+      <p:transition spd="med" p14:dur="700">
+        <p:fade/>
+      </p:transition>
+    </mc:Choice>
+    <mc:Fallback>
+      <p:transition spd="med">
+        <p:fade/>
+      </p:transition>
+    </mc:Fallback>
+  </mc:AlternateContent>
 </p:sld>
 </file>
 
-<file path=ppt/slides/slide18.xml><?xml version="1.0" encoding="utf-8"?>
+<file path=ppt/slides/slide27.xml><?xml version="1.0" encoding="utf-8"?>
 <p:sld xmlns:a="http://schemas.openxmlformats.org/drawingml/2006/main" xmlns:r="http://schemas.openxmlformats.org/officeDocument/2006/relationships" xmlns:p="http://schemas.openxmlformats.org/presentationml/2006/main">
   <p:cSld>
     <p:spTree>
@@ -19835,7 +26953,7 @@
             <a:fld id="{294A09A9-5501-47C1-A89A-A340965A2BE2}" type="slidenum">
               <a:rPr lang="it-IT" smtClean="0"/>
               <a:pPr rtl="0"/>
-              <a:t>18</a:t>
+              <a:t>27</a:t>
             </a:fld>
             <a:endParaRPr lang="it-IT"/>
           </a:p>
@@ -19904,7 +27022,7 @@
             <a:pPr rtl="0"/>
             <a:fld id="{A0829EB5-7920-4574-8D32-CEA0EB24B7CF}" type="datetime4">
               <a:rPr lang="it-IT" smtClean="0"/>
-              <a:t>22 ottobre 2022</a:t>
+              <a:t>4 novembre 2022</a:t>
             </a:fld>
             <a:endParaRPr lang="it-IT"/>
           </a:p>
@@ -19920,640 +27038,18 @@
   <p:clrMapOvr>
     <a:masterClrMapping/>
   </p:clrMapOvr>
-</p:sld>
-</file>
-
-<file path=ppt/slides/slide19.xml><?xml version="1.0" encoding="utf-8"?>
-<p:sld xmlns:a="http://schemas.openxmlformats.org/drawingml/2006/main" xmlns:r="http://schemas.openxmlformats.org/officeDocument/2006/relationships" xmlns:p="http://schemas.openxmlformats.org/presentationml/2006/main">
-  <p:cSld>
-    <p:spTree>
-      <p:nvGrpSpPr>
-        <p:cNvPr id="1" name=""/>
-        <p:cNvGrpSpPr/>
-        <p:nvPr/>
-      </p:nvGrpSpPr>
-      <p:grpSpPr>
-        <a:xfrm>
-          <a:off x="0" y="0"/>
-          <a:ext cx="0" cy="0"/>
-          <a:chOff x="0" y="0"/>
-          <a:chExt cx="0" cy="0"/>
-        </a:xfrm>
-      </p:grpSpPr>
-      <p:sp>
-        <p:nvSpPr>
-          <p:cNvPr id="2" name="Titolo 1">
-            <a:extLst>
-              <a:ext uri="{FF2B5EF4-FFF2-40B4-BE49-F238E27FC236}">
-                <a16:creationId xmlns:a16="http://schemas.microsoft.com/office/drawing/2014/main" id="{51DF3D98-3C30-4CFC-8643-C81E829C8C25}"/>
-              </a:ext>
-            </a:extLst>
-          </p:cNvPr>
-          <p:cNvSpPr>
-            <a:spLocks noGrp="1"/>
-          </p:cNvSpPr>
-          <p:nvPr>
-            <p:ph type="title"/>
-          </p:nvPr>
-        </p:nvSpPr>
-        <p:spPr/>
-        <p:txBody>
-          <a:bodyPr rtlCol="0"/>
-          <a:lstStyle/>
-          <a:p>
-            <a:pPr rtl="0"/>
-            <a:r>
-              <a:rPr lang="it-IT"/>
-              <a:t>Grazie</a:t>
-            </a:r>
-          </a:p>
-        </p:txBody>
-      </p:sp>
-      <p:sp>
-        <p:nvSpPr>
-          <p:cNvPr id="11" name="Sottotitolo 10">
-            <a:extLst>
-              <a:ext uri="{FF2B5EF4-FFF2-40B4-BE49-F238E27FC236}">
-                <a16:creationId xmlns:a16="http://schemas.microsoft.com/office/drawing/2014/main" id="{F0F25866-5DB1-334A-8037-692579FBDE39}"/>
-              </a:ext>
-            </a:extLst>
-          </p:cNvPr>
-          <p:cNvSpPr>
-            <a:spLocks noGrp="1"/>
-          </p:cNvSpPr>
-          <p:nvPr>
-            <p:ph type="subTitle" idx="1"/>
-          </p:nvPr>
-        </p:nvSpPr>
-        <p:spPr/>
-        <p:txBody>
-          <a:bodyPr rtlCol="0"/>
-          <a:lstStyle/>
-          <a:p>
-            <a:pPr rtl="0"/>
-            <a:r>
-              <a:rPr lang="it-IT"/>
-              <a:t>Grazie al vostro impegno e alla vostra spiccata etica professionale, sappiamo che il prossimo anno sarà ancora migliore dell'ultimo. </a:t>
-            </a:r>
-          </a:p>
-          <a:p>
-            <a:pPr rtl="0"/>
-            <a:r>
-              <a:rPr lang="it-IT"/>
-              <a:t>Non vediamo l'ora di lavorare insieme. </a:t>
-            </a:r>
-          </a:p>
-          <a:p>
-            <a:pPr rtl="0"/>
-            <a:endParaRPr lang="it-IT"/>
-          </a:p>
-        </p:txBody>
-      </p:sp>
-      <p:pic>
-        <p:nvPicPr>
-          <p:cNvPr id="13" name="Segnaposto immagine 12" descr="Ritratto di un membro del team">
-            <a:extLst>
-              <a:ext uri="{FF2B5EF4-FFF2-40B4-BE49-F238E27FC236}">
-                <a16:creationId xmlns:a16="http://schemas.microsoft.com/office/drawing/2014/main" id="{EC944911-7CDD-41CC-A7F0-5B0CF85D545C}"/>
-              </a:ext>
-              <a:ext uri="{C183D7F6-B498-43B3-948B-1728B52AA6E4}">
-                <adec:decorative xmlns:adec="http://schemas.microsoft.com/office/drawing/2017/decorative" val="0"/>
-              </a:ext>
-            </a:extLst>
-          </p:cNvPr>
-          <p:cNvPicPr>
-            <a:picLocks noGrp="1" noChangeAspect="1"/>
-          </p:cNvPicPr>
-          <p:nvPr>
-            <p:ph type="pic" sz="quarter" idx="13"/>
-          </p:nvPr>
-        </p:nvPicPr>
-        <p:blipFill>
-          <a:blip r:embed="rId3">
-            <a:extLst>
-              <a:ext uri="{28A0092B-C50C-407E-A947-70E740481C1C}">
-                <a14:useLocalDpi xmlns:a14="http://schemas.microsoft.com/office/drawing/2010/main" val="0"/>
-              </a:ext>
-            </a:extLst>
-          </a:blip>
-          <a:srcRect/>
-          <a:stretch>
-            <a:fillRect/>
-          </a:stretch>
-        </p:blipFill>
-        <p:spPr/>
-      </p:pic>
-      <p:sp>
-        <p:nvSpPr>
-          <p:cNvPr id="9" name="Segnaposto testo 8">
-            <a:extLst>
-              <a:ext uri="{FF2B5EF4-FFF2-40B4-BE49-F238E27FC236}">
-                <a16:creationId xmlns:a16="http://schemas.microsoft.com/office/drawing/2014/main" id="{76767661-63CB-A645-82F2-3B860E338B67}"/>
-              </a:ext>
-            </a:extLst>
-          </p:cNvPr>
-          <p:cNvSpPr>
-            <a:spLocks noGrp="1"/>
-          </p:cNvSpPr>
-          <p:nvPr>
-            <p:ph type="body" sz="quarter" idx="11"/>
-          </p:nvPr>
-        </p:nvSpPr>
-        <p:spPr/>
-        <p:txBody>
-          <a:bodyPr rtlCol="0"/>
-          <a:lstStyle/>
-          <a:p>
-            <a:pPr rtl="0"/>
-            <a:r>
-              <a:rPr lang="it-IT" b="1"/>
-              <a:t>Contoso  </a:t>
-            </a:r>
-            <a:r>
-              <a:rPr lang="it-IT"/>
-              <a:t>  </a:t>
-            </a:r>
-          </a:p>
-          <a:p>
-            <a:pPr rtl="0"/>
-            <a:r>
-              <a:rPr lang="it-IT"/>
-              <a:t>sales@contoso.com</a:t>
-            </a:r>
-          </a:p>
-        </p:txBody>
-      </p:sp>
-    </p:spTree>
-    <p:extLst>
-      <p:ext uri="{BB962C8B-B14F-4D97-AF65-F5344CB8AC3E}">
-        <p14:creationId xmlns:p14="http://schemas.microsoft.com/office/powerpoint/2010/main" val="2336677316"/>
-      </p:ext>
-    </p:extLst>
-  </p:cSld>
-  <p:clrMapOvr>
-    <a:masterClrMapping/>
-  </p:clrMapOvr>
-</p:sld>
-</file>
-
-<file path=ppt/slides/slide2.xml><?xml version="1.0" encoding="utf-8"?>
-<p:sld xmlns:a="http://schemas.openxmlformats.org/drawingml/2006/main" xmlns:r="http://schemas.openxmlformats.org/officeDocument/2006/relationships" xmlns:p="http://schemas.openxmlformats.org/presentationml/2006/main">
-  <p:cSld>
-    <p:spTree>
-      <p:nvGrpSpPr>
-        <p:cNvPr id="1" name=""/>
-        <p:cNvGrpSpPr/>
-        <p:nvPr/>
-      </p:nvGrpSpPr>
-      <p:grpSpPr>
-        <a:xfrm>
-          <a:off x="0" y="0"/>
-          <a:ext cx="0" cy="0"/>
-          <a:chOff x="0" y="0"/>
-          <a:chExt cx="0" cy="0"/>
-        </a:xfrm>
-      </p:grpSpPr>
-      <p:sp>
-        <p:nvSpPr>
-          <p:cNvPr id="3" name="Titolo 2">
-            <a:extLst>
-              <a:ext uri="{FF2B5EF4-FFF2-40B4-BE49-F238E27FC236}">
-                <a16:creationId xmlns:a16="http://schemas.microsoft.com/office/drawing/2014/main" id="{1353F689-2E51-BF4F-AE47-7CEB7CC4C52A}"/>
-              </a:ext>
-            </a:extLst>
-          </p:cNvPr>
-          <p:cNvSpPr>
-            <a:spLocks noGrp="1"/>
-          </p:cNvSpPr>
-          <p:nvPr>
-            <p:ph type="title"/>
-          </p:nvPr>
-        </p:nvSpPr>
-        <p:spPr/>
-        <p:txBody>
-          <a:bodyPr rtlCol="0"/>
-          <a:lstStyle/>
-          <a:p>
-            <a:pPr rtl="0"/>
-            <a:r>
-              <a:rPr lang="it-IT" dirty="0"/>
-              <a:t>Introduzione</a:t>
-            </a:r>
-          </a:p>
-        </p:txBody>
-      </p:sp>
-      <mc:AlternateContent xmlns:mc="http://schemas.openxmlformats.org/markup-compatibility/2006" xmlns:a14="http://schemas.microsoft.com/office/drawing/2010/main">
-        <mc:Choice Requires="a14">
-          <p:sp>
-            <p:nvSpPr>
-              <p:cNvPr id="4" name="Segnaposto testo 3">
-                <a:extLst>
-                  <a:ext uri="{FF2B5EF4-FFF2-40B4-BE49-F238E27FC236}">
-                    <a16:creationId xmlns:a16="http://schemas.microsoft.com/office/drawing/2014/main" id="{A17F80A9-6337-524E-AC61-32C5AFEE8E6D}"/>
-                  </a:ext>
-                </a:extLst>
-              </p:cNvPr>
-              <p:cNvSpPr>
-                <a:spLocks noGrp="1"/>
-              </p:cNvSpPr>
-              <p:nvPr>
-                <p:ph type="body" sz="quarter" idx="11"/>
-              </p:nvPr>
-            </p:nvSpPr>
-            <p:spPr/>
-            <p:txBody>
-              <a:bodyPr rtlCol="0"/>
-              <a:lstStyle/>
-              <a:p>
-                <a:pPr marL="285750" indent="-285750" rtl="0">
-                  <a:buFont typeface="Arial" panose="020B0604020202020204" pitchFamily="34" charset="0"/>
-                  <a:buChar char="•"/>
-                </a:pPr>
-                <a:r>
-                  <a:rPr lang="it-IT"/>
-                  <a:t>Il problema affrontato nello studio è </a:t>
-                </a:r>
-                <a14:m>
-                  <m:oMath xmlns:m="http://schemas.openxmlformats.org/officeDocument/2006/math">
-                    <m:r>
-                      <a:rPr lang="it-IT" b="1" i="1" smtClean="0">
-                        <a:latin typeface="Cambria Math" panose="02040503050406030204" pitchFamily="18" charset="0"/>
-                      </a:rPr>
-                      <m:t>𝟏</m:t>
-                    </m:r>
-                    <m:d>
-                      <m:dPr>
-                        <m:begChr m:val="|"/>
-                        <m:endChr m:val="|"/>
-                        <m:ctrlPr>
-                          <a:rPr lang="it-IT" b="1" i="1" smtClean="0">
-                            <a:latin typeface="Cambria Math" panose="02040503050406030204" pitchFamily="18" charset="0"/>
-                          </a:rPr>
-                        </m:ctrlPr>
-                      </m:dPr>
-                      <m:e>
-                        <m:sSub>
-                          <m:sSubPr>
-                            <m:ctrlPr>
-                              <a:rPr lang="it-IT" b="1" i="1" smtClean="0">
-                                <a:latin typeface="Cambria Math" panose="02040503050406030204" pitchFamily="18" charset="0"/>
-                              </a:rPr>
-                            </m:ctrlPr>
-                          </m:sSubPr>
-                          <m:e>
-                            <m:r>
-                              <a:rPr lang="it-IT" b="1" i="1" smtClean="0">
-                                <a:latin typeface="Cambria Math" panose="02040503050406030204" pitchFamily="18" charset="0"/>
-                              </a:rPr>
-                              <m:t>𝒓</m:t>
-                            </m:r>
-                          </m:e>
-                          <m:sub>
-                            <m:r>
-                              <a:rPr lang="it-IT" b="1" i="1" smtClean="0">
-                                <a:latin typeface="Cambria Math" panose="02040503050406030204" pitchFamily="18" charset="0"/>
-                              </a:rPr>
-                              <m:t>𝒋</m:t>
-                            </m:r>
-                          </m:sub>
-                        </m:sSub>
-                      </m:e>
-                    </m:d>
-                    <m:nary>
-                      <m:naryPr>
-                        <m:chr m:val="∑"/>
-                        <m:supHide m:val="on"/>
-                        <m:ctrlPr>
-                          <a:rPr lang="it-IT" b="1" i="1" smtClean="0">
-                            <a:latin typeface="Cambria Math" panose="02040503050406030204" pitchFamily="18" charset="0"/>
-                          </a:rPr>
-                        </m:ctrlPr>
-                      </m:naryPr>
-                      <m:sub>
-                        <m:r>
-                          <a:rPr lang="it-IT" b="1" i="1" smtClean="0">
-                            <a:latin typeface="Cambria Math" panose="02040503050406030204" pitchFamily="18" charset="0"/>
-                          </a:rPr>
-                          <m:t>𝒋</m:t>
-                        </m:r>
-                      </m:sub>
-                      <m:sup/>
-                      <m:e>
-                        <m:sSub>
-                          <m:sSubPr>
-                            <m:ctrlPr>
-                              <a:rPr lang="it-IT" b="1" i="1" smtClean="0">
-                                <a:latin typeface="Cambria Math" panose="02040503050406030204" pitchFamily="18" charset="0"/>
-                              </a:rPr>
-                            </m:ctrlPr>
-                          </m:sSubPr>
-                          <m:e>
-                            <m:r>
-                              <a:rPr lang="it-IT" b="1" i="1" smtClean="0">
-                                <a:latin typeface="Cambria Math" panose="02040503050406030204" pitchFamily="18" charset="0"/>
-                              </a:rPr>
-                              <m:t>𝑪</m:t>
-                            </m:r>
-                          </m:e>
-                          <m:sub>
-                            <m:r>
-                              <a:rPr lang="it-IT" b="1" i="1" smtClean="0">
-                                <a:latin typeface="Cambria Math" panose="02040503050406030204" pitchFamily="18" charset="0"/>
-                              </a:rPr>
-                              <m:t>𝒋</m:t>
-                            </m:r>
-                            <m:r>
-                              <a:rPr lang="it-IT" b="1" i="1" smtClean="0">
-                                <a:latin typeface="Cambria Math" panose="02040503050406030204" pitchFamily="18" charset="0"/>
-                              </a:rPr>
-                              <m:t> </m:t>
-                            </m:r>
-                          </m:sub>
-                        </m:sSub>
-                      </m:e>
-                    </m:nary>
-                  </m:oMath>
-                </a14:m>
-                <a:r>
-                  <a:rPr lang="it-IT"/>
-                  <a:t>,un problema di job scheduling su macchina singola</a:t>
-                </a:r>
-              </a:p>
-              <a:p>
-                <a:pPr marL="285750" indent="-285750" rtl="0">
-                  <a:buFont typeface="Arial" panose="020B0604020202020204" pitchFamily="34" charset="0"/>
-                  <a:buChar char="•"/>
-                </a:pPr>
-                <a:r>
-                  <a:rPr lang="it-IT"/>
-                  <a:t>Si ha un numero </a:t>
-                </a:r>
-                <a14:m>
-                  <m:oMath xmlns:m="http://schemas.openxmlformats.org/officeDocument/2006/math">
-                    <m:r>
-                      <a:rPr lang="it-IT" b="1" i="1" smtClean="0">
-                        <a:latin typeface="Cambria Math" panose="02040503050406030204" pitchFamily="18" charset="0"/>
-                      </a:rPr>
-                      <m:t>𝒏</m:t>
-                    </m:r>
-                    <m:r>
-                      <a:rPr lang="it-IT" b="0" i="1" smtClean="0">
-                        <a:latin typeface="Cambria Math" panose="02040503050406030204" pitchFamily="18" charset="0"/>
-                      </a:rPr>
-                      <m:t> </m:t>
-                    </m:r>
-                  </m:oMath>
-                </a14:m>
-                <a:r>
-                  <a:rPr lang="it-IT"/>
-                  <a:t>di jobs, ognuno con un dato processing time </a:t>
-                </a:r>
-                <a14:m>
-                  <m:oMath xmlns:m="http://schemas.openxmlformats.org/officeDocument/2006/math">
-                    <m:r>
-                      <a:rPr lang="it-IT" b="1" i="1" smtClean="0">
-                        <a:latin typeface="Cambria Math" panose="02040503050406030204" pitchFamily="18" charset="0"/>
-                      </a:rPr>
-                      <m:t>𝒑</m:t>
-                    </m:r>
-                  </m:oMath>
-                </a14:m>
-                <a:r>
-                  <a:rPr lang="it-IT"/>
-                  <a:t> e release date </a:t>
-                </a:r>
-                <a14:m>
-                  <m:oMath xmlns:m="http://schemas.openxmlformats.org/officeDocument/2006/math">
-                    <m:r>
-                      <a:rPr lang="it-IT" b="1" i="1" smtClean="0">
-                        <a:latin typeface="Cambria Math" panose="02040503050406030204" pitchFamily="18" charset="0"/>
-                      </a:rPr>
-                      <m:t>𝒓</m:t>
-                    </m:r>
-                  </m:oMath>
-                </a14:m>
-                <a:endParaRPr lang="it-IT" b="1"/>
-              </a:p>
-              <a:p>
-                <a:pPr marL="285750" indent="-285750" rtl="0">
-                  <a:buFont typeface="Arial" panose="020B0604020202020204" pitchFamily="34" charset="0"/>
-                  <a:buChar char="•"/>
-                </a:pPr>
-                <a:r>
-                  <a:rPr lang="it-IT"/>
-                  <a:t>La funzione obiettivo riguarda la minimizzazione della somma dei tempi di completamento dei job</a:t>
-                </a:r>
-              </a:p>
-              <a:p>
-                <a:pPr marL="285750" indent="-285750" rtl="0">
-                  <a:buFont typeface="Arial" panose="020B0604020202020204" pitchFamily="34" charset="0"/>
-                  <a:buChar char="•"/>
-                </a:pPr>
-                <a:endParaRPr lang="it-IT"/>
-              </a:p>
-              <a:p>
-                <a:pPr marL="285750" indent="-285750" rtl="0">
-                  <a:buFont typeface="Arial" panose="020B0604020202020204" pitchFamily="34" charset="0"/>
-                  <a:buChar char="•"/>
-                </a:pPr>
-                <a:endParaRPr lang="it-IT"/>
-              </a:p>
-              <a:p>
-                <a:pPr marL="285750" indent="-285750" rtl="0">
-                  <a:buFont typeface="Arial" panose="020B0604020202020204" pitchFamily="34" charset="0"/>
-                  <a:buChar char="•"/>
-                </a:pPr>
-                <a:endParaRPr lang="it-IT"/>
-              </a:p>
-            </p:txBody>
-          </p:sp>
-        </mc:Choice>
-        <mc:Fallback xmlns="">
-          <p:sp>
-            <p:nvSpPr>
-              <p:cNvPr id="4" name="Segnaposto testo 3">
-                <a:extLst>
-                  <a:ext uri="{FF2B5EF4-FFF2-40B4-BE49-F238E27FC236}">
-                    <a16:creationId xmlns:a16="http://schemas.microsoft.com/office/drawing/2014/main" id="{A17F80A9-6337-524E-AC61-32C5AFEE8E6D}"/>
-                  </a:ext>
-                </a:extLst>
-              </p:cNvPr>
-              <p:cNvSpPr>
-                <a:spLocks noGrp="1" noRot="1" noChangeAspect="1" noMove="1" noResize="1" noEditPoints="1" noAdjustHandles="1" noChangeArrowheads="1" noChangeShapeType="1" noTextEdit="1"/>
-              </p:cNvSpPr>
-              <p:nvPr>
-                <p:ph type="body" sz="quarter" idx="11"/>
-              </p:nvPr>
-            </p:nvSpPr>
-            <p:spPr>
-              <a:blipFill>
-                <a:blip r:embed="rId3"/>
-                <a:stretch>
-                  <a:fillRect l="-2533" t="-5459" r="-400"/>
-                </a:stretch>
-              </a:blipFill>
-            </p:spPr>
-            <p:txBody>
-              <a:bodyPr/>
-              <a:lstStyle/>
-              <a:p>
-                <a:r>
-                  <a:rPr lang="it-IT">
-                    <a:noFill/>
-                  </a:rPr>
-                  <a:t> </a:t>
-                </a:r>
-              </a:p>
-            </p:txBody>
-          </p:sp>
-        </mc:Fallback>
-      </mc:AlternateContent>
-      <p:sp>
-        <p:nvSpPr>
-          <p:cNvPr id="7" name="Segnaposto numero diapositiva 6">
-            <a:extLst>
-              <a:ext uri="{FF2B5EF4-FFF2-40B4-BE49-F238E27FC236}">
-                <a16:creationId xmlns:a16="http://schemas.microsoft.com/office/drawing/2014/main" id="{F37669F0-EA6D-6B46-AF0E-A9C2D1F223DB}"/>
-              </a:ext>
-            </a:extLst>
-          </p:cNvPr>
-          <p:cNvSpPr>
-            <a:spLocks noGrp="1"/>
-          </p:cNvSpPr>
-          <p:nvPr>
-            <p:ph type="sldNum" sz="quarter" idx="16"/>
-          </p:nvPr>
-        </p:nvSpPr>
-        <p:spPr>
-          <a:xfrm>
-            <a:off x="971550" y="6332220"/>
-            <a:ext cx="523240" cy="247651"/>
-          </a:xfrm>
-        </p:spPr>
-        <p:txBody>
-          <a:bodyPr rtlCol="0"/>
-          <a:lstStyle/>
-          <a:p>
-            <a:pPr rtl="0"/>
-            <a:fld id="{294A09A9-5501-47C1-A89A-A340965A2BE2}" type="slidenum">
-              <a:rPr lang="it-IT" smtClean="0"/>
-              <a:pPr rtl="0"/>
-              <a:t>2</a:t>
-            </a:fld>
-            <a:endParaRPr lang="it-IT"/>
-          </a:p>
-        </p:txBody>
-      </p:sp>
-      <p:sp>
-        <p:nvSpPr>
-          <p:cNvPr id="6" name="Segnaposto piè di pagina 5">
-            <a:extLst>
-              <a:ext uri="{FF2B5EF4-FFF2-40B4-BE49-F238E27FC236}">
-                <a16:creationId xmlns:a16="http://schemas.microsoft.com/office/drawing/2014/main" id="{66F3960A-D260-8445-A153-0B674474CEBD}"/>
-              </a:ext>
-            </a:extLst>
-          </p:cNvPr>
-          <p:cNvSpPr>
-            <a:spLocks noGrp="1"/>
-          </p:cNvSpPr>
-          <p:nvPr>
-            <p:ph type="ftr" sz="quarter" idx="15"/>
-          </p:nvPr>
-        </p:nvSpPr>
-        <p:spPr>
-          <a:xfrm>
-            <a:off x="1494790" y="6332220"/>
-            <a:ext cx="1497330" cy="247651"/>
-          </a:xfrm>
-        </p:spPr>
-        <p:txBody>
-          <a:bodyPr rtlCol="0"/>
-          <a:lstStyle/>
-          <a:p>
-            <a:pPr rtl="0"/>
-            <a:r>
-              <a:rPr lang="it-IT"/>
-              <a:t>Progetto AMOD</a:t>
-            </a:r>
-          </a:p>
-        </p:txBody>
-      </p:sp>
-      <p:sp>
-        <p:nvSpPr>
-          <p:cNvPr id="5" name="Segnaposto data 4">
-            <a:extLst>
-              <a:ext uri="{FF2B5EF4-FFF2-40B4-BE49-F238E27FC236}">
-                <a16:creationId xmlns:a16="http://schemas.microsoft.com/office/drawing/2014/main" id="{2E803E71-3088-0347-9BCC-16ADB551CCC8}"/>
-              </a:ext>
-            </a:extLst>
-          </p:cNvPr>
-          <p:cNvSpPr>
-            <a:spLocks noGrp="1"/>
-          </p:cNvSpPr>
-          <p:nvPr>
-            <p:ph type="dt" sz="half" idx="14"/>
-          </p:nvPr>
-        </p:nvSpPr>
-        <p:spPr>
-          <a:xfrm>
-            <a:off x="2992120" y="6332220"/>
-            <a:ext cx="1313180" cy="247651"/>
-          </a:xfrm>
-        </p:spPr>
-        <p:txBody>
-          <a:bodyPr rtlCol="0"/>
-          <a:lstStyle/>
-          <a:p>
-            <a:pPr rtl="0"/>
-            <a:fld id="{B7909059-8104-4590-BD91-254A7C1B3A73}" type="datetime4">
-              <a:rPr lang="it-IT" smtClean="0"/>
-              <a:t>22 ottobre 2022</a:t>
-            </a:fld>
-            <a:endParaRPr lang="it-IT"/>
-          </a:p>
-        </p:txBody>
-      </p:sp>
-      <p:pic>
-        <p:nvPicPr>
-          <p:cNvPr id="53" name="Segnaposto immagine 52" descr="Lampadine sospese">
-            <a:extLst>
-              <a:ext uri="{FF2B5EF4-FFF2-40B4-BE49-F238E27FC236}">
-                <a16:creationId xmlns:a16="http://schemas.microsoft.com/office/drawing/2014/main" id="{CAC9EF15-08A3-406D-9236-76A5454D5F8A}"/>
-              </a:ext>
-            </a:extLst>
-          </p:cNvPr>
-          <p:cNvPicPr>
-            <a:picLocks noGrp="1" noChangeAspect="1"/>
-          </p:cNvPicPr>
-          <p:nvPr>
-            <p:ph type="pic" sz="quarter" idx="13"/>
-          </p:nvPr>
-        </p:nvPicPr>
-        <p:blipFill>
-          <a:blip r:embed="rId4">
-            <a:extLst>
-              <a:ext uri="{28A0092B-C50C-407E-A947-70E740481C1C}">
-                <a14:useLocalDpi xmlns:a14="http://schemas.microsoft.com/office/drawing/2010/main" val="0"/>
-              </a:ext>
-            </a:extLst>
-          </a:blip>
-          <a:srcRect/>
-          <a:stretch>
-            <a:fillRect/>
-          </a:stretch>
-        </p:blipFill>
-        <p:spPr/>
-      </p:pic>
-    </p:spTree>
-    <p:extLst>
-      <p:ext uri="{BB962C8B-B14F-4D97-AF65-F5344CB8AC3E}">
-        <p14:creationId xmlns:p14="http://schemas.microsoft.com/office/powerpoint/2010/main" val="391246093"/>
-      </p:ext>
-    </p:extLst>
-  </p:cSld>
-  <p:clrMapOvr>
-    <a:masterClrMapping/>
-  </p:clrMapOvr>
+  <mc:AlternateContent xmlns:mc="http://schemas.openxmlformats.org/markup-compatibility/2006">
+    <mc:Choice xmlns:p14="http://schemas.microsoft.com/office/powerpoint/2010/main" Requires="p14">
+      <p:transition spd="med" p14:dur="700">
+        <p:fade/>
+      </p:transition>
+    </mc:Choice>
+    <mc:Fallback>
+      <p:transition spd="med">
+        <p:fade/>
+      </p:transition>
+    </mc:Fallback>
+  </mc:AlternateContent>
 </p:sld>
 </file>
 
@@ -20697,17 +27193,17 @@
                         <m:chr m:val="∑"/>
                         <m:supHide m:val="on"/>
                         <m:ctrlPr>
-                          <a:rPr lang="it-IT" b="1" i="1" smtClean="0">
+                          <a:rPr lang="it-IT" i="1" smtClean="0">
                             <a:latin typeface="Cambria Math" panose="02040503050406030204" pitchFamily="18" charset="0"/>
                           </a:rPr>
                         </m:ctrlPr>
                       </m:naryPr>
                       <m:sub>
                         <m:r>
-                          <a:rPr lang="it-IT" b="1" i="1" smtClean="0">
+                          <a:rPr lang="it-IT" b="0" i="1" smtClean="0">
                             <a:latin typeface="Cambria Math" panose="02040503050406030204" pitchFamily="18" charset="0"/>
                           </a:rPr>
-                          <m:t>𝒋</m:t>
+                          <m:t>𝑗</m:t>
                         </m:r>
                       </m:sub>
                       <m:sup/>
@@ -20715,28 +27211,28 @@
                         <m:sSub>
                           <m:sSubPr>
                             <m:ctrlPr>
-                              <a:rPr lang="it-IT" b="1" i="1" smtClean="0">
+                              <a:rPr lang="it-IT" i="1" smtClean="0">
                                 <a:latin typeface="Cambria Math" panose="02040503050406030204" pitchFamily="18" charset="0"/>
                               </a:rPr>
                             </m:ctrlPr>
                           </m:sSubPr>
                           <m:e>
                             <m:r>
-                              <a:rPr lang="it-IT" b="1" i="1" smtClean="0">
+                              <a:rPr lang="it-IT" b="0" i="1" smtClean="0">
                                 <a:latin typeface="Cambria Math" panose="02040503050406030204" pitchFamily="18" charset="0"/>
                               </a:rPr>
-                              <m:t>𝒑</m:t>
+                              <m:t>𝑝</m:t>
                             </m:r>
                           </m:e>
                           <m:sub>
                             <m:r>
-                              <a:rPr lang="it-IT" b="1" i="1" smtClean="0">
+                              <a:rPr lang="it-IT" b="0" i="1" smtClean="0">
                                 <a:latin typeface="Cambria Math" panose="02040503050406030204" pitchFamily="18" charset="0"/>
                               </a:rPr>
-                              <m:t>𝒋</m:t>
+                              <m:t>𝑗</m:t>
                             </m:r>
                             <m:r>
-                              <a:rPr lang="it-IT" b="1" i="1" smtClean="0">
+                              <a:rPr lang="it-IT" b="0" i="1" smtClean="0">
                                 <a:latin typeface="Cambria Math" panose="02040503050406030204" pitchFamily="18" charset="0"/>
                               </a:rPr>
                               <m:t> </m:t>
@@ -20744,7 +27240,7 @@
                           </m:sub>
                         </m:sSub>
                         <m:r>
-                          <a:rPr lang="it-IT" b="1" i="1" smtClean="0">
+                          <a:rPr lang="it-IT" b="0" i="1" smtClean="0">
                             <a:latin typeface="Cambria Math" panose="02040503050406030204" pitchFamily="18" charset="0"/>
                           </a:rPr>
                           <m:t>+</m:t>
@@ -20798,7 +27294,7 @@
                           </m:e>
                           <m:sub>
                             <m:r>
-                              <a:rPr lang="it-IT" i="1">
+                              <a:rPr lang="it-IT" b="0" i="1">
                                 <a:latin typeface="Cambria Math" panose="02040503050406030204" pitchFamily="18" charset="0"/>
                               </a:rPr>
                               <m:t>𝑗</m:t>
@@ -20963,14 +27459,14 @@
             <a:pPr rtl="0"/>
             <a:fld id="{B7909059-8104-4590-BD91-254A7C1B3A73}" type="datetime4">
               <a:rPr lang="it-IT" smtClean="0"/>
-              <a:t>22 ottobre 2022</a:t>
+              <a:t>4 novembre 2022</a:t>
             </a:fld>
             <a:endParaRPr lang="it-IT"/>
           </a:p>
         </p:txBody>
       </p:sp>
-      <mc:AlternateContent xmlns:mc="http://schemas.openxmlformats.org/markup-compatibility/2006">
-        <mc:Choice xmlns:a14="http://schemas.microsoft.com/office/drawing/2010/main" Requires="a14">
+      <mc:AlternateContent xmlns:mc="http://schemas.openxmlformats.org/markup-compatibility/2006" xmlns:a14="http://schemas.microsoft.com/office/drawing/2010/main">
+        <mc:Choice Requires="a14">
           <p:sp>
             <p:nvSpPr>
               <p:cNvPr id="9" name="CasellaDiTesto 8">
@@ -22600,7 +29096,7 @@
             </p:txBody>
           </p:sp>
         </mc:Choice>
-        <mc:Fallback>
+        <mc:Fallback xmlns="">
           <p:sp>
             <p:nvSpPr>
               <p:cNvPr id="9" name="CasellaDiTesto 8">
@@ -22686,13 +29182,25 @@
     </p:spTree>
     <p:extLst>
       <p:ext uri="{BB962C8B-B14F-4D97-AF65-F5344CB8AC3E}">
-        <p14:creationId xmlns:p14="http://schemas.microsoft.com/office/powerpoint/2010/main" val="3042089878"/>
+        <p14:creationId xmlns:p14="http://schemas.microsoft.com/office/powerpoint/2010/main" val="3067550520"/>
       </p:ext>
     </p:extLst>
   </p:cSld>
   <p:clrMapOvr>
     <a:masterClrMapping/>
   </p:clrMapOvr>
+  <mc:AlternateContent xmlns:mc="http://schemas.openxmlformats.org/markup-compatibility/2006">
+    <mc:Choice xmlns:p14="http://schemas.microsoft.com/office/powerpoint/2010/main" Requires="p14">
+      <p:transition spd="med" p14:dur="700">
+        <p:fade/>
+      </p:transition>
+    </mc:Choice>
+    <mc:Fallback>
+      <p:transition spd="med">
+        <p:fade/>
+      </p:transition>
+    </mc:Fallback>
+  </mc:AlternateContent>
 </p:sld>
 </file>
 
@@ -22745,8 +29253,8 @@
           </a:p>
         </p:txBody>
       </p:sp>
-      <mc:AlternateContent xmlns:mc="http://schemas.openxmlformats.org/markup-compatibility/2006">
-        <mc:Choice xmlns:a14="http://schemas.microsoft.com/office/drawing/2010/main" Requires="a14">
+      <mc:AlternateContent xmlns:mc="http://schemas.openxmlformats.org/markup-compatibility/2006" xmlns:a14="http://schemas.microsoft.com/office/drawing/2010/main">
+        <mc:Choice Requires="a14">
           <p:sp>
             <p:nvSpPr>
               <p:cNvPr id="4" name="Segnaposto testo 3">
@@ -22970,7 +29478,7 @@
             </p:txBody>
           </p:sp>
         </mc:Choice>
-        <mc:Fallback>
+        <mc:Fallback xmlns="">
           <p:sp>
             <p:nvSpPr>
               <p:cNvPr id="4" name="Segnaposto testo 3">
@@ -23113,7 +29621,7 @@
             <a:pPr rtl="0"/>
             <a:fld id="{B7909059-8104-4590-BD91-254A7C1B3A73}" type="datetime4">
               <a:rPr lang="it-IT" smtClean="0"/>
-              <a:t>22 ottobre 2022</a:t>
+              <a:t>4 novembre 2022</a:t>
             </a:fld>
             <a:endParaRPr lang="it-IT"/>
           </a:p>
@@ -23129,6 +29637,18 @@
   <p:clrMapOvr>
     <a:masterClrMapping/>
   </p:clrMapOvr>
+  <mc:AlternateContent xmlns:mc="http://schemas.openxmlformats.org/markup-compatibility/2006">
+    <mc:Choice xmlns:p14="http://schemas.microsoft.com/office/powerpoint/2010/main" Requires="p14">
+      <p:transition spd="med" p14:dur="700">
+        <p:fade/>
+      </p:transition>
+    </mc:Choice>
+    <mc:Fallback>
+      <p:transition spd="med">
+        <p:fade/>
+      </p:transition>
+    </mc:Fallback>
+  </mc:AlternateContent>
 </p:sld>
 </file>
 
@@ -23181,8 +29701,8 @@
           </a:p>
         </p:txBody>
       </p:sp>
-      <mc:AlternateContent xmlns:mc="http://schemas.openxmlformats.org/markup-compatibility/2006">
-        <mc:Choice xmlns:a14="http://schemas.microsoft.com/office/drawing/2010/main" Requires="a14">
+      <mc:AlternateContent xmlns:mc="http://schemas.openxmlformats.org/markup-compatibility/2006" xmlns:a14="http://schemas.microsoft.com/office/drawing/2010/main">
+        <mc:Choice Requires="a14">
           <p:sp>
             <p:nvSpPr>
               <p:cNvPr id="4" name="Segnaposto testo 3">
@@ -23358,13 +29878,10 @@
                 <a:endParaRPr lang="it-IT"/>
               </a:p>
               <a:p>
-                <a:pPr marL="285750" indent="-285750" rtl="0">
-                  <a:buFont typeface="Arial" panose="020B0604020202020204" pitchFamily="34" charset="0"/>
-                  <a:buChar char="•"/>
-                </a:pPr>
+                <a:pPr marL="971550" lvl="1" indent="-285750"/>
                 <a:r>
-                  <a:rPr lang="it-IT"/>
-                  <a:t>Ad ogni istante di tempo, si processa il job che può essere completato prima, scegliendo tra quelli «disponibili» (ovvero, la cui release date è passata)</a:t>
+                  <a:rPr lang="it-IT" sz="1600"/>
+                  <a:t>Ad ogni istante di tempo, si processa il job che può essere completato prima, scegliendo tra quelli «disponibili» (ovvero, la cui release date è passata rispetto all’istante corrente)</a:t>
                 </a:r>
               </a:p>
               <a:p>
@@ -23394,7 +29911,7 @@
             </p:txBody>
           </p:sp>
         </mc:Choice>
-        <mc:Fallback>
+        <mc:Fallback xmlns="">
           <p:sp>
             <p:nvSpPr>
               <p:cNvPr id="4" name="Segnaposto testo 3">
@@ -23419,7 +29936,7 @@
               <a:blipFill>
                 <a:blip r:embed="rId3"/>
                 <a:stretch>
-                  <a:fillRect l="-1675" t="-1238" r="-1499"/>
+                  <a:fillRect l="-1675" t="-1238"/>
                 </a:stretch>
               </a:blipFill>
             </p:spPr>
@@ -23537,7 +30054,7 @@
             <a:pPr rtl="0"/>
             <a:fld id="{B7909059-8104-4590-BD91-254A7C1B3A73}" type="datetime4">
               <a:rPr lang="it-IT" smtClean="0"/>
-              <a:t>22 ottobre 2022</a:t>
+              <a:t>4 novembre 2022</a:t>
             </a:fld>
             <a:endParaRPr lang="it-IT"/>
           </a:p>
@@ -23553,6 +30070,18 @@
   <p:clrMapOvr>
     <a:masterClrMapping/>
   </p:clrMapOvr>
+  <mc:AlternateContent xmlns:mc="http://schemas.openxmlformats.org/markup-compatibility/2006">
+    <mc:Choice xmlns:p14="http://schemas.microsoft.com/office/powerpoint/2010/main" Requires="p14">
+      <p:transition spd="med" p14:dur="700">
+        <p:fade/>
+      </p:transition>
+    </mc:Choice>
+    <mc:Fallback>
+      <p:transition spd="med">
+        <p:fade/>
+      </p:transition>
+    </mc:Fallback>
+  </mc:AlternateContent>
 </p:sld>
 </file>
 
@@ -23605,8 +30134,8 @@
           </a:p>
         </p:txBody>
       </p:sp>
-      <mc:AlternateContent xmlns:mc="http://schemas.openxmlformats.org/markup-compatibility/2006">
-        <mc:Choice xmlns:a14="http://schemas.microsoft.com/office/drawing/2010/main" Requires="a14">
+      <mc:AlternateContent xmlns:mc="http://schemas.openxmlformats.org/markup-compatibility/2006" xmlns:a14="http://schemas.microsoft.com/office/drawing/2010/main">
+        <mc:Choice Requires="a14">
           <p:sp>
             <p:nvSpPr>
               <p:cNvPr id="4" name="Segnaposto testo 3">
@@ -23979,7 +30508,7 @@
             </p:txBody>
           </p:sp>
         </mc:Choice>
-        <mc:Fallback>
+        <mc:Fallback xmlns="">
           <p:sp>
             <p:nvSpPr>
               <p:cNvPr id="4" name="Segnaposto testo 3">
@@ -24122,7 +30651,7 @@
             <a:pPr rtl="0"/>
             <a:fld id="{B7909059-8104-4590-BD91-254A7C1B3A73}" type="datetime4">
               <a:rPr lang="it-IT" smtClean="0"/>
-              <a:t>22 ottobre 2022</a:t>
+              <a:t>4 novembre 2022</a:t>
             </a:fld>
             <a:endParaRPr lang="it-IT"/>
           </a:p>
@@ -24173,6 +30702,18 @@
   <p:clrMapOvr>
     <a:masterClrMapping/>
   </p:clrMapOvr>
+  <mc:AlternateContent xmlns:mc="http://schemas.openxmlformats.org/markup-compatibility/2006">
+    <mc:Choice xmlns:p14="http://schemas.microsoft.com/office/powerpoint/2010/main" Requires="p14">
+      <p:transition spd="med" p14:dur="700">
+        <p:fade/>
+      </p:transition>
+    </mc:Choice>
+    <mc:Fallback>
+      <p:transition spd="med">
+        <p:fade/>
+      </p:transition>
+    </mc:Fallback>
+  </mc:AlternateContent>
 </p:sld>
 </file>
 
@@ -24426,7 +30967,7 @@
             <a:pPr rtl="0"/>
             <a:fld id="{B7909059-8104-4590-BD91-254A7C1B3A73}" type="datetime4">
               <a:rPr lang="it-IT" smtClean="0"/>
-              <a:t>22 ottobre 2022</a:t>
+              <a:t>4 novembre 2022</a:t>
             </a:fld>
             <a:endParaRPr lang="it-IT"/>
           </a:p>
@@ -24478,6 +31019,18 @@
   <p:clrMapOvr>
     <a:masterClrMapping/>
   </p:clrMapOvr>
+  <mc:AlternateContent xmlns:mc="http://schemas.openxmlformats.org/markup-compatibility/2006">
+    <mc:Choice xmlns:p14="http://schemas.microsoft.com/office/powerpoint/2010/main" Requires="p14">
+      <p:transition spd="med" p14:dur="700">
+        <p:fade/>
+      </p:transition>
+    </mc:Choice>
+    <mc:Fallback>
+      <p:transition spd="med">
+        <p:fade/>
+      </p:transition>
+    </mc:Fallback>
+  </mc:AlternateContent>
 </p:sld>
 </file>
 
@@ -24530,8 +31083,8 @@
           </a:p>
         </p:txBody>
       </p:sp>
-      <mc:AlternateContent xmlns:mc="http://schemas.openxmlformats.org/markup-compatibility/2006">
-        <mc:Choice xmlns:a14="http://schemas.microsoft.com/office/drawing/2010/main" Requires="a14">
+      <mc:AlternateContent xmlns:mc="http://schemas.openxmlformats.org/markup-compatibility/2006" xmlns:a14="http://schemas.microsoft.com/office/drawing/2010/main">
+        <mc:Choice Requires="a14">
           <p:sp>
             <p:nvSpPr>
               <p:cNvPr id="4" name="Segnaposto testo 3">
@@ -24756,7 +31309,7 @@
                         <m:nor/>
                       </m:rPr>
                       <a:rPr lang="it-IT" sz="1800" i="1"/>
-                      <m:t>-</m:t>
+                      <m:t>−</m:t>
                     </m:r>
                     <m:r>
                       <m:rPr>
@@ -24918,7 +31471,7 @@
             </p:txBody>
           </p:sp>
         </mc:Choice>
-        <mc:Fallback>
+        <mc:Fallback xmlns="">
           <p:sp>
             <p:nvSpPr>
               <p:cNvPr id="4" name="Segnaposto testo 3">
@@ -25061,7 +31614,7 @@
             <a:pPr rtl="0"/>
             <a:fld id="{B7909059-8104-4590-BD91-254A7C1B3A73}" type="datetime4">
               <a:rPr lang="it-IT" smtClean="0"/>
-              <a:t>22 ottobre 2022</a:t>
+              <a:t>4 novembre 2022</a:t>
             </a:fld>
             <a:endParaRPr lang="it-IT"/>
           </a:p>
@@ -25320,6 +31873,18 @@
   <p:clrMapOvr>
     <a:masterClrMapping/>
   </p:clrMapOvr>
+  <mc:AlternateContent xmlns:mc="http://schemas.openxmlformats.org/markup-compatibility/2006">
+    <mc:Choice xmlns:p14="http://schemas.microsoft.com/office/powerpoint/2010/main" Requires="p14">
+      <p:transition spd="med" p14:dur="700">
+        <p:fade/>
+      </p:transition>
+    </mc:Choice>
+    <mc:Fallback>
+      <p:transition spd="med">
+        <p:fade/>
+      </p:transition>
+    </mc:Fallback>
+  </mc:AlternateContent>
 </p:sld>
 </file>
 
@@ -25422,23 +31987,19 @@
             </a:pPr>
             <a:r>
               <a:rPr lang="it-IT" sz="1800"/>
-              <a:t>Per ogni esperimento, abbiamo considerato le possibili combinazioni tra la distribuzione delle </a:t>
+              <a:t>Data la complessità del problema, è stato posto un </a:t>
             </a:r>
             <a:r>
               <a:rPr lang="it-IT" sz="1800" i="1"/>
-              <a:t>release dates {vicine allo 0, lontane dallo 0} </a:t>
+              <a:t>limite</a:t>
             </a:r>
             <a:r>
               <a:rPr lang="it-IT" sz="1800"/>
-              <a:t>e dei </a:t>
-            </a:r>
-            <a:r>
-              <a:rPr lang="it-IT" sz="1800" i="1"/>
-              <a:t>processing times {bassa varianza, uniforme, alta varianza}</a:t>
-            </a:r>
-            <a:r>
-              <a:rPr lang="it-IT" sz="1800"/>
-              <a:t>, ottenendo 6 classi di istanze</a:t>
+              <a:t> per la computazione di una singola istanza pari a </a:t>
+            </a:r>
+            <a:r>
+              <a:rPr lang="it-IT" sz="1800" b="1"/>
+              <a:t>60 secondi</a:t>
             </a:r>
           </a:p>
           <a:p>
@@ -25454,22 +32015,12 @@
           <a:p>
             <a:pPr marL="971550" lvl="1" indent="-285750"/>
             <a:r>
+              <a:rPr lang="it-IT" sz="1800" b="1"/>
+              <a:t>Confronto dei tempi di esecuzione</a:t>
+            </a:r>
+            <a:r>
               <a:rPr lang="it-IT" sz="1800"/>
-              <a:t>Confronto dei tempi di esecuzione, dato un limite di tempo massimo</a:t>
-            </a:r>
-          </a:p>
-          <a:p>
-            <a:pPr marL="971550" lvl="1" indent="-285750"/>
-            <a:r>
-              <a:rPr lang="it-IT" sz="1800"/>
-              <a:t>Confronto dei tempi di esecuzione, senza un limite di tempo massimo </a:t>
-            </a:r>
-          </a:p>
-          <a:p>
-            <a:pPr marL="971550" lvl="1" indent="-285750"/>
-            <a:r>
-              <a:rPr lang="it-IT" sz="1800"/>
-              <a:t>Confronto delle soluzioni ottime trovate</a:t>
+              <a:t>, dato il limite di tempo massimo</a:t>
             </a:r>
           </a:p>
           <a:p>
@@ -25577,7 +32128,7 @@
             <a:pPr rtl="0"/>
             <a:fld id="{B7909059-8104-4590-BD91-254A7C1B3A73}" type="datetime4">
               <a:rPr lang="it-IT" smtClean="0"/>
-              <a:t>22 ottobre 2022</a:t>
+              <a:t>4 novembre 2022</a:t>
             </a:fld>
             <a:endParaRPr lang="it-IT"/>
           </a:p>
@@ -25801,6 +32352,18 @@
   <p:clrMapOvr>
     <a:masterClrMapping/>
   </p:clrMapOvr>
+  <mc:AlternateContent xmlns:mc="http://schemas.openxmlformats.org/markup-compatibility/2006">
+    <mc:Choice xmlns:p14="http://schemas.microsoft.com/office/powerpoint/2010/main" Requires="p14">
+      <p:transition spd="med" p14:dur="700">
+        <p:fade/>
+      </p:transition>
+    </mc:Choice>
+    <mc:Fallback>
+      <p:transition spd="med">
+        <p:fade/>
+      </p:transition>
+    </mc:Fallback>
+  </mc:AlternateContent>
 </p:sld>
 </file>
 
@@ -26596,6 +33159,15 @@
 </file>
 
 <file path=customXml/item1.xml><?xml version="1.0" encoding="utf-8"?>
+<p:properties xmlns:p="http://schemas.microsoft.com/office/2006/metadata/properties" xmlns:xsi="http://www.w3.org/2001/XMLSchema-instance" xmlns:pc="http://schemas.microsoft.com/office/infopath/2007/PartnerControls">
+  <documentManagement>
+    <Status xmlns="71af3243-3dd4-4a8d-8c0d-dd76da1f02a5">Not started</Status>
+    <MediaServiceKeyPoints xmlns="71af3243-3dd4-4a8d-8c0d-dd76da1f02a5" xsi:nil="true"/>
+  </documentManagement>
+</p:properties>
+</file>
+
+<file path=customXml/item2.xml><?xml version="1.0" encoding="utf-8"?>
 <ct:contentTypeSchema xmlns:ct="http://schemas.microsoft.com/office/2006/metadata/contentType" xmlns:ma="http://schemas.microsoft.com/office/2006/metadata/properties/metaAttributes" ct:_="" ma:_="" ma:contentTypeName="Document" ma:contentTypeID="0x01010079F111ED35F8CC479449609E8A0923A6" ma:contentTypeVersion="12" ma:contentTypeDescription="Create a new document." ma:contentTypeScope="" ma:versionID="426e97fa315356fffbdcd9876fe988c2">
   <xsd:schema xmlns:xsd="http://www.w3.org/2001/XMLSchema" xmlns:xs="http://www.w3.org/2001/XMLSchema" xmlns:p="http://schemas.microsoft.com/office/2006/metadata/properties" xmlns:ns2="71af3243-3dd4-4a8d-8c0d-dd76da1f02a5" xmlns:ns3="16c05727-aa75-4e4a-9b5f-8a80a1165891" targetNamespace="http://schemas.microsoft.com/office/2006/metadata/properties" ma:root="true" ma:fieldsID="14b8f0def80e6d70ce3def20c90759ae" ns2:_="" ns3:_="">
     <xsd:import namespace="71af3243-3dd4-4a8d-8c0d-dd76da1f02a5"/>
@@ -26816,15 +33388,6 @@
 </ct:contentTypeSchema>
 </file>
 
-<file path=customXml/item2.xml><?xml version="1.0" encoding="utf-8"?>
-<p:properties xmlns:p="http://schemas.microsoft.com/office/2006/metadata/properties" xmlns:xsi="http://www.w3.org/2001/XMLSchema-instance" xmlns:pc="http://schemas.microsoft.com/office/infopath/2007/PartnerControls">
-  <documentManagement>
-    <Status xmlns="71af3243-3dd4-4a8d-8c0d-dd76da1f02a5">Not started</Status>
-    <MediaServiceKeyPoints xmlns="71af3243-3dd4-4a8d-8c0d-dd76da1f02a5" xsi:nil="true"/>
-  </documentManagement>
-</p:properties>
-</file>
-
 <file path=customXml/item3.xml><?xml version="1.0" encoding="utf-8"?>
 <?mso-contentType ?>
 <FormTemplates xmlns="http://schemas.microsoft.com/sharepoint/v3/contenttype/forms">
@@ -26835,6 +33398,16 @@
 </file>
 
 <file path=customXml/itemProps1.xml><?xml version="1.0" encoding="utf-8"?>
+<ds:datastoreItem xmlns:ds="http://schemas.openxmlformats.org/officeDocument/2006/customXml" ds:itemID="{09EC1AB0-9704-404D-B6D3-819D938AC55B}">
+  <ds:schemaRefs>
+    <ds:schemaRef ds:uri="http://schemas.microsoft.com/office/2006/metadata/properties"/>
+    <ds:schemaRef ds:uri="http://schemas.microsoft.com/office/infopath/2007/PartnerControls"/>
+    <ds:schemaRef ds:uri="71af3243-3dd4-4a8d-8c0d-dd76da1f02a5"/>
+  </ds:schemaRefs>
+</ds:datastoreItem>
+</file>
+
+<file path=customXml/itemProps2.xml><?xml version="1.0" encoding="utf-8"?>
 <ds:datastoreItem xmlns:ds="http://schemas.openxmlformats.org/officeDocument/2006/customXml" ds:itemID="{94F21D10-BD83-491A-AAA6-945C2DB1EB01}">
   <ds:schemaRefs>
     <ds:schemaRef ds:uri="http://schemas.microsoft.com/office/2006/metadata/contentType"/>
@@ -26853,16 +33426,6 @@
 </ds:datastoreItem>
 </file>
 
-<file path=customXml/itemProps2.xml><?xml version="1.0" encoding="utf-8"?>
-<ds:datastoreItem xmlns:ds="http://schemas.openxmlformats.org/officeDocument/2006/customXml" ds:itemID="{09EC1AB0-9704-404D-B6D3-819D938AC55B}">
-  <ds:schemaRefs>
-    <ds:schemaRef ds:uri="http://schemas.microsoft.com/office/2006/metadata/properties"/>
-    <ds:schemaRef ds:uri="http://schemas.microsoft.com/office/infopath/2007/PartnerControls"/>
-    <ds:schemaRef ds:uri="71af3243-3dd4-4a8d-8c0d-dd76da1f02a5"/>
-  </ds:schemaRefs>
-</ds:datastoreItem>
-</file>
-
 <file path=customXml/itemProps3.xml><?xml version="1.0" encoding="utf-8"?>
 <ds:datastoreItem xmlns:ds="http://schemas.openxmlformats.org/officeDocument/2006/customXml" ds:itemID="{1D20B6E4-879E-4E6C-BDE7-261540CD3765}">
   <ds:schemaRefs>
